--- a/docs/PINOUT.pptx
+++ b/docs/PINOUT.pptx
@@ -2,7 +2,7 @@
 <file path=ppt/presentation.xml><?xml version="1.0" encoding="utf-8"?>
 <p:presentation xmlns:a="http://schemas.openxmlformats.org/drawingml/2006/main" xmlns:r="http://schemas.openxmlformats.org/officeDocument/2006/relationships" xmlns:p="http://schemas.openxmlformats.org/presentationml/2006/main" saveSubsetFonts="1">
   <p:sldMasterIdLst>
-    <p:sldMasterId id="2147483648" r:id="rId1"/>
+    <p:sldMasterId id="2147483755" r:id="rId1"/>
   </p:sldMasterIdLst>
   <p:sldIdLst>
     <p:sldId id="257" r:id="rId2"/>
@@ -104,6 +104,11 @@
       </a:defRPr>
     </a:lvl9pPr>
   </p:defaultTextStyle>
+  <p:extLst>
+    <p:ext uri="{EFAFB233-063F-42B5-8137-9DF3F51BA10A}">
+      <p15:sldGuideLst xmlns:p15="http://schemas.microsoft.com/office/powerpoint/2012/main"/>
+    </p:ext>
+  </p:extLst>
 </p:presentation>
 </file>
 
@@ -124,9 +129,148 @@
           <a:chExt cx="0" cy="0"/>
         </a:xfrm>
       </p:grpSpPr>
-      <p:sp>
-        <p:nvSpPr>
-          <p:cNvPr id="2" name="Título 1"/>
+      <p:pic>
+        <p:nvPicPr>
+          <p:cNvPr id="7" name="Picture 6" descr="HD-ShadowLong.png"/>
+          <p:cNvPicPr>
+            <a:picLocks noChangeAspect="1"/>
+          </p:cNvPicPr>
+          <p:nvPr/>
+        </p:nvPicPr>
+        <p:blipFill>
+          <a:blip r:embed="rId2">
+            <a:extLst>
+              <a:ext uri="{28A0092B-C50C-407E-A947-70E740481C1C}">
+                <a14:useLocalDpi xmlns:a14="http://schemas.microsoft.com/office/drawing/2010/main" val="0"/>
+              </a:ext>
+            </a:extLst>
+          </a:blip>
+          <a:stretch>
+            <a:fillRect/>
+          </a:stretch>
+        </p:blipFill>
+        <p:spPr>
+          <a:xfrm>
+            <a:off x="1" y="4242851"/>
+            <a:ext cx="8968084" cy="275942"/>
+          </a:xfrm>
+          <a:prstGeom prst="rect">
+            <a:avLst/>
+          </a:prstGeom>
+        </p:spPr>
+      </p:pic>
+      <p:pic>
+        <p:nvPicPr>
+          <p:cNvPr id="8" name="Picture 7" descr="HD-ShadowShort.png"/>
+          <p:cNvPicPr>
+            <a:picLocks noChangeAspect="1"/>
+          </p:cNvPicPr>
+          <p:nvPr/>
+        </p:nvPicPr>
+        <p:blipFill>
+          <a:blip r:embed="rId3">
+            <a:extLst>
+              <a:ext uri="{28A0092B-C50C-407E-A947-70E740481C1C}">
+                <a14:useLocalDpi xmlns:a14="http://schemas.microsoft.com/office/drawing/2010/main" val="0"/>
+              </a:ext>
+            </a:extLst>
+          </a:blip>
+          <a:stretch>
+            <a:fillRect/>
+          </a:stretch>
+        </p:blipFill>
+        <p:spPr>
+          <a:xfrm>
+            <a:off x="9111716" y="4243845"/>
+            <a:ext cx="3077108" cy="276940"/>
+          </a:xfrm>
+          <a:prstGeom prst="rect">
+            <a:avLst/>
+          </a:prstGeom>
+        </p:spPr>
+      </p:pic>
+      <p:sp>
+        <p:nvSpPr>
+          <p:cNvPr id="9" name="Rectangle 8"/>
+          <p:cNvSpPr/>
+          <p:nvPr/>
+        </p:nvSpPr>
+        <p:spPr>
+          <a:xfrm>
+            <a:off x="0" y="2590078"/>
+            <a:ext cx="8968085" cy="1660332"/>
+          </a:xfrm>
+          <a:prstGeom prst="rect">
+            <a:avLst/>
+          </a:prstGeom>
+          <a:solidFill>
+            <a:schemeClr val="bg1">
+              <a:lumMod val="85000"/>
+              <a:lumOff val="15000"/>
+            </a:schemeClr>
+          </a:solidFill>
+          <a:ln>
+            <a:noFill/>
+          </a:ln>
+        </p:spPr>
+        <p:style>
+          <a:lnRef idx="2">
+            <a:schemeClr val="accent1">
+              <a:shade val="50000"/>
+            </a:schemeClr>
+          </a:lnRef>
+          <a:fillRef idx="1">
+            <a:schemeClr val="accent1"/>
+          </a:fillRef>
+          <a:effectRef idx="0">
+            <a:schemeClr val="accent1"/>
+          </a:effectRef>
+          <a:fontRef idx="minor">
+            <a:schemeClr val="lt1"/>
+          </a:fontRef>
+        </p:style>
+      </p:sp>
+      <p:sp>
+        <p:nvSpPr>
+          <p:cNvPr id="10" name="Rectangle 9"/>
+          <p:cNvSpPr/>
+          <p:nvPr/>
+        </p:nvSpPr>
+        <p:spPr>
+          <a:xfrm>
+            <a:off x="9111715" y="2590078"/>
+            <a:ext cx="3077109" cy="1660332"/>
+          </a:xfrm>
+          <a:prstGeom prst="rect">
+            <a:avLst/>
+          </a:prstGeom>
+          <a:solidFill>
+            <a:schemeClr val="accent1"/>
+          </a:solidFill>
+          <a:ln>
+            <a:noFill/>
+          </a:ln>
+        </p:spPr>
+        <p:style>
+          <a:lnRef idx="2">
+            <a:schemeClr val="accent1">
+              <a:shade val="50000"/>
+            </a:schemeClr>
+          </a:lnRef>
+          <a:fillRef idx="1">
+            <a:schemeClr val="accent1"/>
+          </a:fillRef>
+          <a:effectRef idx="0">
+            <a:schemeClr val="accent1"/>
+          </a:effectRef>
+          <a:fontRef idx="minor">
+            <a:schemeClr val="lt1"/>
+          </a:fontRef>
+        </p:style>
+      </p:sp>
+      <p:sp>
+        <p:nvSpPr>
+          <p:cNvPr id="2" name="Title 1"/>
           <p:cNvSpPr>
             <a:spLocks noGrp="1"/>
           </p:cNvSpPr>
@@ -136,15 +280,17 @@
         </p:nvSpPr>
         <p:spPr>
           <a:xfrm>
-            <a:off x="1524000" y="1122363"/>
-            <a:ext cx="9144000" cy="2387600"/>
-          </a:xfrm>
-        </p:spPr>
-        <p:txBody>
-          <a:bodyPr anchor="b"/>
+            <a:off x="680322" y="2733709"/>
+            <a:ext cx="8144134" cy="1373070"/>
+          </a:xfrm>
+        </p:spPr>
+        <p:txBody>
+          <a:bodyPr anchor="b">
+            <a:noAutofit/>
+          </a:bodyPr>
           <a:lstStyle>
-            <a:lvl1pPr algn="ctr">
-              <a:defRPr sz="6000"/>
+            <a:lvl1pPr algn="r">
+              <a:defRPr sz="5400"/>
             </a:lvl1pPr>
           </a:lstStyle>
           <a:p>
@@ -152,13 +298,13 @@
               <a:rPr lang="es-ES" smtClean="0"/>
               <a:t>Haga clic para modificar el estilo de título del patrón</a:t>
             </a:r>
-            <a:endParaRPr lang="es-CO"/>
-          </a:p>
-        </p:txBody>
-      </p:sp>
-      <p:sp>
-        <p:nvSpPr>
-          <p:cNvPr id="3" name="Subtítulo 2"/>
+            <a:endParaRPr lang="en-US" dirty="0"/>
+          </a:p>
+        </p:txBody>
+      </p:sp>
+      <p:sp>
+        <p:nvSpPr>
+          <p:cNvPr id="3" name="Subtitle 2"/>
           <p:cNvSpPr>
             <a:spLocks noGrp="1"/>
           </p:cNvSpPr>
@@ -168,16 +314,18 @@
         </p:nvSpPr>
         <p:spPr>
           <a:xfrm>
-            <a:off x="1524000" y="3602038"/>
-            <a:ext cx="9144000" cy="1655762"/>
-          </a:xfrm>
-        </p:spPr>
-        <p:txBody>
-          <a:bodyPr/>
+            <a:off x="680322" y="4394039"/>
+            <a:ext cx="8144134" cy="1117687"/>
+          </a:xfrm>
+        </p:spPr>
+        <p:txBody>
+          <a:bodyPr>
+            <a:normAutofit/>
+          </a:bodyPr>
           <a:lstStyle>
-            <a:lvl1pPr marL="0" indent="0" algn="ctr">
-              <a:buNone/>
-              <a:defRPr sz="2400"/>
+            <a:lvl1pPr marL="0" indent="0" algn="r">
+              <a:buNone/>
+              <a:defRPr sz="2000"/>
             </a:lvl1pPr>
             <a:lvl2pPr marL="457200" indent="0" algn="ctr">
               <a:buNone/>
@@ -217,13 +365,13 @@
               <a:rPr lang="es-ES" smtClean="0"/>
               <a:t>Haga clic para modificar el estilo de subtítulo del patrón</a:t>
             </a:r>
-            <a:endParaRPr lang="es-CO"/>
-          </a:p>
-        </p:txBody>
-      </p:sp>
-      <p:sp>
-        <p:nvSpPr>
-          <p:cNvPr id="4" name="Marcador de fecha 3"/>
+            <a:endParaRPr lang="en-US" dirty="0"/>
+          </a:p>
+        </p:txBody>
+      </p:sp>
+      <p:sp>
+        <p:nvSpPr>
+          <p:cNvPr id="4" name="Date Placeholder 3"/>
           <p:cNvSpPr>
             <a:spLocks noGrp="1"/>
           </p:cNvSpPr>
@@ -246,7 +394,7 @@
       </p:sp>
       <p:sp>
         <p:nvSpPr>
-          <p:cNvPr id="5" name="Marcador de pie de página 4"/>
+          <p:cNvPr id="5" name="Footer Placeholder 4"/>
           <p:cNvSpPr>
             <a:spLocks noGrp="1"/>
           </p:cNvSpPr>
@@ -265,7 +413,7 @@
       </p:sp>
       <p:sp>
         <p:nvSpPr>
-          <p:cNvPr id="6" name="Marcador de número de diapositiva 5"/>
+          <p:cNvPr id="6" name="Slide Number Placeholder 5"/>
           <p:cNvSpPr>
             <a:spLocks noGrp="1"/>
           </p:cNvSpPr>
@@ -273,7 +421,12 @@
             <p:ph type="sldNum" sz="quarter" idx="12"/>
           </p:nvPr>
         </p:nvSpPr>
-        <p:spPr/>
+        <p:spPr>
+          <a:xfrm>
+            <a:off x="9255346" y="2750337"/>
+            <a:ext cx="1171888" cy="1356442"/>
+          </a:xfrm>
+        </p:spPr>
         <p:txBody>
           <a:bodyPr/>
           <a:lstStyle/>
@@ -289,7 +442,7 @@
     </p:spTree>
     <p:extLst>
       <p:ext uri="{BB962C8B-B14F-4D97-AF65-F5344CB8AC3E}">
-        <p14:creationId xmlns:p14="http://schemas.microsoft.com/office/powerpoint/2010/main" val="2311963396"/>
+        <p14:creationId xmlns:p14="http://schemas.microsoft.com/office/powerpoint/2010/main" val="1077773099"/>
       </p:ext>
     </p:extLst>
   </p:cSld>
@@ -300,6 +453,3318 @@
 </file>
 
 <file path=ppt/slideLayouts/slideLayout10.xml><?xml version="1.0" encoding="utf-8"?>
+<p:sldLayout xmlns:a="http://schemas.openxmlformats.org/drawingml/2006/main" xmlns:r="http://schemas.openxmlformats.org/officeDocument/2006/relationships" xmlns:p="http://schemas.openxmlformats.org/presentationml/2006/main" preserve="1">
+  <p:cSld name="Imagen panorámica con descripción">
+    <p:spTree>
+      <p:nvGrpSpPr>
+        <p:cNvPr id="1" name=""/>
+        <p:cNvGrpSpPr/>
+        <p:nvPr/>
+      </p:nvGrpSpPr>
+      <p:grpSpPr>
+        <a:xfrm>
+          <a:off x="0" y="0"/>
+          <a:ext cx="0" cy="0"/>
+          <a:chOff x="0" y="0"/>
+          <a:chExt cx="0" cy="0"/>
+        </a:xfrm>
+      </p:grpSpPr>
+      <p:pic>
+        <p:nvPicPr>
+          <p:cNvPr id="8" name="Picture 7" descr="HD-ShadowLong.png"/>
+          <p:cNvPicPr>
+            <a:picLocks noChangeAspect="1"/>
+          </p:cNvPicPr>
+          <p:nvPr/>
+        </p:nvPicPr>
+        <p:blipFill>
+          <a:blip r:embed="rId2">
+            <a:extLst>
+              <a:ext uri="{28A0092B-C50C-407E-A947-70E740481C1C}">
+                <a14:useLocalDpi xmlns:a14="http://schemas.microsoft.com/office/drawing/2010/main" val="0"/>
+              </a:ext>
+            </a:extLst>
+          </a:blip>
+          <a:stretch>
+            <a:fillRect/>
+          </a:stretch>
+        </p:blipFill>
+        <p:spPr>
+          <a:xfrm>
+            <a:off x="1" y="5928628"/>
+            <a:ext cx="10437812" cy="321164"/>
+          </a:xfrm>
+          <a:prstGeom prst="rect">
+            <a:avLst/>
+          </a:prstGeom>
+        </p:spPr>
+      </p:pic>
+      <p:pic>
+        <p:nvPicPr>
+          <p:cNvPr id="9" name="Picture 8" descr="HD-ShadowShort.png"/>
+          <p:cNvPicPr>
+            <a:picLocks noChangeAspect="1"/>
+          </p:cNvPicPr>
+          <p:nvPr/>
+        </p:nvPicPr>
+        <p:blipFill>
+          <a:blip r:embed="rId3" cstate="print">
+            <a:extLst>
+              <a:ext uri="{28A0092B-C50C-407E-A947-70E740481C1C}">
+                <a14:useLocalDpi xmlns:a14="http://schemas.microsoft.com/office/drawing/2010/main" val="0"/>
+              </a:ext>
+            </a:extLst>
+          </a:blip>
+          <a:stretch>
+            <a:fillRect/>
+          </a:stretch>
+        </p:blipFill>
+        <p:spPr>
+          <a:xfrm>
+            <a:off x="10585826" y="5929622"/>
+            <a:ext cx="1602997" cy="144270"/>
+          </a:xfrm>
+          <a:prstGeom prst="rect">
+            <a:avLst/>
+          </a:prstGeom>
+        </p:spPr>
+      </p:pic>
+      <p:sp>
+        <p:nvSpPr>
+          <p:cNvPr id="10" name="Rectangle 9"/>
+          <p:cNvSpPr/>
+          <p:nvPr/>
+        </p:nvSpPr>
+        <p:spPr>
+          <a:xfrm>
+            <a:off x="0" y="4567988"/>
+            <a:ext cx="10437812" cy="1368198"/>
+          </a:xfrm>
+          <a:prstGeom prst="rect">
+            <a:avLst/>
+          </a:prstGeom>
+          <a:solidFill>
+            <a:schemeClr val="bg1">
+              <a:lumMod val="85000"/>
+              <a:lumOff val="15000"/>
+            </a:schemeClr>
+          </a:solidFill>
+          <a:ln>
+            <a:noFill/>
+          </a:ln>
+        </p:spPr>
+        <p:style>
+          <a:lnRef idx="2">
+            <a:schemeClr val="accent1">
+              <a:shade val="50000"/>
+            </a:schemeClr>
+          </a:lnRef>
+          <a:fillRef idx="1">
+            <a:schemeClr val="accent1"/>
+          </a:fillRef>
+          <a:effectRef idx="0">
+            <a:schemeClr val="accent1"/>
+          </a:effectRef>
+          <a:fontRef idx="minor">
+            <a:schemeClr val="lt1"/>
+          </a:fontRef>
+        </p:style>
+      </p:sp>
+      <p:sp>
+        <p:nvSpPr>
+          <p:cNvPr id="11" name="Rectangle 10"/>
+          <p:cNvSpPr/>
+          <p:nvPr/>
+        </p:nvSpPr>
+        <p:spPr>
+          <a:xfrm>
+            <a:off x="10585827" y="4567988"/>
+            <a:ext cx="1602997" cy="1368198"/>
+          </a:xfrm>
+          <a:prstGeom prst="rect">
+            <a:avLst/>
+          </a:prstGeom>
+          <a:solidFill>
+            <a:schemeClr val="accent1"/>
+          </a:solidFill>
+          <a:ln>
+            <a:noFill/>
+          </a:ln>
+        </p:spPr>
+        <p:style>
+          <a:lnRef idx="2">
+            <a:schemeClr val="accent1">
+              <a:shade val="50000"/>
+            </a:schemeClr>
+          </a:lnRef>
+          <a:fillRef idx="1">
+            <a:schemeClr val="accent1"/>
+          </a:fillRef>
+          <a:effectRef idx="0">
+            <a:schemeClr val="accent1"/>
+          </a:effectRef>
+          <a:fontRef idx="minor">
+            <a:schemeClr val="lt1"/>
+          </a:fontRef>
+        </p:style>
+      </p:sp>
+      <p:sp>
+        <p:nvSpPr>
+          <p:cNvPr id="2" name="Title 1"/>
+          <p:cNvSpPr>
+            <a:spLocks noGrp="1"/>
+          </p:cNvSpPr>
+          <p:nvPr>
+            <p:ph type="title"/>
+          </p:nvPr>
+        </p:nvSpPr>
+        <p:spPr>
+          <a:xfrm>
+            <a:off x="680322" y="4711616"/>
+            <a:ext cx="9613859" cy="453051"/>
+          </a:xfrm>
+        </p:spPr>
+        <p:txBody>
+          <a:bodyPr anchor="b">
+            <a:normAutofit/>
+          </a:bodyPr>
+          <a:lstStyle>
+            <a:lvl1pPr>
+              <a:defRPr sz="2400"/>
+            </a:lvl1pPr>
+          </a:lstStyle>
+          <a:p>
+            <a:r>
+              <a:rPr lang="es-ES" smtClean="0"/>
+              <a:t>Haga clic para modificar el estilo de título del patrón</a:t>
+            </a:r>
+            <a:endParaRPr lang="en-US" dirty="0"/>
+          </a:p>
+        </p:txBody>
+      </p:sp>
+      <p:sp>
+        <p:nvSpPr>
+          <p:cNvPr id="3" name="Picture Placeholder 2"/>
+          <p:cNvSpPr>
+            <a:spLocks noGrp="1" noChangeAspect="1"/>
+          </p:cNvSpPr>
+          <p:nvPr>
+            <p:ph type="pic" idx="1"/>
+          </p:nvPr>
+        </p:nvSpPr>
+        <p:spPr>
+          <a:xfrm>
+            <a:off x="680322" y="609597"/>
+            <a:ext cx="9613859" cy="3589575"/>
+          </a:xfrm>
+          <a:noFill/>
+          <a:ln>
+            <a:noFill/>
+          </a:ln>
+          <a:effectLst>
+            <a:outerShdw blurRad="76200" dist="63500" dir="5040000" algn="tl" rotWithShape="0">
+              <a:srgbClr val="000000">
+                <a:alpha val="41000"/>
+              </a:srgbClr>
+            </a:outerShdw>
+          </a:effectLst>
+        </p:spPr>
+        <p:txBody>
+          <a:bodyPr anchor="t"/>
+          <a:lstStyle>
+            <a:lvl1pPr marL="0" indent="0">
+              <a:buNone/>
+              <a:defRPr sz="3200"/>
+            </a:lvl1pPr>
+            <a:lvl2pPr marL="457200" indent="0">
+              <a:buNone/>
+              <a:defRPr sz="2800"/>
+            </a:lvl2pPr>
+            <a:lvl3pPr marL="914400" indent="0">
+              <a:buNone/>
+              <a:defRPr sz="2400"/>
+            </a:lvl3pPr>
+            <a:lvl4pPr marL="1371600" indent="0">
+              <a:buNone/>
+              <a:defRPr sz="2000"/>
+            </a:lvl4pPr>
+            <a:lvl5pPr marL="1828800" indent="0">
+              <a:buNone/>
+              <a:defRPr sz="2000"/>
+            </a:lvl5pPr>
+            <a:lvl6pPr marL="2286000" indent="0">
+              <a:buNone/>
+              <a:defRPr sz="2000"/>
+            </a:lvl6pPr>
+            <a:lvl7pPr marL="2743200" indent="0">
+              <a:buNone/>
+              <a:defRPr sz="2000"/>
+            </a:lvl7pPr>
+            <a:lvl8pPr marL="3200400" indent="0">
+              <a:buNone/>
+              <a:defRPr sz="2000"/>
+            </a:lvl8pPr>
+            <a:lvl9pPr marL="3657600" indent="0">
+              <a:buNone/>
+              <a:defRPr sz="2000"/>
+            </a:lvl9pPr>
+          </a:lstStyle>
+          <a:p>
+            <a:r>
+              <a:rPr lang="es-ES" smtClean="0"/>
+              <a:t>Haga clic en el icono para agregar una imagen</a:t>
+            </a:r>
+            <a:endParaRPr lang="en-US" dirty="0"/>
+          </a:p>
+        </p:txBody>
+      </p:sp>
+      <p:sp>
+        <p:nvSpPr>
+          <p:cNvPr id="4" name="Text Placeholder 3"/>
+          <p:cNvSpPr>
+            <a:spLocks noGrp="1"/>
+          </p:cNvSpPr>
+          <p:nvPr>
+            <p:ph type="body" sz="half" idx="2"/>
+          </p:nvPr>
+        </p:nvSpPr>
+        <p:spPr>
+          <a:xfrm>
+            <a:off x="680319" y="5169583"/>
+            <a:ext cx="9613862" cy="622971"/>
+          </a:xfrm>
+        </p:spPr>
+        <p:txBody>
+          <a:bodyPr/>
+          <a:lstStyle>
+            <a:lvl1pPr marL="0" indent="0">
+              <a:buNone/>
+              <a:defRPr sz="1600"/>
+            </a:lvl1pPr>
+            <a:lvl2pPr marL="457200" indent="0">
+              <a:buNone/>
+              <a:defRPr sz="1400"/>
+            </a:lvl2pPr>
+            <a:lvl3pPr marL="914400" indent="0">
+              <a:buNone/>
+              <a:defRPr sz="1200"/>
+            </a:lvl3pPr>
+            <a:lvl4pPr marL="1371600" indent="0">
+              <a:buNone/>
+              <a:defRPr sz="1000"/>
+            </a:lvl4pPr>
+            <a:lvl5pPr marL="1828800" indent="0">
+              <a:buNone/>
+              <a:defRPr sz="1000"/>
+            </a:lvl5pPr>
+            <a:lvl6pPr marL="2286000" indent="0">
+              <a:buNone/>
+              <a:defRPr sz="1000"/>
+            </a:lvl6pPr>
+            <a:lvl7pPr marL="2743200" indent="0">
+              <a:buNone/>
+              <a:defRPr sz="1000"/>
+            </a:lvl7pPr>
+            <a:lvl8pPr marL="3200400" indent="0">
+              <a:buNone/>
+              <a:defRPr sz="1000"/>
+            </a:lvl8pPr>
+            <a:lvl9pPr marL="3657600" indent="0">
+              <a:buNone/>
+              <a:defRPr sz="1000"/>
+            </a:lvl9pPr>
+          </a:lstStyle>
+          <a:p>
+            <a:pPr lvl="0"/>
+            <a:r>
+              <a:rPr lang="es-ES" smtClean="0"/>
+              <a:t>Haga clic para modificar el estilo de texto del patrón</a:t>
+            </a:r>
+          </a:p>
+        </p:txBody>
+      </p:sp>
+      <p:sp>
+        <p:nvSpPr>
+          <p:cNvPr id="5" name="Date Placeholder 4"/>
+          <p:cNvSpPr>
+            <a:spLocks noGrp="1"/>
+          </p:cNvSpPr>
+          <p:nvPr>
+            <p:ph type="dt" sz="half" idx="10"/>
+          </p:nvPr>
+        </p:nvSpPr>
+        <p:spPr/>
+        <p:txBody>
+          <a:bodyPr/>
+          <a:lstStyle/>
+          <a:p>
+            <a:fld id="{74350373-3951-485C-A174-3533C8DF3868}" type="datetimeFigureOut">
+              <a:rPr lang="es-CO" smtClean="0"/>
+              <a:t>28/02/2019</a:t>
+            </a:fld>
+            <a:endParaRPr lang="es-CO"/>
+          </a:p>
+        </p:txBody>
+      </p:sp>
+      <p:sp>
+        <p:nvSpPr>
+          <p:cNvPr id="6" name="Footer Placeholder 5"/>
+          <p:cNvSpPr>
+            <a:spLocks noGrp="1"/>
+          </p:cNvSpPr>
+          <p:nvPr>
+            <p:ph type="ftr" sz="quarter" idx="11"/>
+          </p:nvPr>
+        </p:nvSpPr>
+        <p:spPr/>
+        <p:txBody>
+          <a:bodyPr/>
+          <a:lstStyle/>
+          <a:p>
+            <a:endParaRPr lang="es-CO"/>
+          </a:p>
+        </p:txBody>
+      </p:sp>
+      <p:sp>
+        <p:nvSpPr>
+          <p:cNvPr id="7" name="Slide Number Placeholder 6"/>
+          <p:cNvSpPr>
+            <a:spLocks noGrp="1"/>
+          </p:cNvSpPr>
+          <p:nvPr>
+            <p:ph type="sldNum" sz="quarter" idx="12"/>
+          </p:nvPr>
+        </p:nvSpPr>
+        <p:spPr>
+          <a:xfrm>
+            <a:off x="10729455" y="4711309"/>
+            <a:ext cx="1154151" cy="1090789"/>
+          </a:xfrm>
+        </p:spPr>
+        <p:txBody>
+          <a:bodyPr/>
+          <a:lstStyle/>
+          <a:p>
+            <a:fld id="{B7FE3AD5-DAE6-4B4F-8C26-5E3ABDD90089}" type="slidenum">
+              <a:rPr lang="es-CO" smtClean="0"/>
+              <a:t>‹Nº›</a:t>
+            </a:fld>
+            <a:endParaRPr lang="es-CO"/>
+          </a:p>
+        </p:txBody>
+      </p:sp>
+    </p:spTree>
+    <p:extLst>
+      <p:ext uri="{BB962C8B-B14F-4D97-AF65-F5344CB8AC3E}">
+        <p14:creationId xmlns:p14="http://schemas.microsoft.com/office/powerpoint/2010/main" val="1729014883"/>
+      </p:ext>
+    </p:extLst>
+  </p:cSld>
+  <p:clrMapOvr>
+    <a:masterClrMapping/>
+  </p:clrMapOvr>
+</p:sldLayout>
+</file>
+
+<file path=ppt/slideLayouts/slideLayout11.xml><?xml version="1.0" encoding="utf-8"?>
+<p:sldLayout xmlns:a="http://schemas.openxmlformats.org/drawingml/2006/main" xmlns:r="http://schemas.openxmlformats.org/officeDocument/2006/relationships" xmlns:p="http://schemas.openxmlformats.org/presentationml/2006/main" preserve="1">
+  <p:cSld name="Título y descripción">
+    <p:spTree>
+      <p:nvGrpSpPr>
+        <p:cNvPr id="1" name=""/>
+        <p:cNvGrpSpPr/>
+        <p:nvPr/>
+      </p:nvGrpSpPr>
+      <p:grpSpPr>
+        <a:xfrm>
+          <a:off x="0" y="0"/>
+          <a:ext cx="0" cy="0"/>
+          <a:chOff x="0" y="0"/>
+          <a:chExt cx="0" cy="0"/>
+        </a:xfrm>
+      </p:grpSpPr>
+      <p:pic>
+        <p:nvPicPr>
+          <p:cNvPr id="8" name="Picture 7" descr="HD-ShadowLong.png"/>
+          <p:cNvPicPr>
+            <a:picLocks noChangeAspect="1"/>
+          </p:cNvPicPr>
+          <p:nvPr/>
+        </p:nvPicPr>
+        <p:blipFill>
+          <a:blip r:embed="rId2">
+            <a:extLst>
+              <a:ext uri="{28A0092B-C50C-407E-A947-70E740481C1C}">
+                <a14:useLocalDpi xmlns:a14="http://schemas.microsoft.com/office/drawing/2010/main" val="0"/>
+              </a:ext>
+            </a:extLst>
+          </a:blip>
+          <a:stretch>
+            <a:fillRect/>
+          </a:stretch>
+        </p:blipFill>
+        <p:spPr>
+          <a:xfrm>
+            <a:off x="1" y="5928628"/>
+            <a:ext cx="10437812" cy="321164"/>
+          </a:xfrm>
+          <a:prstGeom prst="rect">
+            <a:avLst/>
+          </a:prstGeom>
+        </p:spPr>
+      </p:pic>
+      <p:pic>
+        <p:nvPicPr>
+          <p:cNvPr id="9" name="Picture 8" descr="HD-ShadowShort.png"/>
+          <p:cNvPicPr>
+            <a:picLocks noChangeAspect="1"/>
+          </p:cNvPicPr>
+          <p:nvPr/>
+        </p:nvPicPr>
+        <p:blipFill>
+          <a:blip r:embed="rId3" cstate="print">
+            <a:extLst>
+              <a:ext uri="{28A0092B-C50C-407E-A947-70E740481C1C}">
+                <a14:useLocalDpi xmlns:a14="http://schemas.microsoft.com/office/drawing/2010/main" val="0"/>
+              </a:ext>
+            </a:extLst>
+          </a:blip>
+          <a:stretch>
+            <a:fillRect/>
+          </a:stretch>
+        </p:blipFill>
+        <p:spPr>
+          <a:xfrm>
+            <a:off x="10585826" y="5929622"/>
+            <a:ext cx="1602997" cy="144270"/>
+          </a:xfrm>
+          <a:prstGeom prst="rect">
+            <a:avLst/>
+          </a:prstGeom>
+        </p:spPr>
+      </p:pic>
+      <p:sp>
+        <p:nvSpPr>
+          <p:cNvPr id="10" name="Rectangle 9"/>
+          <p:cNvSpPr/>
+          <p:nvPr/>
+        </p:nvSpPr>
+        <p:spPr>
+          <a:xfrm>
+            <a:off x="0" y="4567988"/>
+            <a:ext cx="10437812" cy="1368198"/>
+          </a:xfrm>
+          <a:prstGeom prst="rect">
+            <a:avLst/>
+          </a:prstGeom>
+          <a:solidFill>
+            <a:schemeClr val="bg1">
+              <a:lumMod val="85000"/>
+              <a:lumOff val="15000"/>
+            </a:schemeClr>
+          </a:solidFill>
+          <a:ln>
+            <a:noFill/>
+          </a:ln>
+        </p:spPr>
+        <p:style>
+          <a:lnRef idx="2">
+            <a:schemeClr val="accent1">
+              <a:shade val="50000"/>
+            </a:schemeClr>
+          </a:lnRef>
+          <a:fillRef idx="1">
+            <a:schemeClr val="accent1"/>
+          </a:fillRef>
+          <a:effectRef idx="0">
+            <a:schemeClr val="accent1"/>
+          </a:effectRef>
+          <a:fontRef idx="minor">
+            <a:schemeClr val="lt1"/>
+          </a:fontRef>
+        </p:style>
+      </p:sp>
+      <p:sp>
+        <p:nvSpPr>
+          <p:cNvPr id="11" name="Rectangle 10"/>
+          <p:cNvSpPr/>
+          <p:nvPr/>
+        </p:nvSpPr>
+        <p:spPr>
+          <a:xfrm>
+            <a:off x="10585827" y="4567988"/>
+            <a:ext cx="1602997" cy="1368198"/>
+          </a:xfrm>
+          <a:prstGeom prst="rect">
+            <a:avLst/>
+          </a:prstGeom>
+          <a:solidFill>
+            <a:schemeClr val="accent1"/>
+          </a:solidFill>
+          <a:ln>
+            <a:noFill/>
+          </a:ln>
+        </p:spPr>
+        <p:style>
+          <a:lnRef idx="2">
+            <a:schemeClr val="accent1">
+              <a:shade val="50000"/>
+            </a:schemeClr>
+          </a:lnRef>
+          <a:fillRef idx="1">
+            <a:schemeClr val="accent1"/>
+          </a:fillRef>
+          <a:effectRef idx="0">
+            <a:schemeClr val="accent1"/>
+          </a:effectRef>
+          <a:fontRef idx="minor">
+            <a:schemeClr val="lt1"/>
+          </a:fontRef>
+        </p:style>
+      </p:sp>
+      <p:sp>
+        <p:nvSpPr>
+          <p:cNvPr id="2" name="Title 1"/>
+          <p:cNvSpPr>
+            <a:spLocks noGrp="1"/>
+          </p:cNvSpPr>
+          <p:nvPr>
+            <p:ph type="title"/>
+          </p:nvPr>
+        </p:nvSpPr>
+        <p:spPr>
+          <a:xfrm>
+            <a:off x="680322" y="609597"/>
+            <a:ext cx="9613858" cy="3592750"/>
+          </a:xfrm>
+        </p:spPr>
+        <p:txBody>
+          <a:bodyPr anchor="ctr"/>
+          <a:lstStyle>
+            <a:lvl1pPr>
+              <a:defRPr sz="3200"/>
+            </a:lvl1pPr>
+          </a:lstStyle>
+          <a:p>
+            <a:r>
+              <a:rPr lang="es-ES" smtClean="0"/>
+              <a:t>Haga clic para modificar el estilo de título del patrón</a:t>
+            </a:r>
+            <a:endParaRPr lang="en-US" dirty="0"/>
+          </a:p>
+        </p:txBody>
+      </p:sp>
+      <p:sp>
+        <p:nvSpPr>
+          <p:cNvPr id="4" name="Text Placeholder 3"/>
+          <p:cNvSpPr>
+            <a:spLocks noGrp="1"/>
+          </p:cNvSpPr>
+          <p:nvPr>
+            <p:ph type="body" sz="half" idx="2"/>
+          </p:nvPr>
+        </p:nvSpPr>
+        <p:spPr>
+          <a:xfrm>
+            <a:off x="680322" y="4711615"/>
+            <a:ext cx="9613859" cy="1090789"/>
+          </a:xfrm>
+        </p:spPr>
+        <p:txBody>
+          <a:bodyPr anchor="ctr"/>
+          <a:lstStyle>
+            <a:lvl1pPr marL="0" indent="0">
+              <a:buNone/>
+              <a:defRPr sz="1600"/>
+            </a:lvl1pPr>
+            <a:lvl2pPr marL="457200" indent="0">
+              <a:buNone/>
+              <a:defRPr sz="1400"/>
+            </a:lvl2pPr>
+            <a:lvl3pPr marL="914400" indent="0">
+              <a:buNone/>
+              <a:defRPr sz="1200"/>
+            </a:lvl3pPr>
+            <a:lvl4pPr marL="1371600" indent="0">
+              <a:buNone/>
+              <a:defRPr sz="1000"/>
+            </a:lvl4pPr>
+            <a:lvl5pPr marL="1828800" indent="0">
+              <a:buNone/>
+              <a:defRPr sz="1000"/>
+            </a:lvl5pPr>
+            <a:lvl6pPr marL="2286000" indent="0">
+              <a:buNone/>
+              <a:defRPr sz="1000"/>
+            </a:lvl6pPr>
+            <a:lvl7pPr marL="2743200" indent="0">
+              <a:buNone/>
+              <a:defRPr sz="1000"/>
+            </a:lvl7pPr>
+            <a:lvl8pPr marL="3200400" indent="0">
+              <a:buNone/>
+              <a:defRPr sz="1000"/>
+            </a:lvl8pPr>
+            <a:lvl9pPr marL="3657600" indent="0">
+              <a:buNone/>
+              <a:defRPr sz="1000"/>
+            </a:lvl9pPr>
+          </a:lstStyle>
+          <a:p>
+            <a:pPr lvl="0"/>
+            <a:r>
+              <a:rPr lang="es-ES" smtClean="0"/>
+              <a:t>Haga clic para modificar el estilo de texto del patrón</a:t>
+            </a:r>
+          </a:p>
+        </p:txBody>
+      </p:sp>
+      <p:sp>
+        <p:nvSpPr>
+          <p:cNvPr id="5" name="Date Placeholder 4"/>
+          <p:cNvSpPr>
+            <a:spLocks noGrp="1"/>
+          </p:cNvSpPr>
+          <p:nvPr>
+            <p:ph type="dt" sz="half" idx="10"/>
+          </p:nvPr>
+        </p:nvSpPr>
+        <p:spPr/>
+        <p:txBody>
+          <a:bodyPr/>
+          <a:lstStyle/>
+          <a:p>
+            <a:fld id="{74350373-3951-485C-A174-3533C8DF3868}" type="datetimeFigureOut">
+              <a:rPr lang="es-CO" smtClean="0"/>
+              <a:t>28/02/2019</a:t>
+            </a:fld>
+            <a:endParaRPr lang="es-CO"/>
+          </a:p>
+        </p:txBody>
+      </p:sp>
+      <p:sp>
+        <p:nvSpPr>
+          <p:cNvPr id="6" name="Footer Placeholder 5"/>
+          <p:cNvSpPr>
+            <a:spLocks noGrp="1"/>
+          </p:cNvSpPr>
+          <p:nvPr>
+            <p:ph type="ftr" sz="quarter" idx="11"/>
+          </p:nvPr>
+        </p:nvSpPr>
+        <p:spPr/>
+        <p:txBody>
+          <a:bodyPr/>
+          <a:lstStyle/>
+          <a:p>
+            <a:endParaRPr lang="es-CO"/>
+          </a:p>
+        </p:txBody>
+      </p:sp>
+      <p:sp>
+        <p:nvSpPr>
+          <p:cNvPr id="7" name="Slide Number Placeholder 6"/>
+          <p:cNvSpPr>
+            <a:spLocks noGrp="1"/>
+          </p:cNvSpPr>
+          <p:nvPr>
+            <p:ph type="sldNum" sz="quarter" idx="12"/>
+          </p:nvPr>
+        </p:nvSpPr>
+        <p:spPr>
+          <a:xfrm>
+            <a:off x="10729455" y="4711615"/>
+            <a:ext cx="1154151" cy="1090789"/>
+          </a:xfrm>
+        </p:spPr>
+        <p:txBody>
+          <a:bodyPr/>
+          <a:lstStyle/>
+          <a:p>
+            <a:fld id="{B7FE3AD5-DAE6-4B4F-8C26-5E3ABDD90089}" type="slidenum">
+              <a:rPr lang="es-CO" smtClean="0"/>
+              <a:t>‹Nº›</a:t>
+            </a:fld>
+            <a:endParaRPr lang="es-CO"/>
+          </a:p>
+        </p:txBody>
+      </p:sp>
+    </p:spTree>
+    <p:extLst>
+      <p:ext uri="{BB962C8B-B14F-4D97-AF65-F5344CB8AC3E}">
+        <p14:creationId xmlns:p14="http://schemas.microsoft.com/office/powerpoint/2010/main" val="4164399717"/>
+      </p:ext>
+    </p:extLst>
+  </p:cSld>
+  <p:clrMapOvr>
+    <a:masterClrMapping/>
+  </p:clrMapOvr>
+</p:sldLayout>
+</file>
+
+<file path=ppt/slideLayouts/slideLayout12.xml><?xml version="1.0" encoding="utf-8"?>
+<p:sldLayout xmlns:a="http://schemas.openxmlformats.org/drawingml/2006/main" xmlns:r="http://schemas.openxmlformats.org/officeDocument/2006/relationships" xmlns:p="http://schemas.openxmlformats.org/presentationml/2006/main" preserve="1">
+  <p:cSld name="Cita con descripción">
+    <p:spTree>
+      <p:nvGrpSpPr>
+        <p:cNvPr id="1" name=""/>
+        <p:cNvGrpSpPr/>
+        <p:nvPr/>
+      </p:nvGrpSpPr>
+      <p:grpSpPr>
+        <a:xfrm>
+          <a:off x="0" y="0"/>
+          <a:ext cx="0" cy="0"/>
+          <a:chOff x="0" y="0"/>
+          <a:chExt cx="0" cy="0"/>
+        </a:xfrm>
+      </p:grpSpPr>
+      <p:pic>
+        <p:nvPicPr>
+          <p:cNvPr id="11" name="Picture 10" descr="HD-ShadowLong.png"/>
+          <p:cNvPicPr>
+            <a:picLocks noChangeAspect="1"/>
+          </p:cNvPicPr>
+          <p:nvPr/>
+        </p:nvPicPr>
+        <p:blipFill>
+          <a:blip r:embed="rId2">
+            <a:extLst>
+              <a:ext uri="{28A0092B-C50C-407E-A947-70E740481C1C}">
+                <a14:useLocalDpi xmlns:a14="http://schemas.microsoft.com/office/drawing/2010/main" val="0"/>
+              </a:ext>
+            </a:extLst>
+          </a:blip>
+          <a:stretch>
+            <a:fillRect/>
+          </a:stretch>
+        </p:blipFill>
+        <p:spPr>
+          <a:xfrm>
+            <a:off x="1" y="5928628"/>
+            <a:ext cx="10437812" cy="321164"/>
+          </a:xfrm>
+          <a:prstGeom prst="rect">
+            <a:avLst/>
+          </a:prstGeom>
+        </p:spPr>
+      </p:pic>
+      <p:pic>
+        <p:nvPicPr>
+          <p:cNvPr id="13" name="Picture 12" descr="HD-ShadowShort.png"/>
+          <p:cNvPicPr>
+            <a:picLocks noChangeAspect="1"/>
+          </p:cNvPicPr>
+          <p:nvPr/>
+        </p:nvPicPr>
+        <p:blipFill>
+          <a:blip r:embed="rId3" cstate="print">
+            <a:extLst>
+              <a:ext uri="{28A0092B-C50C-407E-A947-70E740481C1C}">
+                <a14:useLocalDpi xmlns:a14="http://schemas.microsoft.com/office/drawing/2010/main" val="0"/>
+              </a:ext>
+            </a:extLst>
+          </a:blip>
+          <a:stretch>
+            <a:fillRect/>
+          </a:stretch>
+        </p:blipFill>
+        <p:spPr>
+          <a:xfrm>
+            <a:off x="10585826" y="5929622"/>
+            <a:ext cx="1602997" cy="144270"/>
+          </a:xfrm>
+          <a:prstGeom prst="rect">
+            <a:avLst/>
+          </a:prstGeom>
+        </p:spPr>
+      </p:pic>
+      <p:sp>
+        <p:nvSpPr>
+          <p:cNvPr id="14" name="Rectangle 13"/>
+          <p:cNvSpPr/>
+          <p:nvPr/>
+        </p:nvSpPr>
+        <p:spPr>
+          <a:xfrm>
+            <a:off x="0" y="4567988"/>
+            <a:ext cx="10437812" cy="1368198"/>
+          </a:xfrm>
+          <a:prstGeom prst="rect">
+            <a:avLst/>
+          </a:prstGeom>
+          <a:solidFill>
+            <a:schemeClr val="bg1">
+              <a:lumMod val="85000"/>
+              <a:lumOff val="15000"/>
+            </a:schemeClr>
+          </a:solidFill>
+          <a:ln>
+            <a:noFill/>
+          </a:ln>
+        </p:spPr>
+        <p:style>
+          <a:lnRef idx="2">
+            <a:schemeClr val="accent1">
+              <a:shade val="50000"/>
+            </a:schemeClr>
+          </a:lnRef>
+          <a:fillRef idx="1">
+            <a:schemeClr val="accent1"/>
+          </a:fillRef>
+          <a:effectRef idx="0">
+            <a:schemeClr val="accent1"/>
+          </a:effectRef>
+          <a:fontRef idx="minor">
+            <a:schemeClr val="lt1"/>
+          </a:fontRef>
+        </p:style>
+      </p:sp>
+      <p:sp>
+        <p:nvSpPr>
+          <p:cNvPr id="15" name="Rectangle 14"/>
+          <p:cNvSpPr/>
+          <p:nvPr/>
+        </p:nvSpPr>
+        <p:spPr>
+          <a:xfrm>
+            <a:off x="10585827" y="4567988"/>
+            <a:ext cx="1602997" cy="1368198"/>
+          </a:xfrm>
+          <a:prstGeom prst="rect">
+            <a:avLst/>
+          </a:prstGeom>
+          <a:solidFill>
+            <a:schemeClr val="accent1"/>
+          </a:solidFill>
+          <a:ln>
+            <a:noFill/>
+          </a:ln>
+        </p:spPr>
+        <p:style>
+          <a:lnRef idx="2">
+            <a:schemeClr val="accent1">
+              <a:shade val="50000"/>
+            </a:schemeClr>
+          </a:lnRef>
+          <a:fillRef idx="1">
+            <a:schemeClr val="accent1"/>
+          </a:fillRef>
+          <a:effectRef idx="0">
+            <a:schemeClr val="accent1"/>
+          </a:effectRef>
+          <a:fontRef idx="minor">
+            <a:schemeClr val="lt1"/>
+          </a:fontRef>
+        </p:style>
+      </p:sp>
+      <p:sp>
+        <p:nvSpPr>
+          <p:cNvPr id="2" name="Title 1"/>
+          <p:cNvSpPr>
+            <a:spLocks noGrp="1"/>
+          </p:cNvSpPr>
+          <p:nvPr>
+            <p:ph type="title"/>
+          </p:nvPr>
+        </p:nvSpPr>
+        <p:spPr>
+          <a:xfrm>
+            <a:off x="1127856" y="609598"/>
+            <a:ext cx="8718877" cy="3036061"/>
+          </a:xfrm>
+        </p:spPr>
+        <p:txBody>
+          <a:bodyPr anchor="ctr"/>
+          <a:lstStyle>
+            <a:lvl1pPr>
+              <a:defRPr sz="3200"/>
+            </a:lvl1pPr>
+          </a:lstStyle>
+          <a:p>
+            <a:r>
+              <a:rPr lang="es-ES" smtClean="0"/>
+              <a:t>Haga clic para modificar el estilo de título del patrón</a:t>
+            </a:r>
+            <a:endParaRPr lang="en-US" dirty="0"/>
+          </a:p>
+        </p:txBody>
+      </p:sp>
+      <p:sp>
+        <p:nvSpPr>
+          <p:cNvPr id="12" name="Text Placeholder 3"/>
+          <p:cNvSpPr>
+            <a:spLocks noGrp="1"/>
+          </p:cNvSpPr>
+          <p:nvPr>
+            <p:ph type="body" sz="half" idx="13"/>
+          </p:nvPr>
+        </p:nvSpPr>
+        <p:spPr>
+          <a:xfrm>
+            <a:off x="1402288" y="3653379"/>
+            <a:ext cx="8156579" cy="548968"/>
+          </a:xfrm>
+        </p:spPr>
+        <p:txBody>
+          <a:bodyPr anchor="t">
+            <a:normAutofit/>
+          </a:bodyPr>
+          <a:lstStyle>
+            <a:lvl1pPr marL="0" indent="0">
+              <a:buNone/>
+              <a:defRPr sz="1400"/>
+            </a:lvl1pPr>
+            <a:lvl2pPr marL="457200" indent="0">
+              <a:buNone/>
+              <a:defRPr sz="1400"/>
+            </a:lvl2pPr>
+            <a:lvl3pPr marL="914400" indent="0">
+              <a:buNone/>
+              <a:defRPr sz="1200"/>
+            </a:lvl3pPr>
+            <a:lvl4pPr marL="1371600" indent="0">
+              <a:buNone/>
+              <a:defRPr sz="1000"/>
+            </a:lvl4pPr>
+            <a:lvl5pPr marL="1828800" indent="0">
+              <a:buNone/>
+              <a:defRPr sz="1000"/>
+            </a:lvl5pPr>
+            <a:lvl6pPr marL="2286000" indent="0">
+              <a:buNone/>
+              <a:defRPr sz="1000"/>
+            </a:lvl6pPr>
+            <a:lvl7pPr marL="2743200" indent="0">
+              <a:buNone/>
+              <a:defRPr sz="1000"/>
+            </a:lvl7pPr>
+            <a:lvl8pPr marL="3200400" indent="0">
+              <a:buNone/>
+              <a:defRPr sz="1000"/>
+            </a:lvl8pPr>
+            <a:lvl9pPr marL="3657600" indent="0">
+              <a:buNone/>
+              <a:defRPr sz="1000"/>
+            </a:lvl9pPr>
+          </a:lstStyle>
+          <a:p>
+            <a:pPr lvl="0"/>
+            <a:r>
+              <a:rPr lang="es-ES" smtClean="0"/>
+              <a:t>Haga clic para modificar el estilo de texto del patrón</a:t>
+            </a:r>
+          </a:p>
+        </p:txBody>
+      </p:sp>
+      <p:sp>
+        <p:nvSpPr>
+          <p:cNvPr id="4" name="Text Placeholder 3"/>
+          <p:cNvSpPr>
+            <a:spLocks noGrp="1"/>
+          </p:cNvSpPr>
+          <p:nvPr>
+            <p:ph type="body" sz="half" idx="2"/>
+          </p:nvPr>
+        </p:nvSpPr>
+        <p:spPr>
+          <a:xfrm>
+            <a:off x="680322" y="4711615"/>
+            <a:ext cx="9613859" cy="1090789"/>
+          </a:xfrm>
+        </p:spPr>
+        <p:txBody>
+          <a:bodyPr anchor="ctr">
+            <a:normAutofit/>
+          </a:bodyPr>
+          <a:lstStyle>
+            <a:lvl1pPr marL="0" indent="0">
+              <a:buNone/>
+              <a:defRPr sz="1600"/>
+            </a:lvl1pPr>
+            <a:lvl2pPr marL="457200" indent="0">
+              <a:buNone/>
+              <a:defRPr sz="1400"/>
+            </a:lvl2pPr>
+            <a:lvl3pPr marL="914400" indent="0">
+              <a:buNone/>
+              <a:defRPr sz="1200"/>
+            </a:lvl3pPr>
+            <a:lvl4pPr marL="1371600" indent="0">
+              <a:buNone/>
+              <a:defRPr sz="1000"/>
+            </a:lvl4pPr>
+            <a:lvl5pPr marL="1828800" indent="0">
+              <a:buNone/>
+              <a:defRPr sz="1000"/>
+            </a:lvl5pPr>
+            <a:lvl6pPr marL="2286000" indent="0">
+              <a:buNone/>
+              <a:defRPr sz="1000"/>
+            </a:lvl6pPr>
+            <a:lvl7pPr marL="2743200" indent="0">
+              <a:buNone/>
+              <a:defRPr sz="1000"/>
+            </a:lvl7pPr>
+            <a:lvl8pPr marL="3200400" indent="0">
+              <a:buNone/>
+              <a:defRPr sz="1000"/>
+            </a:lvl8pPr>
+            <a:lvl9pPr marL="3657600" indent="0">
+              <a:buNone/>
+              <a:defRPr sz="1000"/>
+            </a:lvl9pPr>
+          </a:lstStyle>
+          <a:p>
+            <a:pPr lvl="0"/>
+            <a:r>
+              <a:rPr lang="es-ES" smtClean="0"/>
+              <a:t>Haga clic para modificar el estilo de texto del patrón</a:t>
+            </a:r>
+          </a:p>
+        </p:txBody>
+      </p:sp>
+      <p:sp>
+        <p:nvSpPr>
+          <p:cNvPr id="5" name="Date Placeholder 4"/>
+          <p:cNvSpPr>
+            <a:spLocks noGrp="1"/>
+          </p:cNvSpPr>
+          <p:nvPr>
+            <p:ph type="dt" sz="half" idx="10"/>
+          </p:nvPr>
+        </p:nvSpPr>
+        <p:spPr/>
+        <p:txBody>
+          <a:bodyPr/>
+          <a:lstStyle/>
+          <a:p>
+            <a:fld id="{74350373-3951-485C-A174-3533C8DF3868}" type="datetimeFigureOut">
+              <a:rPr lang="es-CO" smtClean="0"/>
+              <a:t>28/02/2019</a:t>
+            </a:fld>
+            <a:endParaRPr lang="es-CO"/>
+          </a:p>
+        </p:txBody>
+      </p:sp>
+      <p:sp>
+        <p:nvSpPr>
+          <p:cNvPr id="6" name="Footer Placeholder 5"/>
+          <p:cNvSpPr>
+            <a:spLocks noGrp="1"/>
+          </p:cNvSpPr>
+          <p:nvPr>
+            <p:ph type="ftr" sz="quarter" idx="11"/>
+          </p:nvPr>
+        </p:nvSpPr>
+        <p:spPr/>
+        <p:txBody>
+          <a:bodyPr/>
+          <a:lstStyle/>
+          <a:p>
+            <a:endParaRPr lang="es-CO"/>
+          </a:p>
+        </p:txBody>
+      </p:sp>
+      <p:sp>
+        <p:nvSpPr>
+          <p:cNvPr id="7" name="Slide Number Placeholder 6"/>
+          <p:cNvSpPr>
+            <a:spLocks noGrp="1"/>
+          </p:cNvSpPr>
+          <p:nvPr>
+            <p:ph type="sldNum" sz="quarter" idx="12"/>
+          </p:nvPr>
+        </p:nvSpPr>
+        <p:spPr>
+          <a:xfrm>
+            <a:off x="10729455" y="4709925"/>
+            <a:ext cx="1154151" cy="1090789"/>
+          </a:xfrm>
+        </p:spPr>
+        <p:txBody>
+          <a:bodyPr/>
+          <a:lstStyle/>
+          <a:p>
+            <a:fld id="{B7FE3AD5-DAE6-4B4F-8C26-5E3ABDD90089}" type="slidenum">
+              <a:rPr lang="es-CO" smtClean="0"/>
+              <a:t>‹Nº›</a:t>
+            </a:fld>
+            <a:endParaRPr lang="es-CO"/>
+          </a:p>
+        </p:txBody>
+      </p:sp>
+      <p:sp>
+        <p:nvSpPr>
+          <p:cNvPr id="16" name="TextBox 15"/>
+          <p:cNvSpPr txBox="1"/>
+          <p:nvPr/>
+        </p:nvSpPr>
+        <p:spPr>
+          <a:xfrm>
+            <a:off x="583572" y="748116"/>
+            <a:ext cx="609600" cy="584776"/>
+          </a:xfrm>
+          <a:prstGeom prst="rect">
+            <a:avLst/>
+          </a:prstGeom>
+        </p:spPr>
+        <p:txBody>
+          <a:bodyPr vert="horz" lIns="91440" tIns="45720" rIns="91440" bIns="45720" rtlCol="0" anchor="ctr">
+            <a:noAutofit/>
+          </a:bodyPr>
+          <a:lstStyle>
+            <a:lvl1pPr>
+              <a:spcBef>
+                <a:spcPct val="0"/>
+              </a:spcBef>
+              <a:buNone/>
+              <a:defRPr sz="3200" b="0" cap="all">
+                <a:ln w="3175" cmpd="sng">
+                  <a:noFill/>
+                </a:ln>
+                <a:effectLst>
+                  <a:glow rad="38100">
+                    <a:schemeClr val="bg1">
+                      <a:lumMod val="65000"/>
+                      <a:lumOff val="35000"/>
+                      <a:alpha val="40000"/>
+                    </a:schemeClr>
+                  </a:glow>
+                  <a:outerShdw blurRad="28575" dist="38100" dir="14040000" algn="tl" rotWithShape="0">
+                    <a:srgbClr val="000000">
+                      <a:alpha val="25000"/>
+                    </a:srgbClr>
+                  </a:outerShdw>
+                </a:effectLst>
+              </a:defRPr>
+            </a:lvl1pPr>
+            <a:lvl2pPr>
+              <a:defRPr>
+                <a:solidFill>
+                  <a:schemeClr val="tx2"/>
+                </a:solidFill>
+              </a:defRPr>
+            </a:lvl2pPr>
+            <a:lvl3pPr>
+              <a:defRPr>
+                <a:solidFill>
+                  <a:schemeClr val="tx2"/>
+                </a:solidFill>
+              </a:defRPr>
+            </a:lvl3pPr>
+            <a:lvl4pPr>
+              <a:defRPr>
+                <a:solidFill>
+                  <a:schemeClr val="tx2"/>
+                </a:solidFill>
+              </a:defRPr>
+            </a:lvl4pPr>
+            <a:lvl5pPr>
+              <a:defRPr>
+                <a:solidFill>
+                  <a:schemeClr val="tx2"/>
+                </a:solidFill>
+              </a:defRPr>
+            </a:lvl5pPr>
+            <a:lvl6pPr>
+              <a:defRPr>
+                <a:solidFill>
+                  <a:schemeClr val="tx2"/>
+                </a:solidFill>
+              </a:defRPr>
+            </a:lvl6pPr>
+            <a:lvl7pPr>
+              <a:defRPr>
+                <a:solidFill>
+                  <a:schemeClr val="tx2"/>
+                </a:solidFill>
+              </a:defRPr>
+            </a:lvl7pPr>
+            <a:lvl8pPr>
+              <a:defRPr>
+                <a:solidFill>
+                  <a:schemeClr val="tx2"/>
+                </a:solidFill>
+              </a:defRPr>
+            </a:lvl8pPr>
+            <a:lvl9pPr>
+              <a:defRPr>
+                <a:solidFill>
+                  <a:schemeClr val="tx2"/>
+                </a:solidFill>
+              </a:defRPr>
+            </a:lvl9pPr>
+          </a:lstStyle>
+          <a:p>
+            <a:pPr lvl="0"/>
+            <a:r>
+              <a:rPr lang="en-US" sz="7200" dirty="0">
+                <a:solidFill>
+                  <a:schemeClr val="tx1"/>
+                </a:solidFill>
+                <a:effectLst/>
+              </a:rPr>
+              <a:t>“</a:t>
+            </a:r>
+          </a:p>
+        </p:txBody>
+      </p:sp>
+      <p:sp>
+        <p:nvSpPr>
+          <p:cNvPr id="17" name="TextBox 16"/>
+          <p:cNvSpPr txBox="1"/>
+          <p:nvPr/>
+        </p:nvSpPr>
+        <p:spPr>
+          <a:xfrm>
+            <a:off x="9662809" y="3033524"/>
+            <a:ext cx="609600" cy="584776"/>
+          </a:xfrm>
+          <a:prstGeom prst="rect">
+            <a:avLst/>
+          </a:prstGeom>
+        </p:spPr>
+        <p:txBody>
+          <a:bodyPr vert="horz" lIns="91440" tIns="45720" rIns="91440" bIns="45720" rtlCol="0" anchor="ctr">
+            <a:noAutofit/>
+          </a:bodyPr>
+          <a:lstStyle>
+            <a:lvl1pPr>
+              <a:spcBef>
+                <a:spcPct val="0"/>
+              </a:spcBef>
+              <a:buNone/>
+              <a:defRPr sz="3200" b="0" cap="all">
+                <a:ln w="3175" cmpd="sng">
+                  <a:noFill/>
+                </a:ln>
+                <a:effectLst>
+                  <a:glow rad="38100">
+                    <a:schemeClr val="bg1">
+                      <a:lumMod val="65000"/>
+                      <a:lumOff val="35000"/>
+                      <a:alpha val="40000"/>
+                    </a:schemeClr>
+                  </a:glow>
+                  <a:outerShdw blurRad="28575" dist="38100" dir="14040000" algn="tl" rotWithShape="0">
+                    <a:srgbClr val="000000">
+                      <a:alpha val="25000"/>
+                    </a:srgbClr>
+                  </a:outerShdw>
+                </a:effectLst>
+              </a:defRPr>
+            </a:lvl1pPr>
+            <a:lvl2pPr>
+              <a:defRPr>
+                <a:solidFill>
+                  <a:schemeClr val="tx2"/>
+                </a:solidFill>
+              </a:defRPr>
+            </a:lvl2pPr>
+            <a:lvl3pPr>
+              <a:defRPr>
+                <a:solidFill>
+                  <a:schemeClr val="tx2"/>
+                </a:solidFill>
+              </a:defRPr>
+            </a:lvl3pPr>
+            <a:lvl4pPr>
+              <a:defRPr>
+                <a:solidFill>
+                  <a:schemeClr val="tx2"/>
+                </a:solidFill>
+              </a:defRPr>
+            </a:lvl4pPr>
+            <a:lvl5pPr>
+              <a:defRPr>
+                <a:solidFill>
+                  <a:schemeClr val="tx2"/>
+                </a:solidFill>
+              </a:defRPr>
+            </a:lvl5pPr>
+            <a:lvl6pPr>
+              <a:defRPr>
+                <a:solidFill>
+                  <a:schemeClr val="tx2"/>
+                </a:solidFill>
+              </a:defRPr>
+            </a:lvl6pPr>
+            <a:lvl7pPr>
+              <a:defRPr>
+                <a:solidFill>
+                  <a:schemeClr val="tx2"/>
+                </a:solidFill>
+              </a:defRPr>
+            </a:lvl7pPr>
+            <a:lvl8pPr>
+              <a:defRPr>
+                <a:solidFill>
+                  <a:schemeClr val="tx2"/>
+                </a:solidFill>
+              </a:defRPr>
+            </a:lvl8pPr>
+            <a:lvl9pPr>
+              <a:defRPr>
+                <a:solidFill>
+                  <a:schemeClr val="tx2"/>
+                </a:solidFill>
+              </a:defRPr>
+            </a:lvl9pPr>
+          </a:lstStyle>
+          <a:p>
+            <a:pPr lvl="0" algn="r"/>
+            <a:r>
+              <a:rPr lang="en-US" sz="7200" dirty="0">
+                <a:solidFill>
+                  <a:schemeClr val="tx1"/>
+                </a:solidFill>
+                <a:effectLst/>
+              </a:rPr>
+              <a:t>”</a:t>
+            </a:r>
+          </a:p>
+        </p:txBody>
+      </p:sp>
+    </p:spTree>
+    <p:extLst>
+      <p:ext uri="{BB962C8B-B14F-4D97-AF65-F5344CB8AC3E}">
+        <p14:creationId xmlns:p14="http://schemas.microsoft.com/office/powerpoint/2010/main" val="2066900877"/>
+      </p:ext>
+    </p:extLst>
+  </p:cSld>
+  <p:clrMapOvr>
+    <a:masterClrMapping/>
+  </p:clrMapOvr>
+</p:sldLayout>
+</file>
+
+<file path=ppt/slideLayouts/slideLayout13.xml><?xml version="1.0" encoding="utf-8"?>
+<p:sldLayout xmlns:a="http://schemas.openxmlformats.org/drawingml/2006/main" xmlns:r="http://schemas.openxmlformats.org/officeDocument/2006/relationships" xmlns:p="http://schemas.openxmlformats.org/presentationml/2006/main" preserve="1">
+  <p:cSld name="Tarjeta de nombre">
+    <p:spTree>
+      <p:nvGrpSpPr>
+        <p:cNvPr id="1" name=""/>
+        <p:cNvGrpSpPr/>
+        <p:nvPr/>
+      </p:nvGrpSpPr>
+      <p:grpSpPr>
+        <a:xfrm>
+          <a:off x="0" y="0"/>
+          <a:ext cx="0" cy="0"/>
+          <a:chOff x="0" y="0"/>
+          <a:chExt cx="0" cy="0"/>
+        </a:xfrm>
+      </p:grpSpPr>
+      <p:pic>
+        <p:nvPicPr>
+          <p:cNvPr id="9" name="Picture 8" descr="HD-ShadowLong.png"/>
+          <p:cNvPicPr>
+            <a:picLocks noChangeAspect="1"/>
+          </p:cNvPicPr>
+          <p:nvPr/>
+        </p:nvPicPr>
+        <p:blipFill>
+          <a:blip r:embed="rId2">
+            <a:extLst>
+              <a:ext uri="{28A0092B-C50C-407E-A947-70E740481C1C}">
+                <a14:useLocalDpi xmlns:a14="http://schemas.microsoft.com/office/drawing/2010/main" val="0"/>
+              </a:ext>
+            </a:extLst>
+          </a:blip>
+          <a:stretch>
+            <a:fillRect/>
+          </a:stretch>
+        </p:blipFill>
+        <p:spPr>
+          <a:xfrm>
+            <a:off x="1" y="5928628"/>
+            <a:ext cx="10437812" cy="321164"/>
+          </a:xfrm>
+          <a:prstGeom prst="rect">
+            <a:avLst/>
+          </a:prstGeom>
+        </p:spPr>
+      </p:pic>
+      <p:pic>
+        <p:nvPicPr>
+          <p:cNvPr id="10" name="Picture 9" descr="HD-ShadowShort.png"/>
+          <p:cNvPicPr>
+            <a:picLocks noChangeAspect="1"/>
+          </p:cNvPicPr>
+          <p:nvPr/>
+        </p:nvPicPr>
+        <p:blipFill>
+          <a:blip r:embed="rId3" cstate="print">
+            <a:extLst>
+              <a:ext uri="{28A0092B-C50C-407E-A947-70E740481C1C}">
+                <a14:useLocalDpi xmlns:a14="http://schemas.microsoft.com/office/drawing/2010/main" val="0"/>
+              </a:ext>
+            </a:extLst>
+          </a:blip>
+          <a:stretch>
+            <a:fillRect/>
+          </a:stretch>
+        </p:blipFill>
+        <p:spPr>
+          <a:xfrm>
+            <a:off x="10585826" y="5929622"/>
+            <a:ext cx="1602997" cy="144270"/>
+          </a:xfrm>
+          <a:prstGeom prst="rect">
+            <a:avLst/>
+          </a:prstGeom>
+        </p:spPr>
+      </p:pic>
+      <p:sp>
+        <p:nvSpPr>
+          <p:cNvPr id="11" name="Rectangle 10"/>
+          <p:cNvSpPr/>
+          <p:nvPr/>
+        </p:nvSpPr>
+        <p:spPr>
+          <a:xfrm>
+            <a:off x="0" y="4567988"/>
+            <a:ext cx="10437812" cy="1368198"/>
+          </a:xfrm>
+          <a:prstGeom prst="rect">
+            <a:avLst/>
+          </a:prstGeom>
+          <a:solidFill>
+            <a:schemeClr val="bg1">
+              <a:lumMod val="85000"/>
+              <a:lumOff val="15000"/>
+            </a:schemeClr>
+          </a:solidFill>
+          <a:ln>
+            <a:noFill/>
+          </a:ln>
+        </p:spPr>
+        <p:style>
+          <a:lnRef idx="2">
+            <a:schemeClr val="accent1">
+              <a:shade val="50000"/>
+            </a:schemeClr>
+          </a:lnRef>
+          <a:fillRef idx="1">
+            <a:schemeClr val="accent1"/>
+          </a:fillRef>
+          <a:effectRef idx="0">
+            <a:schemeClr val="accent1"/>
+          </a:effectRef>
+          <a:fontRef idx="minor">
+            <a:schemeClr val="lt1"/>
+          </a:fontRef>
+        </p:style>
+      </p:sp>
+      <p:sp>
+        <p:nvSpPr>
+          <p:cNvPr id="12" name="Rectangle 11"/>
+          <p:cNvSpPr/>
+          <p:nvPr/>
+        </p:nvSpPr>
+        <p:spPr>
+          <a:xfrm>
+            <a:off x="10585827" y="4567988"/>
+            <a:ext cx="1602997" cy="1368198"/>
+          </a:xfrm>
+          <a:prstGeom prst="rect">
+            <a:avLst/>
+          </a:prstGeom>
+          <a:solidFill>
+            <a:schemeClr val="accent1"/>
+          </a:solidFill>
+          <a:ln>
+            <a:noFill/>
+          </a:ln>
+        </p:spPr>
+        <p:style>
+          <a:lnRef idx="2">
+            <a:schemeClr val="accent1">
+              <a:shade val="50000"/>
+            </a:schemeClr>
+          </a:lnRef>
+          <a:fillRef idx="1">
+            <a:schemeClr val="accent1"/>
+          </a:fillRef>
+          <a:effectRef idx="0">
+            <a:schemeClr val="accent1"/>
+          </a:effectRef>
+          <a:fontRef idx="minor">
+            <a:schemeClr val="lt1"/>
+          </a:fontRef>
+        </p:style>
+      </p:sp>
+      <p:sp>
+        <p:nvSpPr>
+          <p:cNvPr id="2" name="Title 1"/>
+          <p:cNvSpPr>
+            <a:spLocks noGrp="1"/>
+          </p:cNvSpPr>
+          <p:nvPr>
+            <p:ph type="title"/>
+          </p:nvPr>
+        </p:nvSpPr>
+        <p:spPr>
+          <a:xfrm>
+            <a:off x="680319" y="4711615"/>
+            <a:ext cx="9613862" cy="588535"/>
+          </a:xfrm>
+        </p:spPr>
+        <p:txBody>
+          <a:bodyPr anchor="b"/>
+          <a:lstStyle>
+            <a:lvl1pPr>
+              <a:defRPr sz="3200"/>
+            </a:lvl1pPr>
+          </a:lstStyle>
+          <a:p>
+            <a:r>
+              <a:rPr lang="es-ES" smtClean="0"/>
+              <a:t>Haga clic para modificar el estilo de título del patrón</a:t>
+            </a:r>
+            <a:endParaRPr lang="en-US" dirty="0"/>
+          </a:p>
+        </p:txBody>
+      </p:sp>
+      <p:sp>
+        <p:nvSpPr>
+          <p:cNvPr id="4" name="Text Placeholder 3"/>
+          <p:cNvSpPr>
+            <a:spLocks noGrp="1"/>
+          </p:cNvSpPr>
+          <p:nvPr>
+            <p:ph type="body" sz="half" idx="2"/>
+          </p:nvPr>
+        </p:nvSpPr>
+        <p:spPr>
+          <a:xfrm>
+            <a:off x="680320" y="5300149"/>
+            <a:ext cx="9613862" cy="502255"/>
+          </a:xfrm>
+        </p:spPr>
+        <p:txBody>
+          <a:bodyPr anchor="t"/>
+          <a:lstStyle>
+            <a:lvl1pPr marL="0" indent="0">
+              <a:buNone/>
+              <a:defRPr sz="1600"/>
+            </a:lvl1pPr>
+            <a:lvl2pPr marL="457200" indent="0">
+              <a:buNone/>
+              <a:defRPr sz="1400"/>
+            </a:lvl2pPr>
+            <a:lvl3pPr marL="914400" indent="0">
+              <a:buNone/>
+              <a:defRPr sz="1200"/>
+            </a:lvl3pPr>
+            <a:lvl4pPr marL="1371600" indent="0">
+              <a:buNone/>
+              <a:defRPr sz="1000"/>
+            </a:lvl4pPr>
+            <a:lvl5pPr marL="1828800" indent="0">
+              <a:buNone/>
+              <a:defRPr sz="1000"/>
+            </a:lvl5pPr>
+            <a:lvl6pPr marL="2286000" indent="0">
+              <a:buNone/>
+              <a:defRPr sz="1000"/>
+            </a:lvl6pPr>
+            <a:lvl7pPr marL="2743200" indent="0">
+              <a:buNone/>
+              <a:defRPr sz="1000"/>
+            </a:lvl7pPr>
+            <a:lvl8pPr marL="3200400" indent="0">
+              <a:buNone/>
+              <a:defRPr sz="1000"/>
+            </a:lvl8pPr>
+            <a:lvl9pPr marL="3657600" indent="0">
+              <a:buNone/>
+              <a:defRPr sz="1000"/>
+            </a:lvl9pPr>
+          </a:lstStyle>
+          <a:p>
+            <a:pPr lvl="0"/>
+            <a:r>
+              <a:rPr lang="es-ES" smtClean="0"/>
+              <a:t>Haga clic para modificar el estilo de texto del patrón</a:t>
+            </a:r>
+          </a:p>
+        </p:txBody>
+      </p:sp>
+      <p:sp>
+        <p:nvSpPr>
+          <p:cNvPr id="5" name="Date Placeholder 4"/>
+          <p:cNvSpPr>
+            <a:spLocks noGrp="1"/>
+          </p:cNvSpPr>
+          <p:nvPr>
+            <p:ph type="dt" sz="half" idx="10"/>
+          </p:nvPr>
+        </p:nvSpPr>
+        <p:spPr/>
+        <p:txBody>
+          <a:bodyPr/>
+          <a:lstStyle/>
+          <a:p>
+            <a:fld id="{74350373-3951-485C-A174-3533C8DF3868}" type="datetimeFigureOut">
+              <a:rPr lang="es-CO" smtClean="0"/>
+              <a:t>28/02/2019</a:t>
+            </a:fld>
+            <a:endParaRPr lang="es-CO"/>
+          </a:p>
+        </p:txBody>
+      </p:sp>
+      <p:sp>
+        <p:nvSpPr>
+          <p:cNvPr id="6" name="Footer Placeholder 5"/>
+          <p:cNvSpPr>
+            <a:spLocks noGrp="1"/>
+          </p:cNvSpPr>
+          <p:nvPr>
+            <p:ph type="ftr" sz="quarter" idx="11"/>
+          </p:nvPr>
+        </p:nvSpPr>
+        <p:spPr/>
+        <p:txBody>
+          <a:bodyPr/>
+          <a:lstStyle/>
+          <a:p>
+            <a:endParaRPr lang="es-CO"/>
+          </a:p>
+        </p:txBody>
+      </p:sp>
+      <p:sp>
+        <p:nvSpPr>
+          <p:cNvPr id="7" name="Slide Number Placeholder 6"/>
+          <p:cNvSpPr>
+            <a:spLocks noGrp="1"/>
+          </p:cNvSpPr>
+          <p:nvPr>
+            <p:ph type="sldNum" sz="quarter" idx="12"/>
+          </p:nvPr>
+        </p:nvSpPr>
+        <p:spPr>
+          <a:xfrm>
+            <a:off x="10729455" y="4709925"/>
+            <a:ext cx="1154151" cy="1090789"/>
+          </a:xfrm>
+        </p:spPr>
+        <p:txBody>
+          <a:bodyPr/>
+          <a:lstStyle/>
+          <a:p>
+            <a:fld id="{B7FE3AD5-DAE6-4B4F-8C26-5E3ABDD90089}" type="slidenum">
+              <a:rPr lang="es-CO" smtClean="0"/>
+              <a:t>‹Nº›</a:t>
+            </a:fld>
+            <a:endParaRPr lang="es-CO"/>
+          </a:p>
+        </p:txBody>
+      </p:sp>
+    </p:spTree>
+    <p:extLst>
+      <p:ext uri="{BB962C8B-B14F-4D97-AF65-F5344CB8AC3E}">
+        <p14:creationId xmlns:p14="http://schemas.microsoft.com/office/powerpoint/2010/main" val="3479901947"/>
+      </p:ext>
+    </p:extLst>
+  </p:cSld>
+  <p:clrMapOvr>
+    <a:masterClrMapping/>
+  </p:clrMapOvr>
+</p:sldLayout>
+</file>
+
+<file path=ppt/slideLayouts/slideLayout14.xml><?xml version="1.0" encoding="utf-8"?>
+<p:sldLayout xmlns:a="http://schemas.openxmlformats.org/drawingml/2006/main" xmlns:r="http://schemas.openxmlformats.org/officeDocument/2006/relationships" xmlns:p="http://schemas.openxmlformats.org/presentationml/2006/main" preserve="1">
+  <p:cSld name="Columna 3">
+    <p:spTree>
+      <p:nvGrpSpPr>
+        <p:cNvPr id="1" name=""/>
+        <p:cNvGrpSpPr/>
+        <p:nvPr/>
+      </p:nvGrpSpPr>
+      <p:grpSpPr>
+        <a:xfrm>
+          <a:off x="0" y="0"/>
+          <a:ext cx="0" cy="0"/>
+          <a:chOff x="0" y="0"/>
+          <a:chExt cx="0" cy="0"/>
+        </a:xfrm>
+      </p:grpSpPr>
+      <p:pic>
+        <p:nvPicPr>
+          <p:cNvPr id="13" name="Picture 12" descr="HD-ShadowLong.png"/>
+          <p:cNvPicPr>
+            <a:picLocks noChangeAspect="1"/>
+          </p:cNvPicPr>
+          <p:nvPr/>
+        </p:nvPicPr>
+        <p:blipFill>
+          <a:blip r:embed="rId2">
+            <a:extLst>
+              <a:ext uri="{28A0092B-C50C-407E-A947-70E740481C1C}">
+                <a14:useLocalDpi xmlns:a14="http://schemas.microsoft.com/office/drawing/2010/main" val="0"/>
+              </a:ext>
+            </a:extLst>
+          </a:blip>
+          <a:stretch>
+            <a:fillRect/>
+          </a:stretch>
+        </p:blipFill>
+        <p:spPr>
+          <a:xfrm>
+            <a:off x="1" y="1970240"/>
+            <a:ext cx="10437812" cy="321164"/>
+          </a:xfrm>
+          <a:prstGeom prst="rect">
+            <a:avLst/>
+          </a:prstGeom>
+        </p:spPr>
+      </p:pic>
+      <p:pic>
+        <p:nvPicPr>
+          <p:cNvPr id="14" name="Picture 13" descr="HD-ShadowShort.png"/>
+          <p:cNvPicPr>
+            <a:picLocks noChangeAspect="1"/>
+          </p:cNvPicPr>
+          <p:nvPr/>
+        </p:nvPicPr>
+        <p:blipFill>
+          <a:blip r:embed="rId3" cstate="print">
+            <a:extLst>
+              <a:ext uri="{28A0092B-C50C-407E-A947-70E740481C1C}">
+                <a14:useLocalDpi xmlns:a14="http://schemas.microsoft.com/office/drawing/2010/main" val="0"/>
+              </a:ext>
+            </a:extLst>
+          </a:blip>
+          <a:stretch>
+            <a:fillRect/>
+          </a:stretch>
+        </p:blipFill>
+        <p:spPr>
+          <a:xfrm>
+            <a:off x="10585826" y="1971234"/>
+            <a:ext cx="1602997" cy="144270"/>
+          </a:xfrm>
+          <a:prstGeom prst="rect">
+            <a:avLst/>
+          </a:prstGeom>
+        </p:spPr>
+      </p:pic>
+      <p:sp>
+        <p:nvSpPr>
+          <p:cNvPr id="16" name="Rectangle 15"/>
+          <p:cNvSpPr/>
+          <p:nvPr/>
+        </p:nvSpPr>
+        <p:spPr>
+          <a:xfrm>
+            <a:off x="0" y="609600"/>
+            <a:ext cx="10437812" cy="1368198"/>
+          </a:xfrm>
+          <a:prstGeom prst="rect">
+            <a:avLst/>
+          </a:prstGeom>
+          <a:solidFill>
+            <a:schemeClr val="bg1">
+              <a:lumMod val="85000"/>
+              <a:lumOff val="15000"/>
+            </a:schemeClr>
+          </a:solidFill>
+          <a:ln>
+            <a:noFill/>
+          </a:ln>
+        </p:spPr>
+        <p:style>
+          <a:lnRef idx="2">
+            <a:schemeClr val="accent1">
+              <a:shade val="50000"/>
+            </a:schemeClr>
+          </a:lnRef>
+          <a:fillRef idx="1">
+            <a:schemeClr val="accent1"/>
+          </a:fillRef>
+          <a:effectRef idx="0">
+            <a:schemeClr val="accent1"/>
+          </a:effectRef>
+          <a:fontRef idx="minor">
+            <a:schemeClr val="lt1"/>
+          </a:fontRef>
+        </p:style>
+      </p:sp>
+      <p:sp>
+        <p:nvSpPr>
+          <p:cNvPr id="17" name="Rectangle 16"/>
+          <p:cNvSpPr/>
+          <p:nvPr/>
+        </p:nvSpPr>
+        <p:spPr>
+          <a:xfrm>
+            <a:off x="10585827" y="609600"/>
+            <a:ext cx="1602997" cy="1368198"/>
+          </a:xfrm>
+          <a:prstGeom prst="rect">
+            <a:avLst/>
+          </a:prstGeom>
+          <a:solidFill>
+            <a:schemeClr val="accent1"/>
+          </a:solidFill>
+          <a:ln>
+            <a:noFill/>
+          </a:ln>
+        </p:spPr>
+        <p:style>
+          <a:lnRef idx="2">
+            <a:schemeClr val="accent1">
+              <a:shade val="50000"/>
+            </a:schemeClr>
+          </a:lnRef>
+          <a:fillRef idx="1">
+            <a:schemeClr val="accent1"/>
+          </a:fillRef>
+          <a:effectRef idx="0">
+            <a:schemeClr val="accent1"/>
+          </a:effectRef>
+          <a:fontRef idx="minor">
+            <a:schemeClr val="lt1"/>
+          </a:fontRef>
+        </p:style>
+      </p:sp>
+      <p:sp>
+        <p:nvSpPr>
+          <p:cNvPr id="15" name="Title 1"/>
+          <p:cNvSpPr>
+            <a:spLocks noGrp="1"/>
+          </p:cNvSpPr>
+          <p:nvPr>
+            <p:ph type="title"/>
+          </p:nvPr>
+        </p:nvSpPr>
+        <p:spPr>
+          <a:xfrm>
+            <a:off x="669222" y="753228"/>
+            <a:ext cx="9624960" cy="1080938"/>
+          </a:xfrm>
+        </p:spPr>
+        <p:txBody>
+          <a:bodyPr/>
+          <a:lstStyle/>
+          <a:p>
+            <a:r>
+              <a:rPr lang="es-ES" smtClean="0"/>
+              <a:t>Haga clic para modificar el estilo de título del patrón</a:t>
+            </a:r>
+            <a:endParaRPr lang="en-US" dirty="0"/>
+          </a:p>
+        </p:txBody>
+      </p:sp>
+      <p:sp>
+        <p:nvSpPr>
+          <p:cNvPr id="7" name="Text Placeholder 2"/>
+          <p:cNvSpPr>
+            <a:spLocks noGrp="1"/>
+          </p:cNvSpPr>
+          <p:nvPr>
+            <p:ph type="body" idx="1"/>
+          </p:nvPr>
+        </p:nvSpPr>
+        <p:spPr>
+          <a:xfrm>
+            <a:off x="660946" y="2336873"/>
+            <a:ext cx="3070034" cy="576262"/>
+          </a:xfrm>
+        </p:spPr>
+        <p:txBody>
+          <a:bodyPr anchor="b">
+            <a:noAutofit/>
+          </a:bodyPr>
+          <a:lstStyle>
+            <a:lvl1pPr marL="0" indent="0">
+              <a:buNone/>
+              <a:defRPr sz="2400" b="0">
+                <a:solidFill>
+                  <a:schemeClr val="tx1"/>
+                </a:solidFill>
+              </a:defRPr>
+            </a:lvl1pPr>
+            <a:lvl2pPr marL="457200" indent="0">
+              <a:buNone/>
+              <a:defRPr sz="2000" b="1"/>
+            </a:lvl2pPr>
+            <a:lvl3pPr marL="914400" indent="0">
+              <a:buNone/>
+              <a:defRPr sz="1800" b="1"/>
+            </a:lvl3pPr>
+            <a:lvl4pPr marL="1371600" indent="0">
+              <a:buNone/>
+              <a:defRPr sz="1600" b="1"/>
+            </a:lvl4pPr>
+            <a:lvl5pPr marL="1828800" indent="0">
+              <a:buNone/>
+              <a:defRPr sz="1600" b="1"/>
+            </a:lvl5pPr>
+            <a:lvl6pPr marL="2286000" indent="0">
+              <a:buNone/>
+              <a:defRPr sz="1600" b="1"/>
+            </a:lvl6pPr>
+            <a:lvl7pPr marL="2743200" indent="0">
+              <a:buNone/>
+              <a:defRPr sz="1600" b="1"/>
+            </a:lvl7pPr>
+            <a:lvl8pPr marL="3200400" indent="0">
+              <a:buNone/>
+              <a:defRPr sz="1600" b="1"/>
+            </a:lvl8pPr>
+            <a:lvl9pPr marL="3657600" indent="0">
+              <a:buNone/>
+              <a:defRPr sz="1600" b="1"/>
+            </a:lvl9pPr>
+          </a:lstStyle>
+          <a:p>
+            <a:pPr lvl="0"/>
+            <a:r>
+              <a:rPr lang="es-ES" smtClean="0"/>
+              <a:t>Haga clic para modificar el estilo de texto del patrón</a:t>
+            </a:r>
+          </a:p>
+        </p:txBody>
+      </p:sp>
+      <p:sp>
+        <p:nvSpPr>
+          <p:cNvPr id="8" name="Text Placeholder 3"/>
+          <p:cNvSpPr>
+            <a:spLocks noGrp="1"/>
+          </p:cNvSpPr>
+          <p:nvPr>
+            <p:ph type="body" sz="half" idx="15"/>
+          </p:nvPr>
+        </p:nvSpPr>
+        <p:spPr>
+          <a:xfrm>
+            <a:off x="680322" y="3022673"/>
+            <a:ext cx="3049702" cy="2913513"/>
+          </a:xfrm>
+        </p:spPr>
+        <p:txBody>
+          <a:bodyPr anchor="t">
+            <a:normAutofit/>
+          </a:bodyPr>
+          <a:lstStyle>
+            <a:lvl1pPr marL="0" indent="0">
+              <a:buNone/>
+              <a:defRPr sz="1400"/>
+            </a:lvl1pPr>
+            <a:lvl2pPr marL="457200" indent="0">
+              <a:buNone/>
+              <a:defRPr sz="1200"/>
+            </a:lvl2pPr>
+            <a:lvl3pPr marL="914400" indent="0">
+              <a:buNone/>
+              <a:defRPr sz="1000"/>
+            </a:lvl3pPr>
+            <a:lvl4pPr marL="1371600" indent="0">
+              <a:buNone/>
+              <a:defRPr sz="900"/>
+            </a:lvl4pPr>
+            <a:lvl5pPr marL="1828800" indent="0">
+              <a:buNone/>
+              <a:defRPr sz="900"/>
+            </a:lvl5pPr>
+            <a:lvl6pPr marL="2286000" indent="0">
+              <a:buNone/>
+              <a:defRPr sz="900"/>
+            </a:lvl6pPr>
+            <a:lvl7pPr marL="2743200" indent="0">
+              <a:buNone/>
+              <a:defRPr sz="900"/>
+            </a:lvl7pPr>
+            <a:lvl8pPr marL="3200400" indent="0">
+              <a:buNone/>
+              <a:defRPr sz="900"/>
+            </a:lvl8pPr>
+            <a:lvl9pPr marL="3657600" indent="0">
+              <a:buNone/>
+              <a:defRPr sz="900"/>
+            </a:lvl9pPr>
+          </a:lstStyle>
+          <a:p>
+            <a:pPr lvl="0"/>
+            <a:r>
+              <a:rPr lang="es-ES" smtClean="0"/>
+              <a:t>Haga clic para modificar el estilo de texto del patrón</a:t>
+            </a:r>
+          </a:p>
+        </p:txBody>
+      </p:sp>
+      <p:sp>
+        <p:nvSpPr>
+          <p:cNvPr id="9" name="Text Placeholder 4"/>
+          <p:cNvSpPr>
+            <a:spLocks noGrp="1"/>
+          </p:cNvSpPr>
+          <p:nvPr>
+            <p:ph type="body" sz="quarter" idx="3"/>
+          </p:nvPr>
+        </p:nvSpPr>
+        <p:spPr>
+          <a:xfrm>
+            <a:off x="3956025" y="2336873"/>
+            <a:ext cx="3063240" cy="576262"/>
+          </a:xfrm>
+        </p:spPr>
+        <p:txBody>
+          <a:bodyPr anchor="b">
+            <a:noAutofit/>
+          </a:bodyPr>
+          <a:lstStyle>
+            <a:lvl1pPr marL="0" indent="0">
+              <a:buNone/>
+              <a:defRPr sz="2400" b="0">
+                <a:solidFill>
+                  <a:schemeClr val="tx1"/>
+                </a:solidFill>
+              </a:defRPr>
+            </a:lvl1pPr>
+            <a:lvl2pPr marL="457200" indent="0">
+              <a:buNone/>
+              <a:defRPr sz="2000" b="1"/>
+            </a:lvl2pPr>
+            <a:lvl3pPr marL="914400" indent="0">
+              <a:buNone/>
+              <a:defRPr sz="1800" b="1"/>
+            </a:lvl3pPr>
+            <a:lvl4pPr marL="1371600" indent="0">
+              <a:buNone/>
+              <a:defRPr sz="1600" b="1"/>
+            </a:lvl4pPr>
+            <a:lvl5pPr marL="1828800" indent="0">
+              <a:buNone/>
+              <a:defRPr sz="1600" b="1"/>
+            </a:lvl5pPr>
+            <a:lvl6pPr marL="2286000" indent="0">
+              <a:buNone/>
+              <a:defRPr sz="1600" b="1"/>
+            </a:lvl6pPr>
+            <a:lvl7pPr marL="2743200" indent="0">
+              <a:buNone/>
+              <a:defRPr sz="1600" b="1"/>
+            </a:lvl7pPr>
+            <a:lvl8pPr marL="3200400" indent="0">
+              <a:buNone/>
+              <a:defRPr sz="1600" b="1"/>
+            </a:lvl8pPr>
+            <a:lvl9pPr marL="3657600" indent="0">
+              <a:buNone/>
+              <a:defRPr sz="1600" b="1"/>
+            </a:lvl9pPr>
+          </a:lstStyle>
+          <a:p>
+            <a:pPr lvl="0"/>
+            <a:r>
+              <a:rPr lang="es-ES" smtClean="0"/>
+              <a:t>Haga clic para modificar el estilo de texto del patrón</a:t>
+            </a:r>
+          </a:p>
+        </p:txBody>
+      </p:sp>
+      <p:sp>
+        <p:nvSpPr>
+          <p:cNvPr id="10" name="Text Placeholder 3"/>
+          <p:cNvSpPr>
+            <a:spLocks noGrp="1"/>
+          </p:cNvSpPr>
+          <p:nvPr>
+            <p:ph type="body" sz="half" idx="16"/>
+          </p:nvPr>
+        </p:nvSpPr>
+        <p:spPr>
+          <a:xfrm>
+            <a:off x="3945470" y="3022673"/>
+            <a:ext cx="3063240" cy="2913513"/>
+          </a:xfrm>
+        </p:spPr>
+        <p:txBody>
+          <a:bodyPr anchor="t">
+            <a:normAutofit/>
+          </a:bodyPr>
+          <a:lstStyle>
+            <a:lvl1pPr marL="0" indent="0">
+              <a:buNone/>
+              <a:defRPr sz="1400"/>
+            </a:lvl1pPr>
+            <a:lvl2pPr marL="457200" indent="0">
+              <a:buNone/>
+              <a:defRPr sz="1200"/>
+            </a:lvl2pPr>
+            <a:lvl3pPr marL="914400" indent="0">
+              <a:buNone/>
+              <a:defRPr sz="1000"/>
+            </a:lvl3pPr>
+            <a:lvl4pPr marL="1371600" indent="0">
+              <a:buNone/>
+              <a:defRPr sz="900"/>
+            </a:lvl4pPr>
+            <a:lvl5pPr marL="1828800" indent="0">
+              <a:buNone/>
+              <a:defRPr sz="900"/>
+            </a:lvl5pPr>
+            <a:lvl6pPr marL="2286000" indent="0">
+              <a:buNone/>
+              <a:defRPr sz="900"/>
+            </a:lvl6pPr>
+            <a:lvl7pPr marL="2743200" indent="0">
+              <a:buNone/>
+              <a:defRPr sz="900"/>
+            </a:lvl7pPr>
+            <a:lvl8pPr marL="3200400" indent="0">
+              <a:buNone/>
+              <a:defRPr sz="900"/>
+            </a:lvl8pPr>
+            <a:lvl9pPr marL="3657600" indent="0">
+              <a:buNone/>
+              <a:defRPr sz="900"/>
+            </a:lvl9pPr>
+          </a:lstStyle>
+          <a:p>
+            <a:pPr lvl="0"/>
+            <a:r>
+              <a:rPr lang="es-ES" smtClean="0"/>
+              <a:t>Haga clic para modificar el estilo de texto del patrón</a:t>
+            </a:r>
+          </a:p>
+        </p:txBody>
+      </p:sp>
+      <p:sp>
+        <p:nvSpPr>
+          <p:cNvPr id="11" name="Text Placeholder 4"/>
+          <p:cNvSpPr>
+            <a:spLocks noGrp="1"/>
+          </p:cNvSpPr>
+          <p:nvPr>
+            <p:ph type="body" sz="quarter" idx="13"/>
+          </p:nvPr>
+        </p:nvSpPr>
+        <p:spPr>
+          <a:xfrm>
+            <a:off x="7224156" y="2336873"/>
+            <a:ext cx="3070025" cy="576262"/>
+          </a:xfrm>
+        </p:spPr>
+        <p:txBody>
+          <a:bodyPr anchor="b">
+            <a:noAutofit/>
+          </a:bodyPr>
+          <a:lstStyle>
+            <a:lvl1pPr marL="0" indent="0">
+              <a:buNone/>
+              <a:defRPr sz="2400" b="0">
+                <a:solidFill>
+                  <a:schemeClr val="tx1"/>
+                </a:solidFill>
+              </a:defRPr>
+            </a:lvl1pPr>
+            <a:lvl2pPr marL="457200" indent="0">
+              <a:buNone/>
+              <a:defRPr sz="2000" b="1"/>
+            </a:lvl2pPr>
+            <a:lvl3pPr marL="914400" indent="0">
+              <a:buNone/>
+              <a:defRPr sz="1800" b="1"/>
+            </a:lvl3pPr>
+            <a:lvl4pPr marL="1371600" indent="0">
+              <a:buNone/>
+              <a:defRPr sz="1600" b="1"/>
+            </a:lvl4pPr>
+            <a:lvl5pPr marL="1828800" indent="0">
+              <a:buNone/>
+              <a:defRPr sz="1600" b="1"/>
+            </a:lvl5pPr>
+            <a:lvl6pPr marL="2286000" indent="0">
+              <a:buNone/>
+              <a:defRPr sz="1600" b="1"/>
+            </a:lvl6pPr>
+            <a:lvl7pPr marL="2743200" indent="0">
+              <a:buNone/>
+              <a:defRPr sz="1600" b="1"/>
+            </a:lvl7pPr>
+            <a:lvl8pPr marL="3200400" indent="0">
+              <a:buNone/>
+              <a:defRPr sz="1600" b="1"/>
+            </a:lvl8pPr>
+            <a:lvl9pPr marL="3657600" indent="0">
+              <a:buNone/>
+              <a:defRPr sz="1600" b="1"/>
+            </a:lvl9pPr>
+          </a:lstStyle>
+          <a:p>
+            <a:pPr lvl="0"/>
+            <a:r>
+              <a:rPr lang="es-ES" smtClean="0"/>
+              <a:t>Haga clic para modificar el estilo de texto del patrón</a:t>
+            </a:r>
+          </a:p>
+        </p:txBody>
+      </p:sp>
+      <p:sp>
+        <p:nvSpPr>
+          <p:cNvPr id="12" name="Text Placeholder 3"/>
+          <p:cNvSpPr>
+            <a:spLocks noGrp="1"/>
+          </p:cNvSpPr>
+          <p:nvPr>
+            <p:ph type="body" sz="half" idx="17"/>
+          </p:nvPr>
+        </p:nvSpPr>
+        <p:spPr>
+          <a:xfrm>
+            <a:off x="7224156" y="3022673"/>
+            <a:ext cx="3070025" cy="2913513"/>
+          </a:xfrm>
+        </p:spPr>
+        <p:txBody>
+          <a:bodyPr anchor="t">
+            <a:normAutofit/>
+          </a:bodyPr>
+          <a:lstStyle>
+            <a:lvl1pPr marL="0" indent="0">
+              <a:buNone/>
+              <a:defRPr sz="1400"/>
+            </a:lvl1pPr>
+            <a:lvl2pPr marL="457200" indent="0">
+              <a:buNone/>
+              <a:defRPr sz="1200"/>
+            </a:lvl2pPr>
+            <a:lvl3pPr marL="914400" indent="0">
+              <a:buNone/>
+              <a:defRPr sz="1000"/>
+            </a:lvl3pPr>
+            <a:lvl4pPr marL="1371600" indent="0">
+              <a:buNone/>
+              <a:defRPr sz="900"/>
+            </a:lvl4pPr>
+            <a:lvl5pPr marL="1828800" indent="0">
+              <a:buNone/>
+              <a:defRPr sz="900"/>
+            </a:lvl5pPr>
+            <a:lvl6pPr marL="2286000" indent="0">
+              <a:buNone/>
+              <a:defRPr sz="900"/>
+            </a:lvl6pPr>
+            <a:lvl7pPr marL="2743200" indent="0">
+              <a:buNone/>
+              <a:defRPr sz="900"/>
+            </a:lvl7pPr>
+            <a:lvl8pPr marL="3200400" indent="0">
+              <a:buNone/>
+              <a:defRPr sz="900"/>
+            </a:lvl8pPr>
+            <a:lvl9pPr marL="3657600" indent="0">
+              <a:buNone/>
+              <a:defRPr sz="900"/>
+            </a:lvl9pPr>
+          </a:lstStyle>
+          <a:p>
+            <a:pPr lvl="0"/>
+            <a:r>
+              <a:rPr lang="es-ES" smtClean="0"/>
+              <a:t>Haga clic para modificar el estilo de texto del patrón</a:t>
+            </a:r>
+          </a:p>
+        </p:txBody>
+      </p:sp>
+      <p:sp>
+        <p:nvSpPr>
+          <p:cNvPr id="3" name="Date Placeholder 2"/>
+          <p:cNvSpPr>
+            <a:spLocks noGrp="1"/>
+          </p:cNvSpPr>
+          <p:nvPr>
+            <p:ph type="dt" sz="half" idx="10"/>
+          </p:nvPr>
+        </p:nvSpPr>
+        <p:spPr/>
+        <p:txBody>
+          <a:bodyPr/>
+          <a:lstStyle/>
+          <a:p>
+            <a:fld id="{74350373-3951-485C-A174-3533C8DF3868}" type="datetimeFigureOut">
+              <a:rPr lang="es-CO" smtClean="0"/>
+              <a:t>28/02/2019</a:t>
+            </a:fld>
+            <a:endParaRPr lang="es-CO"/>
+          </a:p>
+        </p:txBody>
+      </p:sp>
+      <p:sp>
+        <p:nvSpPr>
+          <p:cNvPr id="4" name="Footer Placeholder 3"/>
+          <p:cNvSpPr>
+            <a:spLocks noGrp="1"/>
+          </p:cNvSpPr>
+          <p:nvPr>
+            <p:ph type="ftr" sz="quarter" idx="11"/>
+          </p:nvPr>
+        </p:nvSpPr>
+        <p:spPr/>
+        <p:txBody>
+          <a:bodyPr/>
+          <a:lstStyle/>
+          <a:p>
+            <a:endParaRPr lang="es-CO"/>
+          </a:p>
+        </p:txBody>
+      </p:sp>
+      <p:sp>
+        <p:nvSpPr>
+          <p:cNvPr id="5" name="Slide Number Placeholder 4"/>
+          <p:cNvSpPr>
+            <a:spLocks noGrp="1"/>
+          </p:cNvSpPr>
+          <p:nvPr>
+            <p:ph type="sldNum" sz="quarter" idx="12"/>
+          </p:nvPr>
+        </p:nvSpPr>
+        <p:spPr/>
+        <p:txBody>
+          <a:bodyPr/>
+          <a:lstStyle/>
+          <a:p>
+            <a:fld id="{B7FE3AD5-DAE6-4B4F-8C26-5E3ABDD90089}" type="slidenum">
+              <a:rPr lang="es-CO" smtClean="0"/>
+              <a:t>‹Nº›</a:t>
+            </a:fld>
+            <a:endParaRPr lang="es-CO"/>
+          </a:p>
+        </p:txBody>
+      </p:sp>
+    </p:spTree>
+    <p:extLst>
+      <p:ext uri="{BB962C8B-B14F-4D97-AF65-F5344CB8AC3E}">
+        <p14:creationId xmlns:p14="http://schemas.microsoft.com/office/powerpoint/2010/main" val="1690363900"/>
+      </p:ext>
+    </p:extLst>
+  </p:cSld>
+  <p:clrMapOvr>
+    <a:masterClrMapping/>
+  </p:clrMapOvr>
+</p:sldLayout>
+</file>
+
+<file path=ppt/slideLayouts/slideLayout15.xml><?xml version="1.0" encoding="utf-8"?>
+<p:sldLayout xmlns:a="http://schemas.openxmlformats.org/drawingml/2006/main" xmlns:r="http://schemas.openxmlformats.org/officeDocument/2006/relationships" xmlns:p="http://schemas.openxmlformats.org/presentationml/2006/main" preserve="1">
+  <p:cSld name="Columna de imagen 3">
+    <p:spTree>
+      <p:nvGrpSpPr>
+        <p:cNvPr id="1" name=""/>
+        <p:cNvGrpSpPr/>
+        <p:nvPr/>
+      </p:nvGrpSpPr>
+      <p:grpSpPr>
+        <a:xfrm>
+          <a:off x="0" y="0"/>
+          <a:ext cx="0" cy="0"/>
+          <a:chOff x="0" y="0"/>
+          <a:chExt cx="0" cy="0"/>
+        </a:xfrm>
+      </p:grpSpPr>
+      <p:pic>
+        <p:nvPicPr>
+          <p:cNvPr id="15" name="Picture 14" descr="HD-ShadowLong.png"/>
+          <p:cNvPicPr>
+            <a:picLocks noChangeAspect="1"/>
+          </p:cNvPicPr>
+          <p:nvPr/>
+        </p:nvPicPr>
+        <p:blipFill>
+          <a:blip r:embed="rId2">
+            <a:extLst>
+              <a:ext uri="{28A0092B-C50C-407E-A947-70E740481C1C}">
+                <a14:useLocalDpi xmlns:a14="http://schemas.microsoft.com/office/drawing/2010/main" val="0"/>
+              </a:ext>
+            </a:extLst>
+          </a:blip>
+          <a:stretch>
+            <a:fillRect/>
+          </a:stretch>
+        </p:blipFill>
+        <p:spPr>
+          <a:xfrm>
+            <a:off x="1" y="1970240"/>
+            <a:ext cx="10437812" cy="321164"/>
+          </a:xfrm>
+          <a:prstGeom prst="rect">
+            <a:avLst/>
+          </a:prstGeom>
+        </p:spPr>
+      </p:pic>
+      <p:pic>
+        <p:nvPicPr>
+          <p:cNvPr id="16" name="Picture 15" descr="HD-ShadowShort.png"/>
+          <p:cNvPicPr>
+            <a:picLocks noChangeAspect="1"/>
+          </p:cNvPicPr>
+          <p:nvPr/>
+        </p:nvPicPr>
+        <p:blipFill>
+          <a:blip r:embed="rId3" cstate="print">
+            <a:extLst>
+              <a:ext uri="{28A0092B-C50C-407E-A947-70E740481C1C}">
+                <a14:useLocalDpi xmlns:a14="http://schemas.microsoft.com/office/drawing/2010/main" val="0"/>
+              </a:ext>
+            </a:extLst>
+          </a:blip>
+          <a:stretch>
+            <a:fillRect/>
+          </a:stretch>
+        </p:blipFill>
+        <p:spPr>
+          <a:xfrm>
+            <a:off x="10585826" y="1971234"/>
+            <a:ext cx="1602997" cy="144270"/>
+          </a:xfrm>
+          <a:prstGeom prst="rect">
+            <a:avLst/>
+          </a:prstGeom>
+        </p:spPr>
+      </p:pic>
+      <p:sp>
+        <p:nvSpPr>
+          <p:cNvPr id="17" name="Rectangle 16"/>
+          <p:cNvSpPr/>
+          <p:nvPr/>
+        </p:nvSpPr>
+        <p:spPr>
+          <a:xfrm>
+            <a:off x="0" y="609600"/>
+            <a:ext cx="10437812" cy="1368198"/>
+          </a:xfrm>
+          <a:prstGeom prst="rect">
+            <a:avLst/>
+          </a:prstGeom>
+          <a:solidFill>
+            <a:schemeClr val="bg1">
+              <a:lumMod val="85000"/>
+              <a:lumOff val="15000"/>
+            </a:schemeClr>
+          </a:solidFill>
+          <a:ln>
+            <a:noFill/>
+          </a:ln>
+        </p:spPr>
+        <p:style>
+          <a:lnRef idx="2">
+            <a:schemeClr val="accent1">
+              <a:shade val="50000"/>
+            </a:schemeClr>
+          </a:lnRef>
+          <a:fillRef idx="1">
+            <a:schemeClr val="accent1"/>
+          </a:fillRef>
+          <a:effectRef idx="0">
+            <a:schemeClr val="accent1"/>
+          </a:effectRef>
+          <a:fontRef idx="minor">
+            <a:schemeClr val="lt1"/>
+          </a:fontRef>
+        </p:style>
+      </p:sp>
+      <p:sp>
+        <p:nvSpPr>
+          <p:cNvPr id="18" name="Rectangle 17"/>
+          <p:cNvSpPr/>
+          <p:nvPr/>
+        </p:nvSpPr>
+        <p:spPr>
+          <a:xfrm>
+            <a:off x="10585827" y="609600"/>
+            <a:ext cx="1602997" cy="1368198"/>
+          </a:xfrm>
+          <a:prstGeom prst="rect">
+            <a:avLst/>
+          </a:prstGeom>
+          <a:solidFill>
+            <a:schemeClr val="accent1"/>
+          </a:solidFill>
+          <a:ln>
+            <a:noFill/>
+          </a:ln>
+        </p:spPr>
+        <p:style>
+          <a:lnRef idx="2">
+            <a:schemeClr val="accent1">
+              <a:shade val="50000"/>
+            </a:schemeClr>
+          </a:lnRef>
+          <a:fillRef idx="1">
+            <a:schemeClr val="accent1"/>
+          </a:fillRef>
+          <a:effectRef idx="0">
+            <a:schemeClr val="accent1"/>
+          </a:effectRef>
+          <a:fontRef idx="minor">
+            <a:schemeClr val="lt1"/>
+          </a:fontRef>
+        </p:style>
+      </p:sp>
+      <p:sp>
+        <p:nvSpPr>
+          <p:cNvPr id="30" name="Title 1"/>
+          <p:cNvSpPr>
+            <a:spLocks noGrp="1"/>
+          </p:cNvSpPr>
+          <p:nvPr>
+            <p:ph type="title"/>
+          </p:nvPr>
+        </p:nvSpPr>
+        <p:spPr>
+          <a:xfrm>
+            <a:off x="680322" y="753228"/>
+            <a:ext cx="9613860" cy="1080938"/>
+          </a:xfrm>
+        </p:spPr>
+        <p:txBody>
+          <a:bodyPr/>
+          <a:lstStyle/>
+          <a:p>
+            <a:r>
+              <a:rPr lang="es-ES" smtClean="0"/>
+              <a:t>Haga clic para modificar el estilo de título del patrón</a:t>
+            </a:r>
+            <a:endParaRPr lang="en-US" dirty="0"/>
+          </a:p>
+        </p:txBody>
+      </p:sp>
+      <p:sp>
+        <p:nvSpPr>
+          <p:cNvPr id="19" name="Text Placeholder 2"/>
+          <p:cNvSpPr>
+            <a:spLocks noGrp="1"/>
+          </p:cNvSpPr>
+          <p:nvPr>
+            <p:ph type="body" idx="1"/>
+          </p:nvPr>
+        </p:nvSpPr>
+        <p:spPr>
+          <a:xfrm>
+            <a:off x="680318" y="4297503"/>
+            <a:ext cx="3049705" cy="576262"/>
+          </a:xfrm>
+        </p:spPr>
+        <p:txBody>
+          <a:bodyPr anchor="b">
+            <a:noAutofit/>
+          </a:bodyPr>
+          <a:lstStyle>
+            <a:lvl1pPr marL="0" indent="0">
+              <a:buNone/>
+              <a:defRPr sz="2400" b="0">
+                <a:solidFill>
+                  <a:schemeClr val="tx1"/>
+                </a:solidFill>
+              </a:defRPr>
+            </a:lvl1pPr>
+            <a:lvl2pPr marL="457200" indent="0">
+              <a:buNone/>
+              <a:defRPr sz="2000" b="1"/>
+            </a:lvl2pPr>
+            <a:lvl3pPr marL="914400" indent="0">
+              <a:buNone/>
+              <a:defRPr sz="1800" b="1"/>
+            </a:lvl3pPr>
+            <a:lvl4pPr marL="1371600" indent="0">
+              <a:buNone/>
+              <a:defRPr sz="1600" b="1"/>
+            </a:lvl4pPr>
+            <a:lvl5pPr marL="1828800" indent="0">
+              <a:buNone/>
+              <a:defRPr sz="1600" b="1"/>
+            </a:lvl5pPr>
+            <a:lvl6pPr marL="2286000" indent="0">
+              <a:buNone/>
+              <a:defRPr sz="1600" b="1"/>
+            </a:lvl6pPr>
+            <a:lvl7pPr marL="2743200" indent="0">
+              <a:buNone/>
+              <a:defRPr sz="1600" b="1"/>
+            </a:lvl7pPr>
+            <a:lvl8pPr marL="3200400" indent="0">
+              <a:buNone/>
+              <a:defRPr sz="1600" b="1"/>
+            </a:lvl8pPr>
+            <a:lvl9pPr marL="3657600" indent="0">
+              <a:buNone/>
+              <a:defRPr sz="1600" b="1"/>
+            </a:lvl9pPr>
+          </a:lstStyle>
+          <a:p>
+            <a:pPr lvl="0"/>
+            <a:r>
+              <a:rPr lang="es-ES" smtClean="0"/>
+              <a:t>Haga clic para modificar el estilo de texto del patrón</a:t>
+            </a:r>
+          </a:p>
+        </p:txBody>
+      </p:sp>
+      <p:sp>
+        <p:nvSpPr>
+          <p:cNvPr id="20" name="Picture Placeholder 2"/>
+          <p:cNvSpPr>
+            <a:spLocks noGrp="1" noChangeAspect="1"/>
+          </p:cNvSpPr>
+          <p:nvPr>
+            <p:ph type="pic" idx="15"/>
+          </p:nvPr>
+        </p:nvSpPr>
+        <p:spPr>
+          <a:xfrm>
+            <a:off x="680318" y="2336873"/>
+            <a:ext cx="3049705" cy="1524000"/>
+          </a:xfrm>
+          <a:prstGeom prst="roundRect">
+            <a:avLst>
+              <a:gd name="adj" fmla="val 0"/>
+            </a:avLst>
+          </a:prstGeom>
+          <a:effectLst>
+            <a:outerShdw blurRad="50800" dist="50800" dir="5400000" algn="tl" rotWithShape="0">
+              <a:srgbClr val="000000">
+                <a:alpha val="43000"/>
+              </a:srgbClr>
+            </a:outerShdw>
+          </a:effectLst>
+        </p:spPr>
+        <p:txBody>
+          <a:bodyPr anchor="t">
+            <a:normAutofit/>
+          </a:bodyPr>
+          <a:lstStyle>
+            <a:lvl1pPr marL="0" indent="0" algn="ctr">
+              <a:buNone/>
+              <a:defRPr sz="1600"/>
+            </a:lvl1pPr>
+            <a:lvl2pPr marL="457200" indent="0">
+              <a:buNone/>
+              <a:defRPr sz="1600"/>
+            </a:lvl2pPr>
+            <a:lvl3pPr marL="914400" indent="0">
+              <a:buNone/>
+              <a:defRPr sz="1600"/>
+            </a:lvl3pPr>
+            <a:lvl4pPr marL="1371600" indent="0">
+              <a:buNone/>
+              <a:defRPr sz="1600"/>
+            </a:lvl4pPr>
+            <a:lvl5pPr marL="1828800" indent="0">
+              <a:buNone/>
+              <a:defRPr sz="1600"/>
+            </a:lvl5pPr>
+            <a:lvl6pPr marL="2286000" indent="0">
+              <a:buNone/>
+              <a:defRPr sz="1600"/>
+            </a:lvl6pPr>
+            <a:lvl7pPr marL="2743200" indent="0">
+              <a:buNone/>
+              <a:defRPr sz="1600"/>
+            </a:lvl7pPr>
+            <a:lvl8pPr marL="3200400" indent="0">
+              <a:buNone/>
+              <a:defRPr sz="1600"/>
+            </a:lvl8pPr>
+            <a:lvl9pPr marL="3657600" indent="0">
+              <a:buNone/>
+              <a:defRPr sz="1600"/>
+            </a:lvl9pPr>
+          </a:lstStyle>
+          <a:p>
+            <a:r>
+              <a:rPr lang="es-ES" smtClean="0"/>
+              <a:t>Haga clic en el icono para agregar una imagen</a:t>
+            </a:r>
+            <a:endParaRPr lang="en-US" dirty="0"/>
+          </a:p>
+        </p:txBody>
+      </p:sp>
+      <p:sp>
+        <p:nvSpPr>
+          <p:cNvPr id="21" name="Text Placeholder 3"/>
+          <p:cNvSpPr>
+            <a:spLocks noGrp="1"/>
+          </p:cNvSpPr>
+          <p:nvPr>
+            <p:ph type="body" sz="half" idx="18"/>
+          </p:nvPr>
+        </p:nvSpPr>
+        <p:spPr>
+          <a:xfrm>
+            <a:off x="680318" y="4873765"/>
+            <a:ext cx="3049705" cy="1062422"/>
+          </a:xfrm>
+        </p:spPr>
+        <p:txBody>
+          <a:bodyPr anchor="t">
+            <a:normAutofit/>
+          </a:bodyPr>
+          <a:lstStyle>
+            <a:lvl1pPr marL="0" indent="0">
+              <a:buNone/>
+              <a:defRPr sz="1400"/>
+            </a:lvl1pPr>
+            <a:lvl2pPr marL="457200" indent="0">
+              <a:buNone/>
+              <a:defRPr sz="1200"/>
+            </a:lvl2pPr>
+            <a:lvl3pPr marL="914400" indent="0">
+              <a:buNone/>
+              <a:defRPr sz="1000"/>
+            </a:lvl3pPr>
+            <a:lvl4pPr marL="1371600" indent="0">
+              <a:buNone/>
+              <a:defRPr sz="900"/>
+            </a:lvl4pPr>
+            <a:lvl5pPr marL="1828800" indent="0">
+              <a:buNone/>
+              <a:defRPr sz="900"/>
+            </a:lvl5pPr>
+            <a:lvl6pPr marL="2286000" indent="0">
+              <a:buNone/>
+              <a:defRPr sz="900"/>
+            </a:lvl6pPr>
+            <a:lvl7pPr marL="2743200" indent="0">
+              <a:buNone/>
+              <a:defRPr sz="900"/>
+            </a:lvl7pPr>
+            <a:lvl8pPr marL="3200400" indent="0">
+              <a:buNone/>
+              <a:defRPr sz="900"/>
+            </a:lvl8pPr>
+            <a:lvl9pPr marL="3657600" indent="0">
+              <a:buNone/>
+              <a:defRPr sz="900"/>
+            </a:lvl9pPr>
+          </a:lstStyle>
+          <a:p>
+            <a:pPr lvl="0"/>
+            <a:r>
+              <a:rPr lang="es-ES" smtClean="0"/>
+              <a:t>Haga clic para modificar el estilo de texto del patrón</a:t>
+            </a:r>
+          </a:p>
+        </p:txBody>
+      </p:sp>
+      <p:sp>
+        <p:nvSpPr>
+          <p:cNvPr id="22" name="Text Placeholder 4"/>
+          <p:cNvSpPr>
+            <a:spLocks noGrp="1"/>
+          </p:cNvSpPr>
+          <p:nvPr>
+            <p:ph type="body" sz="quarter" idx="3"/>
+          </p:nvPr>
+        </p:nvSpPr>
+        <p:spPr>
+          <a:xfrm>
+            <a:off x="3945471" y="4297503"/>
+            <a:ext cx="3063240" cy="576262"/>
+          </a:xfrm>
+        </p:spPr>
+        <p:txBody>
+          <a:bodyPr anchor="b">
+            <a:noAutofit/>
+          </a:bodyPr>
+          <a:lstStyle>
+            <a:lvl1pPr marL="0" indent="0">
+              <a:buNone/>
+              <a:defRPr sz="2400" b="0">
+                <a:solidFill>
+                  <a:schemeClr val="tx1"/>
+                </a:solidFill>
+              </a:defRPr>
+            </a:lvl1pPr>
+            <a:lvl2pPr marL="457200" indent="0">
+              <a:buNone/>
+              <a:defRPr sz="2000" b="1"/>
+            </a:lvl2pPr>
+            <a:lvl3pPr marL="914400" indent="0">
+              <a:buNone/>
+              <a:defRPr sz="1800" b="1"/>
+            </a:lvl3pPr>
+            <a:lvl4pPr marL="1371600" indent="0">
+              <a:buNone/>
+              <a:defRPr sz="1600" b="1"/>
+            </a:lvl4pPr>
+            <a:lvl5pPr marL="1828800" indent="0">
+              <a:buNone/>
+              <a:defRPr sz="1600" b="1"/>
+            </a:lvl5pPr>
+            <a:lvl6pPr marL="2286000" indent="0">
+              <a:buNone/>
+              <a:defRPr sz="1600" b="1"/>
+            </a:lvl6pPr>
+            <a:lvl7pPr marL="2743200" indent="0">
+              <a:buNone/>
+              <a:defRPr sz="1600" b="1"/>
+            </a:lvl7pPr>
+            <a:lvl8pPr marL="3200400" indent="0">
+              <a:buNone/>
+              <a:defRPr sz="1600" b="1"/>
+            </a:lvl8pPr>
+            <a:lvl9pPr marL="3657600" indent="0">
+              <a:buNone/>
+              <a:defRPr sz="1600" b="1"/>
+            </a:lvl9pPr>
+          </a:lstStyle>
+          <a:p>
+            <a:pPr lvl="0"/>
+            <a:r>
+              <a:rPr lang="es-ES" smtClean="0"/>
+              <a:t>Haga clic para modificar el estilo de texto del patrón</a:t>
+            </a:r>
+          </a:p>
+        </p:txBody>
+      </p:sp>
+      <p:sp>
+        <p:nvSpPr>
+          <p:cNvPr id="23" name="Picture Placeholder 2"/>
+          <p:cNvSpPr>
+            <a:spLocks noGrp="1" noChangeAspect="1"/>
+          </p:cNvSpPr>
+          <p:nvPr>
+            <p:ph type="pic" idx="21"/>
+          </p:nvPr>
+        </p:nvSpPr>
+        <p:spPr>
+          <a:xfrm>
+            <a:off x="3945470" y="2336873"/>
+            <a:ext cx="3063240" cy="1524000"/>
+          </a:xfrm>
+          <a:prstGeom prst="roundRect">
+            <a:avLst>
+              <a:gd name="adj" fmla="val 0"/>
+            </a:avLst>
+          </a:prstGeom>
+          <a:effectLst>
+            <a:outerShdw blurRad="50800" dist="50800" dir="5400000" algn="tl" rotWithShape="0">
+              <a:srgbClr val="000000">
+                <a:alpha val="43000"/>
+              </a:srgbClr>
+            </a:outerShdw>
+          </a:effectLst>
+        </p:spPr>
+        <p:txBody>
+          <a:bodyPr anchor="t">
+            <a:normAutofit/>
+          </a:bodyPr>
+          <a:lstStyle>
+            <a:lvl1pPr marL="0" indent="0" algn="ctr">
+              <a:buNone/>
+              <a:defRPr sz="1600"/>
+            </a:lvl1pPr>
+            <a:lvl2pPr marL="457200" indent="0">
+              <a:buNone/>
+              <a:defRPr sz="1600"/>
+            </a:lvl2pPr>
+            <a:lvl3pPr marL="914400" indent="0">
+              <a:buNone/>
+              <a:defRPr sz="1600"/>
+            </a:lvl3pPr>
+            <a:lvl4pPr marL="1371600" indent="0">
+              <a:buNone/>
+              <a:defRPr sz="1600"/>
+            </a:lvl4pPr>
+            <a:lvl5pPr marL="1828800" indent="0">
+              <a:buNone/>
+              <a:defRPr sz="1600"/>
+            </a:lvl5pPr>
+            <a:lvl6pPr marL="2286000" indent="0">
+              <a:buNone/>
+              <a:defRPr sz="1600"/>
+            </a:lvl6pPr>
+            <a:lvl7pPr marL="2743200" indent="0">
+              <a:buNone/>
+              <a:defRPr sz="1600"/>
+            </a:lvl7pPr>
+            <a:lvl8pPr marL="3200400" indent="0">
+              <a:buNone/>
+              <a:defRPr sz="1600"/>
+            </a:lvl8pPr>
+            <a:lvl9pPr marL="3657600" indent="0">
+              <a:buNone/>
+              <a:defRPr sz="1600"/>
+            </a:lvl9pPr>
+          </a:lstStyle>
+          <a:p>
+            <a:r>
+              <a:rPr lang="es-ES" smtClean="0"/>
+              <a:t>Haga clic en el icono para agregar una imagen</a:t>
+            </a:r>
+            <a:endParaRPr lang="en-US" dirty="0"/>
+          </a:p>
+        </p:txBody>
+      </p:sp>
+      <p:sp>
+        <p:nvSpPr>
+          <p:cNvPr id="24" name="Text Placeholder 3"/>
+          <p:cNvSpPr>
+            <a:spLocks noGrp="1"/>
+          </p:cNvSpPr>
+          <p:nvPr>
+            <p:ph type="body" sz="half" idx="19"/>
+          </p:nvPr>
+        </p:nvSpPr>
+        <p:spPr>
+          <a:xfrm>
+            <a:off x="3944117" y="4873764"/>
+            <a:ext cx="3067297" cy="1062422"/>
+          </a:xfrm>
+        </p:spPr>
+        <p:txBody>
+          <a:bodyPr anchor="t">
+            <a:normAutofit/>
+          </a:bodyPr>
+          <a:lstStyle>
+            <a:lvl1pPr marL="0" indent="0">
+              <a:buNone/>
+              <a:defRPr sz="1400"/>
+            </a:lvl1pPr>
+            <a:lvl2pPr marL="457200" indent="0">
+              <a:buNone/>
+              <a:defRPr sz="1200"/>
+            </a:lvl2pPr>
+            <a:lvl3pPr marL="914400" indent="0">
+              <a:buNone/>
+              <a:defRPr sz="1000"/>
+            </a:lvl3pPr>
+            <a:lvl4pPr marL="1371600" indent="0">
+              <a:buNone/>
+              <a:defRPr sz="900"/>
+            </a:lvl4pPr>
+            <a:lvl5pPr marL="1828800" indent="0">
+              <a:buNone/>
+              <a:defRPr sz="900"/>
+            </a:lvl5pPr>
+            <a:lvl6pPr marL="2286000" indent="0">
+              <a:buNone/>
+              <a:defRPr sz="900"/>
+            </a:lvl6pPr>
+            <a:lvl7pPr marL="2743200" indent="0">
+              <a:buNone/>
+              <a:defRPr sz="900"/>
+            </a:lvl7pPr>
+            <a:lvl8pPr marL="3200400" indent="0">
+              <a:buNone/>
+              <a:defRPr sz="900"/>
+            </a:lvl8pPr>
+            <a:lvl9pPr marL="3657600" indent="0">
+              <a:buNone/>
+              <a:defRPr sz="900"/>
+            </a:lvl9pPr>
+          </a:lstStyle>
+          <a:p>
+            <a:pPr lvl="0"/>
+            <a:r>
+              <a:rPr lang="es-ES" smtClean="0"/>
+              <a:t>Haga clic para modificar el estilo de texto del patrón</a:t>
+            </a:r>
+          </a:p>
+        </p:txBody>
+      </p:sp>
+      <p:sp>
+        <p:nvSpPr>
+          <p:cNvPr id="25" name="Text Placeholder 4"/>
+          <p:cNvSpPr>
+            <a:spLocks noGrp="1"/>
+          </p:cNvSpPr>
+          <p:nvPr>
+            <p:ph type="body" sz="quarter" idx="13"/>
+          </p:nvPr>
+        </p:nvSpPr>
+        <p:spPr>
+          <a:xfrm>
+            <a:off x="7230678" y="4297503"/>
+            <a:ext cx="3063505" cy="576262"/>
+          </a:xfrm>
+        </p:spPr>
+        <p:txBody>
+          <a:bodyPr anchor="b">
+            <a:noAutofit/>
+          </a:bodyPr>
+          <a:lstStyle>
+            <a:lvl1pPr marL="0" indent="0">
+              <a:buNone/>
+              <a:defRPr sz="2400" b="0">
+                <a:solidFill>
+                  <a:schemeClr val="tx1"/>
+                </a:solidFill>
+              </a:defRPr>
+            </a:lvl1pPr>
+            <a:lvl2pPr marL="457200" indent="0">
+              <a:buNone/>
+              <a:defRPr sz="2000" b="1"/>
+            </a:lvl2pPr>
+            <a:lvl3pPr marL="914400" indent="0">
+              <a:buNone/>
+              <a:defRPr sz="1800" b="1"/>
+            </a:lvl3pPr>
+            <a:lvl4pPr marL="1371600" indent="0">
+              <a:buNone/>
+              <a:defRPr sz="1600" b="1"/>
+            </a:lvl4pPr>
+            <a:lvl5pPr marL="1828800" indent="0">
+              <a:buNone/>
+              <a:defRPr sz="1600" b="1"/>
+            </a:lvl5pPr>
+            <a:lvl6pPr marL="2286000" indent="0">
+              <a:buNone/>
+              <a:defRPr sz="1600" b="1"/>
+            </a:lvl6pPr>
+            <a:lvl7pPr marL="2743200" indent="0">
+              <a:buNone/>
+              <a:defRPr sz="1600" b="1"/>
+            </a:lvl7pPr>
+            <a:lvl8pPr marL="3200400" indent="0">
+              <a:buNone/>
+              <a:defRPr sz="1600" b="1"/>
+            </a:lvl8pPr>
+            <a:lvl9pPr marL="3657600" indent="0">
+              <a:buNone/>
+              <a:defRPr sz="1600" b="1"/>
+            </a:lvl9pPr>
+          </a:lstStyle>
+          <a:p>
+            <a:pPr lvl="0"/>
+            <a:r>
+              <a:rPr lang="es-ES" smtClean="0"/>
+              <a:t>Haga clic para modificar el estilo de texto del patrón</a:t>
+            </a:r>
+          </a:p>
+        </p:txBody>
+      </p:sp>
+      <p:sp>
+        <p:nvSpPr>
+          <p:cNvPr id="26" name="Picture Placeholder 2"/>
+          <p:cNvSpPr>
+            <a:spLocks noGrp="1" noChangeAspect="1"/>
+          </p:cNvSpPr>
+          <p:nvPr>
+            <p:ph type="pic" idx="22"/>
+          </p:nvPr>
+        </p:nvSpPr>
+        <p:spPr>
+          <a:xfrm>
+            <a:off x="7230677" y="2336873"/>
+            <a:ext cx="3063505" cy="1524000"/>
+          </a:xfrm>
+          <a:prstGeom prst="roundRect">
+            <a:avLst>
+              <a:gd name="adj" fmla="val 0"/>
+            </a:avLst>
+          </a:prstGeom>
+          <a:effectLst>
+            <a:outerShdw blurRad="50800" dist="50800" dir="5400000" algn="tl" rotWithShape="0">
+              <a:srgbClr val="000000">
+                <a:alpha val="43000"/>
+              </a:srgbClr>
+            </a:outerShdw>
+          </a:effectLst>
+        </p:spPr>
+        <p:txBody>
+          <a:bodyPr anchor="t">
+            <a:normAutofit/>
+          </a:bodyPr>
+          <a:lstStyle>
+            <a:lvl1pPr marL="0" indent="0" algn="ctr">
+              <a:buNone/>
+              <a:defRPr sz="1600"/>
+            </a:lvl1pPr>
+            <a:lvl2pPr marL="457200" indent="0">
+              <a:buNone/>
+              <a:defRPr sz="1600"/>
+            </a:lvl2pPr>
+            <a:lvl3pPr marL="914400" indent="0">
+              <a:buNone/>
+              <a:defRPr sz="1600"/>
+            </a:lvl3pPr>
+            <a:lvl4pPr marL="1371600" indent="0">
+              <a:buNone/>
+              <a:defRPr sz="1600"/>
+            </a:lvl4pPr>
+            <a:lvl5pPr marL="1828800" indent="0">
+              <a:buNone/>
+              <a:defRPr sz="1600"/>
+            </a:lvl5pPr>
+            <a:lvl6pPr marL="2286000" indent="0">
+              <a:buNone/>
+              <a:defRPr sz="1600"/>
+            </a:lvl6pPr>
+            <a:lvl7pPr marL="2743200" indent="0">
+              <a:buNone/>
+              <a:defRPr sz="1600"/>
+            </a:lvl7pPr>
+            <a:lvl8pPr marL="3200400" indent="0">
+              <a:buNone/>
+              <a:defRPr sz="1600"/>
+            </a:lvl8pPr>
+            <a:lvl9pPr marL="3657600" indent="0">
+              <a:buNone/>
+              <a:defRPr sz="1600"/>
+            </a:lvl9pPr>
+          </a:lstStyle>
+          <a:p>
+            <a:r>
+              <a:rPr lang="es-ES" smtClean="0"/>
+              <a:t>Haga clic en el icono para agregar una imagen</a:t>
+            </a:r>
+            <a:endParaRPr lang="en-US" dirty="0"/>
+          </a:p>
+        </p:txBody>
+      </p:sp>
+      <p:sp>
+        <p:nvSpPr>
+          <p:cNvPr id="27" name="Text Placeholder 3"/>
+          <p:cNvSpPr>
+            <a:spLocks noGrp="1"/>
+          </p:cNvSpPr>
+          <p:nvPr>
+            <p:ph type="body" sz="half" idx="20"/>
+          </p:nvPr>
+        </p:nvSpPr>
+        <p:spPr>
+          <a:xfrm>
+            <a:off x="7230553" y="4873762"/>
+            <a:ext cx="3067563" cy="1062422"/>
+          </a:xfrm>
+        </p:spPr>
+        <p:txBody>
+          <a:bodyPr anchor="t">
+            <a:normAutofit/>
+          </a:bodyPr>
+          <a:lstStyle>
+            <a:lvl1pPr marL="0" indent="0">
+              <a:buNone/>
+              <a:defRPr sz="1400"/>
+            </a:lvl1pPr>
+            <a:lvl2pPr marL="457200" indent="0">
+              <a:buNone/>
+              <a:defRPr sz="1200"/>
+            </a:lvl2pPr>
+            <a:lvl3pPr marL="914400" indent="0">
+              <a:buNone/>
+              <a:defRPr sz="1000"/>
+            </a:lvl3pPr>
+            <a:lvl4pPr marL="1371600" indent="0">
+              <a:buNone/>
+              <a:defRPr sz="900"/>
+            </a:lvl4pPr>
+            <a:lvl5pPr marL="1828800" indent="0">
+              <a:buNone/>
+              <a:defRPr sz="900"/>
+            </a:lvl5pPr>
+            <a:lvl6pPr marL="2286000" indent="0">
+              <a:buNone/>
+              <a:defRPr sz="900"/>
+            </a:lvl6pPr>
+            <a:lvl7pPr marL="2743200" indent="0">
+              <a:buNone/>
+              <a:defRPr sz="900"/>
+            </a:lvl7pPr>
+            <a:lvl8pPr marL="3200400" indent="0">
+              <a:buNone/>
+              <a:defRPr sz="900"/>
+            </a:lvl8pPr>
+            <a:lvl9pPr marL="3657600" indent="0">
+              <a:buNone/>
+              <a:defRPr sz="900"/>
+            </a:lvl9pPr>
+          </a:lstStyle>
+          <a:p>
+            <a:pPr lvl="0"/>
+            <a:r>
+              <a:rPr lang="es-ES" smtClean="0"/>
+              <a:t>Haga clic para modificar el estilo de texto del patrón</a:t>
+            </a:r>
+          </a:p>
+        </p:txBody>
+      </p:sp>
+      <p:sp>
+        <p:nvSpPr>
+          <p:cNvPr id="3" name="Date Placeholder 2"/>
+          <p:cNvSpPr>
+            <a:spLocks noGrp="1"/>
+          </p:cNvSpPr>
+          <p:nvPr>
+            <p:ph type="dt" sz="half" idx="10"/>
+          </p:nvPr>
+        </p:nvSpPr>
+        <p:spPr/>
+        <p:txBody>
+          <a:bodyPr/>
+          <a:lstStyle/>
+          <a:p>
+            <a:fld id="{74350373-3951-485C-A174-3533C8DF3868}" type="datetimeFigureOut">
+              <a:rPr lang="es-CO" smtClean="0"/>
+              <a:t>28/02/2019</a:t>
+            </a:fld>
+            <a:endParaRPr lang="es-CO"/>
+          </a:p>
+        </p:txBody>
+      </p:sp>
+      <p:sp>
+        <p:nvSpPr>
+          <p:cNvPr id="4" name="Footer Placeholder 3"/>
+          <p:cNvSpPr>
+            <a:spLocks noGrp="1"/>
+          </p:cNvSpPr>
+          <p:nvPr>
+            <p:ph type="ftr" sz="quarter" idx="11"/>
+          </p:nvPr>
+        </p:nvSpPr>
+        <p:spPr/>
+        <p:txBody>
+          <a:bodyPr/>
+          <a:lstStyle/>
+          <a:p>
+            <a:endParaRPr lang="es-CO"/>
+          </a:p>
+        </p:txBody>
+      </p:sp>
+      <p:sp>
+        <p:nvSpPr>
+          <p:cNvPr id="5" name="Slide Number Placeholder 4"/>
+          <p:cNvSpPr>
+            <a:spLocks noGrp="1"/>
+          </p:cNvSpPr>
+          <p:nvPr>
+            <p:ph type="sldNum" sz="quarter" idx="12"/>
+          </p:nvPr>
+        </p:nvSpPr>
+        <p:spPr/>
+        <p:txBody>
+          <a:bodyPr/>
+          <a:lstStyle/>
+          <a:p>
+            <a:fld id="{B7FE3AD5-DAE6-4B4F-8C26-5E3ABDD90089}" type="slidenum">
+              <a:rPr lang="es-CO" smtClean="0"/>
+              <a:t>‹Nº›</a:t>
+            </a:fld>
+            <a:endParaRPr lang="es-CO"/>
+          </a:p>
+        </p:txBody>
+      </p:sp>
+    </p:spTree>
+    <p:extLst>
+      <p:ext uri="{BB962C8B-B14F-4D97-AF65-F5344CB8AC3E}">
+        <p14:creationId xmlns:p14="http://schemas.microsoft.com/office/powerpoint/2010/main" val="1259510579"/>
+      </p:ext>
+    </p:extLst>
+  </p:cSld>
+  <p:clrMapOvr>
+    <a:masterClrMapping/>
+  </p:clrMapOvr>
+</p:sldLayout>
+</file>
+
+<file path=ppt/slideLayouts/slideLayout16.xml><?xml version="1.0" encoding="utf-8"?>
 <p:sldLayout xmlns:a="http://schemas.openxmlformats.org/drawingml/2006/main" xmlns:r="http://schemas.openxmlformats.org/officeDocument/2006/relationships" xmlns:p="http://schemas.openxmlformats.org/presentationml/2006/main" type="vertTx" preserve="1">
   <p:cSld name="Título y texto vertical">
     <p:spTree>
@@ -316,9 +3781,148 @@
           <a:chExt cx="0" cy="0"/>
         </a:xfrm>
       </p:grpSpPr>
-      <p:sp>
-        <p:nvSpPr>
-          <p:cNvPr id="2" name="Título 1"/>
+      <p:pic>
+        <p:nvPicPr>
+          <p:cNvPr id="7" name="Picture 6" descr="HD-ShadowLong.png"/>
+          <p:cNvPicPr>
+            <a:picLocks noChangeAspect="1"/>
+          </p:cNvPicPr>
+          <p:nvPr/>
+        </p:nvPicPr>
+        <p:blipFill>
+          <a:blip r:embed="rId2">
+            <a:extLst>
+              <a:ext uri="{28A0092B-C50C-407E-A947-70E740481C1C}">
+                <a14:useLocalDpi xmlns:a14="http://schemas.microsoft.com/office/drawing/2010/main" val="0"/>
+              </a:ext>
+            </a:extLst>
+          </a:blip>
+          <a:stretch>
+            <a:fillRect/>
+          </a:stretch>
+        </p:blipFill>
+        <p:spPr>
+          <a:xfrm>
+            <a:off x="1" y="1970240"/>
+            <a:ext cx="10437812" cy="321164"/>
+          </a:xfrm>
+          <a:prstGeom prst="rect">
+            <a:avLst/>
+          </a:prstGeom>
+        </p:spPr>
+      </p:pic>
+      <p:pic>
+        <p:nvPicPr>
+          <p:cNvPr id="8" name="Picture 7" descr="HD-ShadowShort.png"/>
+          <p:cNvPicPr>
+            <a:picLocks noChangeAspect="1"/>
+          </p:cNvPicPr>
+          <p:nvPr/>
+        </p:nvPicPr>
+        <p:blipFill>
+          <a:blip r:embed="rId3" cstate="print">
+            <a:extLst>
+              <a:ext uri="{28A0092B-C50C-407E-A947-70E740481C1C}">
+                <a14:useLocalDpi xmlns:a14="http://schemas.microsoft.com/office/drawing/2010/main" val="0"/>
+              </a:ext>
+            </a:extLst>
+          </a:blip>
+          <a:stretch>
+            <a:fillRect/>
+          </a:stretch>
+        </p:blipFill>
+        <p:spPr>
+          <a:xfrm>
+            <a:off x="10585826" y="1971234"/>
+            <a:ext cx="1602997" cy="144270"/>
+          </a:xfrm>
+          <a:prstGeom prst="rect">
+            <a:avLst/>
+          </a:prstGeom>
+        </p:spPr>
+      </p:pic>
+      <p:sp>
+        <p:nvSpPr>
+          <p:cNvPr id="9" name="Rectangle 8"/>
+          <p:cNvSpPr/>
+          <p:nvPr/>
+        </p:nvSpPr>
+        <p:spPr>
+          <a:xfrm>
+            <a:off x="0" y="609600"/>
+            <a:ext cx="10437812" cy="1368198"/>
+          </a:xfrm>
+          <a:prstGeom prst="rect">
+            <a:avLst/>
+          </a:prstGeom>
+          <a:solidFill>
+            <a:schemeClr val="bg1">
+              <a:lumMod val="85000"/>
+              <a:lumOff val="15000"/>
+            </a:schemeClr>
+          </a:solidFill>
+          <a:ln>
+            <a:noFill/>
+          </a:ln>
+        </p:spPr>
+        <p:style>
+          <a:lnRef idx="2">
+            <a:schemeClr val="accent1">
+              <a:shade val="50000"/>
+            </a:schemeClr>
+          </a:lnRef>
+          <a:fillRef idx="1">
+            <a:schemeClr val="accent1"/>
+          </a:fillRef>
+          <a:effectRef idx="0">
+            <a:schemeClr val="accent1"/>
+          </a:effectRef>
+          <a:fontRef idx="minor">
+            <a:schemeClr val="lt1"/>
+          </a:fontRef>
+        </p:style>
+      </p:sp>
+      <p:sp>
+        <p:nvSpPr>
+          <p:cNvPr id="10" name="Rectangle 9"/>
+          <p:cNvSpPr/>
+          <p:nvPr/>
+        </p:nvSpPr>
+        <p:spPr>
+          <a:xfrm>
+            <a:off x="10585827" y="609600"/>
+            <a:ext cx="1602997" cy="1368198"/>
+          </a:xfrm>
+          <a:prstGeom prst="rect">
+            <a:avLst/>
+          </a:prstGeom>
+          <a:solidFill>
+            <a:schemeClr val="accent1"/>
+          </a:solidFill>
+          <a:ln>
+            <a:noFill/>
+          </a:ln>
+        </p:spPr>
+        <p:style>
+          <a:lnRef idx="2">
+            <a:schemeClr val="accent1">
+              <a:shade val="50000"/>
+            </a:schemeClr>
+          </a:lnRef>
+          <a:fillRef idx="1">
+            <a:schemeClr val="accent1"/>
+          </a:fillRef>
+          <a:effectRef idx="0">
+            <a:schemeClr val="accent1"/>
+          </a:effectRef>
+          <a:fontRef idx="minor">
+            <a:schemeClr val="lt1"/>
+          </a:fontRef>
+        </p:style>
+      </p:sp>
+      <p:sp>
+        <p:nvSpPr>
+          <p:cNvPr id="2" name="Title 1"/>
           <p:cNvSpPr>
             <a:spLocks noGrp="1"/>
           </p:cNvSpPr>
@@ -329,19 +3933,23 @@
         <p:spPr/>
         <p:txBody>
           <a:bodyPr/>
-          <a:lstStyle/>
+          <a:lstStyle>
+            <a:lvl1pPr algn="r">
+              <a:defRPr/>
+            </a:lvl1pPr>
+          </a:lstStyle>
           <a:p>
             <a:r>
               <a:rPr lang="es-ES" smtClean="0"/>
               <a:t>Haga clic para modificar el estilo de título del patrón</a:t>
             </a:r>
-            <a:endParaRPr lang="es-CO"/>
-          </a:p>
-        </p:txBody>
-      </p:sp>
-      <p:sp>
-        <p:nvSpPr>
-          <p:cNvPr id="3" name="Marcador de texto vertical 2"/>
+            <a:endParaRPr lang="en-US" dirty="0"/>
+          </a:p>
+        </p:txBody>
+      </p:sp>
+      <p:sp>
+        <p:nvSpPr>
+          <p:cNvPr id="3" name="Vertical Text Placeholder 2"/>
           <p:cNvSpPr>
             <a:spLocks noGrp="1"/>
           </p:cNvSpPr>
@@ -387,13 +3995,13 @@
               <a:rPr lang="es-ES" smtClean="0"/>
               <a:t>Quinto nivel</a:t>
             </a:r>
-            <a:endParaRPr lang="es-CO"/>
-          </a:p>
-        </p:txBody>
-      </p:sp>
-      <p:sp>
-        <p:nvSpPr>
-          <p:cNvPr id="4" name="Marcador de fecha 3"/>
+            <a:endParaRPr lang="en-US" dirty="0"/>
+          </a:p>
+        </p:txBody>
+      </p:sp>
+      <p:sp>
+        <p:nvSpPr>
+          <p:cNvPr id="4" name="Date Placeholder 3"/>
           <p:cNvSpPr>
             <a:spLocks noGrp="1"/>
           </p:cNvSpPr>
@@ -416,7 +4024,7 @@
       </p:sp>
       <p:sp>
         <p:nvSpPr>
-          <p:cNvPr id="5" name="Marcador de pie de página 4"/>
+          <p:cNvPr id="5" name="Footer Placeholder 4"/>
           <p:cNvSpPr>
             <a:spLocks noGrp="1"/>
           </p:cNvSpPr>
@@ -435,7 +4043,7 @@
       </p:sp>
       <p:sp>
         <p:nvSpPr>
-          <p:cNvPr id="6" name="Marcador de número de diapositiva 5"/>
+          <p:cNvPr id="6" name="Slide Number Placeholder 5"/>
           <p:cNvSpPr>
             <a:spLocks noGrp="1"/>
           </p:cNvSpPr>
@@ -459,7 +4067,7 @@
     </p:spTree>
     <p:extLst>
       <p:ext uri="{BB962C8B-B14F-4D97-AF65-F5344CB8AC3E}">
-        <p14:creationId xmlns:p14="http://schemas.microsoft.com/office/powerpoint/2010/main" val="547553361"/>
+        <p14:creationId xmlns:p14="http://schemas.microsoft.com/office/powerpoint/2010/main" val="3585873859"/>
       </p:ext>
     </p:extLst>
   </p:cSld>
@@ -469,7 +4077,7 @@
 </p:sldLayout>
 </file>
 
-<file path=ppt/slideLayouts/slideLayout11.xml><?xml version="1.0" encoding="utf-8"?>
+<file path=ppt/slideLayouts/slideLayout17.xml><?xml version="1.0" encoding="utf-8"?>
 <p:sldLayout xmlns:a="http://schemas.openxmlformats.org/drawingml/2006/main" xmlns:r="http://schemas.openxmlformats.org/officeDocument/2006/relationships" xmlns:p="http://schemas.openxmlformats.org/presentationml/2006/main" type="vertTitleAndTx" preserve="1">
   <p:cSld name="Título vertical y texto">
     <p:spTree>
@@ -488,7 +4096,86 @@
       </p:grpSpPr>
       <p:sp>
         <p:nvSpPr>
-          <p:cNvPr id="2" name="Título vertical 1"/>
+          <p:cNvPr id="7" name="Rectangle 6"/>
+          <p:cNvSpPr/>
+          <p:nvPr/>
+        </p:nvSpPr>
+        <p:spPr>
+          <a:xfrm rot="5400000">
+            <a:off x="8116207" y="1869395"/>
+            <a:ext cx="5106988" cy="1368198"/>
+          </a:xfrm>
+          <a:prstGeom prst="rect">
+            <a:avLst/>
+          </a:prstGeom>
+          <a:solidFill>
+            <a:schemeClr val="bg1">
+              <a:lumMod val="85000"/>
+              <a:lumOff val="15000"/>
+            </a:schemeClr>
+          </a:solidFill>
+          <a:ln>
+            <a:noFill/>
+          </a:ln>
+        </p:spPr>
+        <p:style>
+          <a:lnRef idx="2">
+            <a:schemeClr val="accent1">
+              <a:shade val="50000"/>
+            </a:schemeClr>
+          </a:lnRef>
+          <a:fillRef idx="1">
+            <a:schemeClr val="accent1"/>
+          </a:fillRef>
+          <a:effectRef idx="0">
+            <a:schemeClr val="accent1"/>
+          </a:effectRef>
+          <a:fontRef idx="minor">
+            <a:schemeClr val="lt1"/>
+          </a:fontRef>
+        </p:style>
+      </p:sp>
+      <p:sp>
+        <p:nvSpPr>
+          <p:cNvPr id="8" name="Rectangle 7"/>
+          <p:cNvSpPr/>
+          <p:nvPr/>
+        </p:nvSpPr>
+        <p:spPr>
+          <a:xfrm rot="5400000">
+            <a:off x="9868202" y="5372403"/>
+            <a:ext cx="1602997" cy="1368198"/>
+          </a:xfrm>
+          <a:prstGeom prst="rect">
+            <a:avLst/>
+          </a:prstGeom>
+          <a:solidFill>
+            <a:schemeClr val="accent1"/>
+          </a:solidFill>
+          <a:ln>
+            <a:noFill/>
+          </a:ln>
+        </p:spPr>
+        <p:style>
+          <a:lnRef idx="2">
+            <a:schemeClr val="accent1">
+              <a:shade val="50000"/>
+            </a:schemeClr>
+          </a:lnRef>
+          <a:fillRef idx="1">
+            <a:schemeClr val="accent1"/>
+          </a:fillRef>
+          <a:effectRef idx="0">
+            <a:schemeClr val="accent1"/>
+          </a:effectRef>
+          <a:fontRef idx="minor">
+            <a:schemeClr val="lt1"/>
+          </a:fontRef>
+        </p:style>
+      </p:sp>
+      <p:sp>
+        <p:nvSpPr>
+          <p:cNvPr id="2" name="Vertical Title 1"/>
           <p:cNvSpPr>
             <a:spLocks noGrp="1"/>
           </p:cNvSpPr>
@@ -498,8 +4185,8 @@
         </p:nvSpPr>
         <p:spPr>
           <a:xfrm>
-            <a:off x="8724900" y="365125"/>
-            <a:ext cx="2628900" cy="5811838"/>
+            <a:off x="10129231" y="609597"/>
+            <a:ext cx="1073802" cy="4353760"/>
           </a:xfrm>
         </p:spPr>
         <p:txBody>
@@ -510,13 +4197,13 @@
               <a:rPr lang="es-ES" smtClean="0"/>
               <a:t>Haga clic para modificar el estilo de título del patrón</a:t>
             </a:r>
-            <a:endParaRPr lang="es-CO"/>
-          </a:p>
-        </p:txBody>
-      </p:sp>
-      <p:sp>
-        <p:nvSpPr>
-          <p:cNvPr id="3" name="Marcador de texto vertical 2"/>
+            <a:endParaRPr lang="en-US" dirty="0"/>
+          </a:p>
+        </p:txBody>
+      </p:sp>
+      <p:sp>
+        <p:nvSpPr>
+          <p:cNvPr id="3" name="Vertical Text Placeholder 2"/>
           <p:cNvSpPr>
             <a:spLocks noGrp="1"/>
           </p:cNvSpPr>
@@ -526,8 +4213,8 @@
         </p:nvSpPr>
         <p:spPr>
           <a:xfrm>
-            <a:off x="838200" y="365125"/>
-            <a:ext cx="7734300" cy="5811838"/>
+            <a:off x="680322" y="609597"/>
+            <a:ext cx="8870004" cy="5326589"/>
           </a:xfrm>
         </p:spPr>
         <p:txBody>
@@ -567,13 +4254,13 @@
               <a:rPr lang="es-ES" smtClean="0"/>
               <a:t>Quinto nivel</a:t>
             </a:r>
-            <a:endParaRPr lang="es-CO"/>
-          </a:p>
-        </p:txBody>
-      </p:sp>
-      <p:sp>
-        <p:nvSpPr>
-          <p:cNvPr id="4" name="Marcador de fecha 3"/>
+            <a:endParaRPr lang="en-US" dirty="0"/>
+          </a:p>
+        </p:txBody>
+      </p:sp>
+      <p:sp>
+        <p:nvSpPr>
+          <p:cNvPr id="4" name="Date Placeholder 3"/>
           <p:cNvSpPr>
             <a:spLocks noGrp="1"/>
           </p:cNvSpPr>
@@ -581,7 +4268,12 @@
             <p:ph type="dt" sz="half" idx="10"/>
           </p:nvPr>
         </p:nvSpPr>
-        <p:spPr/>
+        <p:spPr>
+          <a:xfrm>
+            <a:off x="6807126" y="5936187"/>
+            <a:ext cx="2743200" cy="365125"/>
+          </a:xfrm>
+        </p:spPr>
         <p:txBody>
           <a:bodyPr/>
           <a:lstStyle/>
@@ -596,7 +4288,7 @@
       </p:sp>
       <p:sp>
         <p:nvSpPr>
-          <p:cNvPr id="5" name="Marcador de pie de página 4"/>
+          <p:cNvPr id="5" name="Footer Placeholder 4"/>
           <p:cNvSpPr>
             <a:spLocks noGrp="1"/>
           </p:cNvSpPr>
@@ -604,7 +4296,12 @@
             <p:ph type="ftr" sz="quarter" idx="11"/>
           </p:nvPr>
         </p:nvSpPr>
-        <p:spPr/>
+        <p:spPr>
+          <a:xfrm>
+            <a:off x="680321" y="5936188"/>
+            <a:ext cx="6126805" cy="365125"/>
+          </a:xfrm>
+        </p:spPr>
         <p:txBody>
           <a:bodyPr/>
           <a:lstStyle/>
@@ -615,7 +4312,7 @@
       </p:sp>
       <p:sp>
         <p:nvSpPr>
-          <p:cNvPr id="6" name="Marcador de número de diapositiva 5"/>
+          <p:cNvPr id="6" name="Slide Number Placeholder 5"/>
           <p:cNvSpPr>
             <a:spLocks noGrp="1"/>
           </p:cNvSpPr>
@@ -623,10 +4320,19 @@
             <p:ph type="sldNum" sz="quarter" idx="12"/>
           </p:nvPr>
         </p:nvSpPr>
-        <p:spPr/>
-        <p:txBody>
-          <a:bodyPr/>
-          <a:lstStyle/>
+        <p:spPr>
+          <a:xfrm>
+            <a:off x="10097550" y="5398633"/>
+            <a:ext cx="1154151" cy="1090789"/>
+          </a:xfrm>
+        </p:spPr>
+        <p:txBody>
+          <a:bodyPr anchor="t"/>
+          <a:lstStyle>
+            <a:lvl1pPr algn="ctr">
+              <a:defRPr/>
+            </a:lvl1pPr>
+          </a:lstStyle>
           <a:p>
             <a:fld id="{B7FE3AD5-DAE6-4B4F-8C26-5E3ABDD90089}" type="slidenum">
               <a:rPr lang="es-CO" smtClean="0"/>
@@ -639,7 +4345,7 @@
     </p:spTree>
     <p:extLst>
       <p:ext uri="{BB962C8B-B14F-4D97-AF65-F5344CB8AC3E}">
-        <p14:creationId xmlns:p14="http://schemas.microsoft.com/office/powerpoint/2010/main" val="2149273068"/>
+        <p14:creationId xmlns:p14="http://schemas.microsoft.com/office/powerpoint/2010/main" val="101239674"/>
       </p:ext>
     </p:extLst>
   </p:cSld>
@@ -666,9 +4372,148 @@
           <a:chExt cx="0" cy="0"/>
         </a:xfrm>
       </p:grpSpPr>
-      <p:sp>
-        <p:nvSpPr>
-          <p:cNvPr id="2" name="Título 1"/>
+      <p:pic>
+        <p:nvPicPr>
+          <p:cNvPr id="15" name="Picture 14" descr="HD-ShadowLong.png"/>
+          <p:cNvPicPr>
+            <a:picLocks noChangeAspect="1"/>
+          </p:cNvPicPr>
+          <p:nvPr/>
+        </p:nvPicPr>
+        <p:blipFill>
+          <a:blip r:embed="rId2">
+            <a:extLst>
+              <a:ext uri="{28A0092B-C50C-407E-A947-70E740481C1C}">
+                <a14:useLocalDpi xmlns:a14="http://schemas.microsoft.com/office/drawing/2010/main" val="0"/>
+              </a:ext>
+            </a:extLst>
+          </a:blip>
+          <a:stretch>
+            <a:fillRect/>
+          </a:stretch>
+        </p:blipFill>
+        <p:spPr>
+          <a:xfrm>
+            <a:off x="1" y="1970240"/>
+            <a:ext cx="10437812" cy="321164"/>
+          </a:xfrm>
+          <a:prstGeom prst="rect">
+            <a:avLst/>
+          </a:prstGeom>
+        </p:spPr>
+      </p:pic>
+      <p:pic>
+        <p:nvPicPr>
+          <p:cNvPr id="16" name="Picture 15" descr="HD-ShadowShort.png"/>
+          <p:cNvPicPr>
+            <a:picLocks noChangeAspect="1"/>
+          </p:cNvPicPr>
+          <p:nvPr/>
+        </p:nvPicPr>
+        <p:blipFill>
+          <a:blip r:embed="rId3" cstate="print">
+            <a:extLst>
+              <a:ext uri="{28A0092B-C50C-407E-A947-70E740481C1C}">
+                <a14:useLocalDpi xmlns:a14="http://schemas.microsoft.com/office/drawing/2010/main" val="0"/>
+              </a:ext>
+            </a:extLst>
+          </a:blip>
+          <a:stretch>
+            <a:fillRect/>
+          </a:stretch>
+        </p:blipFill>
+        <p:spPr>
+          <a:xfrm>
+            <a:off x="10585826" y="1971234"/>
+            <a:ext cx="1602997" cy="144270"/>
+          </a:xfrm>
+          <a:prstGeom prst="rect">
+            <a:avLst/>
+          </a:prstGeom>
+        </p:spPr>
+      </p:pic>
+      <p:sp>
+        <p:nvSpPr>
+          <p:cNvPr id="17" name="Rectangle 16"/>
+          <p:cNvSpPr/>
+          <p:nvPr/>
+        </p:nvSpPr>
+        <p:spPr>
+          <a:xfrm>
+            <a:off x="0" y="609600"/>
+            <a:ext cx="10437812" cy="1368198"/>
+          </a:xfrm>
+          <a:prstGeom prst="rect">
+            <a:avLst/>
+          </a:prstGeom>
+          <a:solidFill>
+            <a:schemeClr val="bg1">
+              <a:lumMod val="85000"/>
+              <a:lumOff val="15000"/>
+            </a:schemeClr>
+          </a:solidFill>
+          <a:ln>
+            <a:noFill/>
+          </a:ln>
+        </p:spPr>
+        <p:style>
+          <a:lnRef idx="2">
+            <a:schemeClr val="accent1">
+              <a:shade val="50000"/>
+            </a:schemeClr>
+          </a:lnRef>
+          <a:fillRef idx="1">
+            <a:schemeClr val="accent1"/>
+          </a:fillRef>
+          <a:effectRef idx="0">
+            <a:schemeClr val="accent1"/>
+          </a:effectRef>
+          <a:fontRef idx="minor">
+            <a:schemeClr val="lt1"/>
+          </a:fontRef>
+        </p:style>
+      </p:sp>
+      <p:sp>
+        <p:nvSpPr>
+          <p:cNvPr id="18" name="Rectangle 17"/>
+          <p:cNvSpPr/>
+          <p:nvPr/>
+        </p:nvSpPr>
+        <p:spPr>
+          <a:xfrm>
+            <a:off x="10585827" y="609600"/>
+            <a:ext cx="1602997" cy="1368198"/>
+          </a:xfrm>
+          <a:prstGeom prst="rect">
+            <a:avLst/>
+          </a:prstGeom>
+          <a:solidFill>
+            <a:schemeClr val="accent1"/>
+          </a:solidFill>
+          <a:ln>
+            <a:noFill/>
+          </a:ln>
+        </p:spPr>
+        <p:style>
+          <a:lnRef idx="2">
+            <a:schemeClr val="accent1">
+              <a:shade val="50000"/>
+            </a:schemeClr>
+          </a:lnRef>
+          <a:fillRef idx="1">
+            <a:schemeClr val="accent1"/>
+          </a:fillRef>
+          <a:effectRef idx="0">
+            <a:schemeClr val="accent1"/>
+          </a:effectRef>
+          <a:fontRef idx="minor">
+            <a:schemeClr val="lt1"/>
+          </a:fontRef>
+        </p:style>
+      </p:sp>
+      <p:sp>
+        <p:nvSpPr>
+          <p:cNvPr id="2" name="Title 1"/>
           <p:cNvSpPr>
             <a:spLocks noGrp="1"/>
           </p:cNvSpPr>
@@ -685,13 +4530,13 @@
               <a:rPr lang="es-ES" smtClean="0"/>
               <a:t>Haga clic para modificar el estilo de título del patrón</a:t>
             </a:r>
-            <a:endParaRPr lang="es-CO"/>
-          </a:p>
-        </p:txBody>
-      </p:sp>
-      <p:sp>
-        <p:nvSpPr>
-          <p:cNvPr id="3" name="Marcador de contenido 2"/>
+            <a:endParaRPr lang="en-US" dirty="0"/>
+          </a:p>
+        </p:txBody>
+      </p:sp>
+      <p:sp>
+        <p:nvSpPr>
+          <p:cNvPr id="3" name="Content Placeholder 2"/>
           <p:cNvSpPr>
             <a:spLocks noGrp="1"/>
           </p:cNvSpPr>
@@ -737,13 +4582,13 @@
               <a:rPr lang="es-ES" smtClean="0"/>
               <a:t>Quinto nivel</a:t>
             </a:r>
-            <a:endParaRPr lang="es-CO"/>
-          </a:p>
-        </p:txBody>
-      </p:sp>
-      <p:sp>
-        <p:nvSpPr>
-          <p:cNvPr id="4" name="Marcador de fecha 3"/>
+            <a:endParaRPr lang="en-US" dirty="0"/>
+          </a:p>
+        </p:txBody>
+      </p:sp>
+      <p:sp>
+        <p:nvSpPr>
+          <p:cNvPr id="4" name="Date Placeholder 3"/>
           <p:cNvSpPr>
             <a:spLocks noGrp="1"/>
           </p:cNvSpPr>
@@ -766,7 +4611,7 @@
       </p:sp>
       <p:sp>
         <p:nvSpPr>
-          <p:cNvPr id="5" name="Marcador de pie de página 4"/>
+          <p:cNvPr id="5" name="Footer Placeholder 4"/>
           <p:cNvSpPr>
             <a:spLocks noGrp="1"/>
           </p:cNvSpPr>
@@ -785,7 +4630,7 @@
       </p:sp>
       <p:sp>
         <p:nvSpPr>
-          <p:cNvPr id="6" name="Marcador de número de diapositiva 5"/>
+          <p:cNvPr id="6" name="Slide Number Placeholder 5"/>
           <p:cNvSpPr>
             <a:spLocks noGrp="1"/>
           </p:cNvSpPr>
@@ -809,7 +4654,7 @@
     </p:spTree>
     <p:extLst>
       <p:ext uri="{BB962C8B-B14F-4D97-AF65-F5344CB8AC3E}">
-        <p14:creationId xmlns:p14="http://schemas.microsoft.com/office/powerpoint/2010/main" val="1400220319"/>
+        <p14:creationId xmlns:p14="http://schemas.microsoft.com/office/powerpoint/2010/main" val="3717814009"/>
       </p:ext>
     </p:extLst>
   </p:cSld>
@@ -836,9 +4681,148 @@
           <a:chExt cx="0" cy="0"/>
         </a:xfrm>
       </p:grpSpPr>
-      <p:sp>
-        <p:nvSpPr>
-          <p:cNvPr id="2" name="Título 1"/>
+      <p:pic>
+        <p:nvPicPr>
+          <p:cNvPr id="7" name="Picture 6" descr="HD-ShadowLong.png"/>
+          <p:cNvPicPr>
+            <a:picLocks noChangeAspect="1"/>
+          </p:cNvPicPr>
+          <p:nvPr/>
+        </p:nvPicPr>
+        <p:blipFill>
+          <a:blip r:embed="rId2">
+            <a:extLst>
+              <a:ext uri="{28A0092B-C50C-407E-A947-70E740481C1C}">
+                <a14:useLocalDpi xmlns:a14="http://schemas.microsoft.com/office/drawing/2010/main" val="0"/>
+              </a:ext>
+            </a:extLst>
+          </a:blip>
+          <a:stretch>
+            <a:fillRect/>
+          </a:stretch>
+        </p:blipFill>
+        <p:spPr>
+          <a:xfrm>
+            <a:off x="-1" y="4086907"/>
+            <a:ext cx="10437812" cy="321164"/>
+          </a:xfrm>
+          <a:prstGeom prst="rect">
+            <a:avLst/>
+          </a:prstGeom>
+        </p:spPr>
+      </p:pic>
+      <p:pic>
+        <p:nvPicPr>
+          <p:cNvPr id="8" name="Picture 7" descr="HD-ShadowShort.png"/>
+          <p:cNvPicPr>
+            <a:picLocks noChangeAspect="1"/>
+          </p:cNvPicPr>
+          <p:nvPr/>
+        </p:nvPicPr>
+        <p:blipFill>
+          <a:blip r:embed="rId3" cstate="print">
+            <a:extLst>
+              <a:ext uri="{28A0092B-C50C-407E-A947-70E740481C1C}">
+                <a14:useLocalDpi xmlns:a14="http://schemas.microsoft.com/office/drawing/2010/main" val="0"/>
+              </a:ext>
+            </a:extLst>
+          </a:blip>
+          <a:stretch>
+            <a:fillRect/>
+          </a:stretch>
+        </p:blipFill>
+        <p:spPr>
+          <a:xfrm>
+            <a:off x="10585824" y="4087901"/>
+            <a:ext cx="1602997" cy="144270"/>
+          </a:xfrm>
+          <a:prstGeom prst="rect">
+            <a:avLst/>
+          </a:prstGeom>
+        </p:spPr>
+      </p:pic>
+      <p:sp>
+        <p:nvSpPr>
+          <p:cNvPr id="9" name="Rectangle 8"/>
+          <p:cNvSpPr/>
+          <p:nvPr/>
+        </p:nvSpPr>
+        <p:spPr>
+          <a:xfrm>
+            <a:off x="-2" y="2726267"/>
+            <a:ext cx="10437812" cy="1368198"/>
+          </a:xfrm>
+          <a:prstGeom prst="rect">
+            <a:avLst/>
+          </a:prstGeom>
+          <a:solidFill>
+            <a:schemeClr val="bg1">
+              <a:lumMod val="85000"/>
+              <a:lumOff val="15000"/>
+            </a:schemeClr>
+          </a:solidFill>
+          <a:ln>
+            <a:noFill/>
+          </a:ln>
+        </p:spPr>
+        <p:style>
+          <a:lnRef idx="2">
+            <a:schemeClr val="accent1">
+              <a:shade val="50000"/>
+            </a:schemeClr>
+          </a:lnRef>
+          <a:fillRef idx="1">
+            <a:schemeClr val="accent1"/>
+          </a:fillRef>
+          <a:effectRef idx="0">
+            <a:schemeClr val="accent1"/>
+          </a:effectRef>
+          <a:fontRef idx="minor">
+            <a:schemeClr val="lt1"/>
+          </a:fontRef>
+        </p:style>
+      </p:sp>
+      <p:sp>
+        <p:nvSpPr>
+          <p:cNvPr id="10" name="Rectangle 9"/>
+          <p:cNvSpPr/>
+          <p:nvPr/>
+        </p:nvSpPr>
+        <p:spPr>
+          <a:xfrm>
+            <a:off x="10585825" y="2726267"/>
+            <a:ext cx="1602997" cy="1368198"/>
+          </a:xfrm>
+          <a:prstGeom prst="rect">
+            <a:avLst/>
+          </a:prstGeom>
+          <a:solidFill>
+            <a:schemeClr val="accent1"/>
+          </a:solidFill>
+          <a:ln>
+            <a:noFill/>
+          </a:ln>
+        </p:spPr>
+        <p:style>
+          <a:lnRef idx="2">
+            <a:schemeClr val="accent1">
+              <a:shade val="50000"/>
+            </a:schemeClr>
+          </a:lnRef>
+          <a:fillRef idx="1">
+            <a:schemeClr val="accent1"/>
+          </a:fillRef>
+          <a:effectRef idx="0">
+            <a:schemeClr val="accent1"/>
+          </a:effectRef>
+          <a:fontRef idx="minor">
+            <a:schemeClr val="lt1"/>
+          </a:fontRef>
+        </p:style>
+      </p:sp>
+      <p:sp>
+        <p:nvSpPr>
+          <p:cNvPr id="2" name="Title 1"/>
           <p:cNvSpPr>
             <a:spLocks noGrp="1"/>
           </p:cNvSpPr>
@@ -848,15 +4832,17 @@
         </p:nvSpPr>
         <p:spPr>
           <a:xfrm>
-            <a:off x="831850" y="1709738"/>
-            <a:ext cx="10515600" cy="2852737"/>
-          </a:xfrm>
-        </p:spPr>
-        <p:txBody>
-          <a:bodyPr anchor="b"/>
+            <a:off x="680322" y="2869895"/>
+            <a:ext cx="9613860" cy="1090788"/>
+          </a:xfrm>
+        </p:spPr>
+        <p:txBody>
+          <a:bodyPr anchor="ctr">
+            <a:normAutofit/>
+          </a:bodyPr>
           <a:lstStyle>
-            <a:lvl1pPr>
-              <a:defRPr sz="6000"/>
+            <a:lvl1pPr algn="r">
+              <a:defRPr sz="3600"/>
             </a:lvl1pPr>
           </a:lstStyle>
           <a:p>
@@ -864,13 +4850,13 @@
               <a:rPr lang="es-ES" smtClean="0"/>
               <a:t>Haga clic para modificar el estilo de título del patrón</a:t>
             </a:r>
-            <a:endParaRPr lang="es-CO"/>
-          </a:p>
-        </p:txBody>
-      </p:sp>
-      <p:sp>
-        <p:nvSpPr>
-          <p:cNvPr id="3" name="Marcador de texto 2"/>
+            <a:endParaRPr lang="en-US" dirty="0"/>
+          </a:p>
+        </p:txBody>
+      </p:sp>
+      <p:sp>
+        <p:nvSpPr>
+          <p:cNvPr id="3" name="Text Placeholder 2"/>
           <p:cNvSpPr>
             <a:spLocks noGrp="1"/>
           </p:cNvSpPr>
@@ -880,16 +4866,18 @@
         </p:nvSpPr>
         <p:spPr>
           <a:xfrm>
-            <a:off x="831850" y="4589463"/>
-            <a:ext cx="10515600" cy="1500187"/>
-          </a:xfrm>
-        </p:spPr>
-        <p:txBody>
-          <a:bodyPr/>
+            <a:off x="680322" y="4232171"/>
+            <a:ext cx="9613860" cy="1704017"/>
+          </a:xfrm>
+        </p:spPr>
+        <p:txBody>
+          <a:bodyPr>
+            <a:normAutofit/>
+          </a:bodyPr>
           <a:lstStyle>
-            <a:lvl1pPr marL="0" indent="0">
-              <a:buNone/>
-              <a:defRPr sz="2400">
+            <a:lvl1pPr marL="0" indent="0" algn="r">
+              <a:buNone/>
+              <a:defRPr sz="2000">
                 <a:solidFill>
                   <a:schemeClr val="tx1">
                     <a:tint val="75000"/>
@@ -989,7 +4977,7 @@
       </p:sp>
       <p:sp>
         <p:nvSpPr>
-          <p:cNvPr id="4" name="Marcador de fecha 3"/>
+          <p:cNvPr id="4" name="Date Placeholder 3"/>
           <p:cNvSpPr>
             <a:spLocks noGrp="1"/>
           </p:cNvSpPr>
@@ -1012,7 +5000,7 @@
       </p:sp>
       <p:sp>
         <p:nvSpPr>
-          <p:cNvPr id="5" name="Marcador de pie de página 4"/>
+          <p:cNvPr id="5" name="Footer Placeholder 4"/>
           <p:cNvSpPr>
             <a:spLocks noGrp="1"/>
           </p:cNvSpPr>
@@ -1031,7 +5019,7 @@
       </p:sp>
       <p:sp>
         <p:nvSpPr>
-          <p:cNvPr id="6" name="Marcador de número de diapositiva 5"/>
+          <p:cNvPr id="6" name="Slide Number Placeholder 5"/>
           <p:cNvSpPr>
             <a:spLocks noGrp="1"/>
           </p:cNvSpPr>
@@ -1039,7 +5027,12 @@
             <p:ph type="sldNum" sz="quarter" idx="12"/>
           </p:nvPr>
         </p:nvSpPr>
-        <p:spPr/>
+        <p:spPr>
+          <a:xfrm>
+            <a:off x="10729455" y="2869895"/>
+            <a:ext cx="1154151" cy="1090789"/>
+          </a:xfrm>
+        </p:spPr>
         <p:txBody>
           <a:bodyPr/>
           <a:lstStyle/>
@@ -1055,7 +5048,7 @@
     </p:spTree>
     <p:extLst>
       <p:ext uri="{BB962C8B-B14F-4D97-AF65-F5344CB8AC3E}">
-        <p14:creationId xmlns:p14="http://schemas.microsoft.com/office/powerpoint/2010/main" val="124516393"/>
+        <p14:creationId xmlns:p14="http://schemas.microsoft.com/office/powerpoint/2010/main" val="338388593"/>
       </p:ext>
     </p:extLst>
   </p:cSld>
@@ -1082,9 +5075,148 @@
           <a:chExt cx="0" cy="0"/>
         </a:xfrm>
       </p:grpSpPr>
-      <p:sp>
-        <p:nvSpPr>
-          <p:cNvPr id="2" name="Título 1"/>
+      <p:pic>
+        <p:nvPicPr>
+          <p:cNvPr id="8" name="Picture 7" descr="HD-ShadowLong.png"/>
+          <p:cNvPicPr>
+            <a:picLocks noChangeAspect="1"/>
+          </p:cNvPicPr>
+          <p:nvPr/>
+        </p:nvPicPr>
+        <p:blipFill>
+          <a:blip r:embed="rId2">
+            <a:extLst>
+              <a:ext uri="{28A0092B-C50C-407E-A947-70E740481C1C}">
+                <a14:useLocalDpi xmlns:a14="http://schemas.microsoft.com/office/drawing/2010/main" val="0"/>
+              </a:ext>
+            </a:extLst>
+          </a:blip>
+          <a:stretch>
+            <a:fillRect/>
+          </a:stretch>
+        </p:blipFill>
+        <p:spPr>
+          <a:xfrm>
+            <a:off x="1" y="1970240"/>
+            <a:ext cx="10437812" cy="321164"/>
+          </a:xfrm>
+          <a:prstGeom prst="rect">
+            <a:avLst/>
+          </a:prstGeom>
+        </p:spPr>
+      </p:pic>
+      <p:pic>
+        <p:nvPicPr>
+          <p:cNvPr id="9" name="Picture 8" descr="HD-ShadowShort.png"/>
+          <p:cNvPicPr>
+            <a:picLocks noChangeAspect="1"/>
+          </p:cNvPicPr>
+          <p:nvPr/>
+        </p:nvPicPr>
+        <p:blipFill>
+          <a:blip r:embed="rId3" cstate="print">
+            <a:extLst>
+              <a:ext uri="{28A0092B-C50C-407E-A947-70E740481C1C}">
+                <a14:useLocalDpi xmlns:a14="http://schemas.microsoft.com/office/drawing/2010/main" val="0"/>
+              </a:ext>
+            </a:extLst>
+          </a:blip>
+          <a:stretch>
+            <a:fillRect/>
+          </a:stretch>
+        </p:blipFill>
+        <p:spPr>
+          <a:xfrm>
+            <a:off x="10585826" y="1971234"/>
+            <a:ext cx="1602997" cy="144270"/>
+          </a:xfrm>
+          <a:prstGeom prst="rect">
+            <a:avLst/>
+          </a:prstGeom>
+        </p:spPr>
+      </p:pic>
+      <p:sp>
+        <p:nvSpPr>
+          <p:cNvPr id="10" name="Rectangle 9"/>
+          <p:cNvSpPr/>
+          <p:nvPr/>
+        </p:nvSpPr>
+        <p:spPr>
+          <a:xfrm>
+            <a:off x="0" y="609600"/>
+            <a:ext cx="10437812" cy="1368198"/>
+          </a:xfrm>
+          <a:prstGeom prst="rect">
+            <a:avLst/>
+          </a:prstGeom>
+          <a:solidFill>
+            <a:schemeClr val="bg1">
+              <a:lumMod val="85000"/>
+              <a:lumOff val="15000"/>
+            </a:schemeClr>
+          </a:solidFill>
+          <a:ln>
+            <a:noFill/>
+          </a:ln>
+        </p:spPr>
+        <p:style>
+          <a:lnRef idx="2">
+            <a:schemeClr val="accent1">
+              <a:shade val="50000"/>
+            </a:schemeClr>
+          </a:lnRef>
+          <a:fillRef idx="1">
+            <a:schemeClr val="accent1"/>
+          </a:fillRef>
+          <a:effectRef idx="0">
+            <a:schemeClr val="accent1"/>
+          </a:effectRef>
+          <a:fontRef idx="minor">
+            <a:schemeClr val="lt1"/>
+          </a:fontRef>
+        </p:style>
+      </p:sp>
+      <p:sp>
+        <p:nvSpPr>
+          <p:cNvPr id="11" name="Rectangle 10"/>
+          <p:cNvSpPr/>
+          <p:nvPr/>
+        </p:nvSpPr>
+        <p:spPr>
+          <a:xfrm>
+            <a:off x="10585827" y="609600"/>
+            <a:ext cx="1602997" cy="1368198"/>
+          </a:xfrm>
+          <a:prstGeom prst="rect">
+            <a:avLst/>
+          </a:prstGeom>
+          <a:solidFill>
+            <a:schemeClr val="accent1"/>
+          </a:solidFill>
+          <a:ln>
+            <a:noFill/>
+          </a:ln>
+        </p:spPr>
+        <p:style>
+          <a:lnRef idx="2">
+            <a:schemeClr val="accent1">
+              <a:shade val="50000"/>
+            </a:schemeClr>
+          </a:lnRef>
+          <a:fillRef idx="1">
+            <a:schemeClr val="accent1"/>
+          </a:fillRef>
+          <a:effectRef idx="0">
+            <a:schemeClr val="accent1"/>
+          </a:effectRef>
+          <a:fontRef idx="minor">
+            <a:schemeClr val="lt1"/>
+          </a:fontRef>
+        </p:style>
+      </p:sp>
+      <p:sp>
+        <p:nvSpPr>
+          <p:cNvPr id="2" name="Title 1"/>
           <p:cNvSpPr>
             <a:spLocks noGrp="1"/>
           </p:cNvSpPr>
@@ -1101,13 +5233,13 @@
               <a:rPr lang="es-ES" smtClean="0"/>
               <a:t>Haga clic para modificar el estilo de título del patrón</a:t>
             </a:r>
-            <a:endParaRPr lang="es-CO"/>
-          </a:p>
-        </p:txBody>
-      </p:sp>
-      <p:sp>
-        <p:nvSpPr>
-          <p:cNvPr id="3" name="Marcador de contenido 2"/>
+            <a:endParaRPr lang="en-US" dirty="0"/>
+          </a:p>
+        </p:txBody>
+      </p:sp>
+      <p:sp>
+        <p:nvSpPr>
+          <p:cNvPr id="3" name="Content Placeholder 2"/>
           <p:cNvSpPr>
             <a:spLocks noGrp="1"/>
           </p:cNvSpPr>
@@ -1117,8 +5249,8 @@
         </p:nvSpPr>
         <p:spPr>
           <a:xfrm>
-            <a:off x="838200" y="1825625"/>
-            <a:ext cx="5181600" cy="4351338"/>
+            <a:off x="680320" y="2336873"/>
+            <a:ext cx="4698358" cy="3599316"/>
           </a:xfrm>
         </p:spPr>
         <p:txBody>
@@ -1158,13 +5290,13 @@
               <a:rPr lang="es-ES" smtClean="0"/>
               <a:t>Quinto nivel</a:t>
             </a:r>
-            <a:endParaRPr lang="es-CO"/>
-          </a:p>
-        </p:txBody>
-      </p:sp>
-      <p:sp>
-        <p:nvSpPr>
-          <p:cNvPr id="4" name="Marcador de contenido 3"/>
+            <a:endParaRPr lang="en-US" dirty="0"/>
+          </a:p>
+        </p:txBody>
+      </p:sp>
+      <p:sp>
+        <p:nvSpPr>
+          <p:cNvPr id="4" name="Content Placeholder 3"/>
           <p:cNvSpPr>
             <a:spLocks noGrp="1"/>
           </p:cNvSpPr>
@@ -1174,8 +5306,8 @@
         </p:nvSpPr>
         <p:spPr>
           <a:xfrm>
-            <a:off x="6172200" y="1825625"/>
-            <a:ext cx="5181600" cy="4351338"/>
+            <a:off x="5594123" y="2336873"/>
+            <a:ext cx="4700058" cy="3599316"/>
           </a:xfrm>
         </p:spPr>
         <p:txBody>
@@ -1215,13 +5347,13 @@
               <a:rPr lang="es-ES" smtClean="0"/>
               <a:t>Quinto nivel</a:t>
             </a:r>
-            <a:endParaRPr lang="es-CO"/>
-          </a:p>
-        </p:txBody>
-      </p:sp>
-      <p:sp>
-        <p:nvSpPr>
-          <p:cNvPr id="5" name="Marcador de fecha 4"/>
+            <a:endParaRPr lang="en-US" dirty="0"/>
+          </a:p>
+        </p:txBody>
+      </p:sp>
+      <p:sp>
+        <p:nvSpPr>
+          <p:cNvPr id="5" name="Date Placeholder 4"/>
           <p:cNvSpPr>
             <a:spLocks noGrp="1"/>
           </p:cNvSpPr>
@@ -1244,7 +5376,7 @@
       </p:sp>
       <p:sp>
         <p:nvSpPr>
-          <p:cNvPr id="6" name="Marcador de pie de página 5"/>
+          <p:cNvPr id="6" name="Footer Placeholder 5"/>
           <p:cNvSpPr>
             <a:spLocks noGrp="1"/>
           </p:cNvSpPr>
@@ -1263,7 +5395,7 @@
       </p:sp>
       <p:sp>
         <p:nvSpPr>
-          <p:cNvPr id="7" name="Marcador de número de diapositiva 6"/>
+          <p:cNvPr id="7" name="Slide Number Placeholder 6"/>
           <p:cNvSpPr>
             <a:spLocks noGrp="1"/>
           </p:cNvSpPr>
@@ -1287,7 +5419,7 @@
     </p:spTree>
     <p:extLst>
       <p:ext uri="{BB962C8B-B14F-4D97-AF65-F5344CB8AC3E}">
-        <p14:creationId xmlns:p14="http://schemas.microsoft.com/office/powerpoint/2010/main" val="3072064769"/>
+        <p14:creationId xmlns:p14="http://schemas.microsoft.com/office/powerpoint/2010/main" val="2163615332"/>
       </p:ext>
     </p:extLst>
   </p:cSld>
@@ -1314,9 +5446,148 @@
           <a:chExt cx="0" cy="0"/>
         </a:xfrm>
       </p:grpSpPr>
-      <p:sp>
-        <p:nvSpPr>
-          <p:cNvPr id="2" name="Título 1"/>
+      <p:pic>
+        <p:nvPicPr>
+          <p:cNvPr id="10" name="Picture 9" descr="HD-ShadowLong.png"/>
+          <p:cNvPicPr>
+            <a:picLocks noChangeAspect="1"/>
+          </p:cNvPicPr>
+          <p:nvPr/>
+        </p:nvPicPr>
+        <p:blipFill>
+          <a:blip r:embed="rId2">
+            <a:extLst>
+              <a:ext uri="{28A0092B-C50C-407E-A947-70E740481C1C}">
+                <a14:useLocalDpi xmlns:a14="http://schemas.microsoft.com/office/drawing/2010/main" val="0"/>
+              </a:ext>
+            </a:extLst>
+          </a:blip>
+          <a:stretch>
+            <a:fillRect/>
+          </a:stretch>
+        </p:blipFill>
+        <p:spPr>
+          <a:xfrm>
+            <a:off x="1" y="1970240"/>
+            <a:ext cx="10437812" cy="321164"/>
+          </a:xfrm>
+          <a:prstGeom prst="rect">
+            <a:avLst/>
+          </a:prstGeom>
+        </p:spPr>
+      </p:pic>
+      <p:pic>
+        <p:nvPicPr>
+          <p:cNvPr id="11" name="Picture 10" descr="HD-ShadowShort.png"/>
+          <p:cNvPicPr>
+            <a:picLocks noChangeAspect="1"/>
+          </p:cNvPicPr>
+          <p:nvPr/>
+        </p:nvPicPr>
+        <p:blipFill>
+          <a:blip r:embed="rId3" cstate="print">
+            <a:extLst>
+              <a:ext uri="{28A0092B-C50C-407E-A947-70E740481C1C}">
+                <a14:useLocalDpi xmlns:a14="http://schemas.microsoft.com/office/drawing/2010/main" val="0"/>
+              </a:ext>
+            </a:extLst>
+          </a:blip>
+          <a:stretch>
+            <a:fillRect/>
+          </a:stretch>
+        </p:blipFill>
+        <p:spPr>
+          <a:xfrm>
+            <a:off x="10585826" y="1971234"/>
+            <a:ext cx="1602997" cy="144270"/>
+          </a:xfrm>
+          <a:prstGeom prst="rect">
+            <a:avLst/>
+          </a:prstGeom>
+        </p:spPr>
+      </p:pic>
+      <p:sp>
+        <p:nvSpPr>
+          <p:cNvPr id="12" name="Rectangle 11"/>
+          <p:cNvSpPr/>
+          <p:nvPr/>
+        </p:nvSpPr>
+        <p:spPr>
+          <a:xfrm>
+            <a:off x="0" y="609600"/>
+            <a:ext cx="10437812" cy="1368198"/>
+          </a:xfrm>
+          <a:prstGeom prst="rect">
+            <a:avLst/>
+          </a:prstGeom>
+          <a:solidFill>
+            <a:schemeClr val="bg1">
+              <a:lumMod val="85000"/>
+              <a:lumOff val="15000"/>
+            </a:schemeClr>
+          </a:solidFill>
+          <a:ln>
+            <a:noFill/>
+          </a:ln>
+        </p:spPr>
+        <p:style>
+          <a:lnRef idx="2">
+            <a:schemeClr val="accent1">
+              <a:shade val="50000"/>
+            </a:schemeClr>
+          </a:lnRef>
+          <a:fillRef idx="1">
+            <a:schemeClr val="accent1"/>
+          </a:fillRef>
+          <a:effectRef idx="0">
+            <a:schemeClr val="accent1"/>
+          </a:effectRef>
+          <a:fontRef idx="minor">
+            <a:schemeClr val="lt1"/>
+          </a:fontRef>
+        </p:style>
+      </p:sp>
+      <p:sp>
+        <p:nvSpPr>
+          <p:cNvPr id="13" name="Rectangle 12"/>
+          <p:cNvSpPr/>
+          <p:nvPr/>
+        </p:nvSpPr>
+        <p:spPr>
+          <a:xfrm>
+            <a:off x="10585827" y="609600"/>
+            <a:ext cx="1602997" cy="1368198"/>
+          </a:xfrm>
+          <a:prstGeom prst="rect">
+            <a:avLst/>
+          </a:prstGeom>
+          <a:solidFill>
+            <a:schemeClr val="accent1"/>
+          </a:solidFill>
+          <a:ln>
+            <a:noFill/>
+          </a:ln>
+        </p:spPr>
+        <p:style>
+          <a:lnRef idx="2">
+            <a:schemeClr val="accent1">
+              <a:shade val="50000"/>
+            </a:schemeClr>
+          </a:lnRef>
+          <a:fillRef idx="1">
+            <a:schemeClr val="accent1"/>
+          </a:fillRef>
+          <a:effectRef idx="0">
+            <a:schemeClr val="accent1"/>
+          </a:effectRef>
+          <a:fontRef idx="minor">
+            <a:schemeClr val="lt1"/>
+          </a:fontRef>
+        </p:style>
+      </p:sp>
+      <p:sp>
+        <p:nvSpPr>
+          <p:cNvPr id="2" name="Title 1"/>
           <p:cNvSpPr>
             <a:spLocks noGrp="1"/>
           </p:cNvSpPr>
@@ -1326,8 +5597,8 @@
         </p:nvSpPr>
         <p:spPr>
           <a:xfrm>
-            <a:off x="839788" y="365125"/>
-            <a:ext cx="10515600" cy="1325563"/>
+            <a:off x="680319" y="753229"/>
+            <a:ext cx="9613863" cy="1080937"/>
           </a:xfrm>
         </p:spPr>
         <p:txBody>
@@ -1338,13 +5609,13 @@
               <a:rPr lang="es-ES" smtClean="0"/>
               <a:t>Haga clic para modificar el estilo de título del patrón</a:t>
             </a:r>
-            <a:endParaRPr lang="es-CO"/>
-          </a:p>
-        </p:txBody>
-      </p:sp>
-      <p:sp>
-        <p:nvSpPr>
-          <p:cNvPr id="3" name="Marcador de texto 2"/>
+            <a:endParaRPr lang="en-US" dirty="0"/>
+          </a:p>
+        </p:txBody>
+      </p:sp>
+      <p:sp>
+        <p:nvSpPr>
+          <p:cNvPr id="3" name="Text Placeholder 2"/>
           <p:cNvSpPr>
             <a:spLocks noGrp="1"/>
           </p:cNvSpPr>
@@ -1354,8 +5625,8 @@
         </p:nvSpPr>
         <p:spPr>
           <a:xfrm>
-            <a:off x="839788" y="1681163"/>
-            <a:ext cx="5157787" cy="823912"/>
+            <a:off x="906350" y="2336873"/>
+            <a:ext cx="4472327" cy="693135"/>
           </a:xfrm>
         </p:spPr>
         <p:txBody>
@@ -1409,7 +5680,7 @@
       </p:sp>
       <p:sp>
         <p:nvSpPr>
-          <p:cNvPr id="4" name="Marcador de contenido 3"/>
+          <p:cNvPr id="4" name="Content Placeholder 3"/>
           <p:cNvSpPr>
             <a:spLocks noGrp="1"/>
           </p:cNvSpPr>
@@ -1419,8 +5690,8 @@
         </p:nvSpPr>
         <p:spPr>
           <a:xfrm>
-            <a:off x="839788" y="2505075"/>
-            <a:ext cx="5157787" cy="3684588"/>
+            <a:off x="680322" y="3030008"/>
+            <a:ext cx="4698355" cy="2906179"/>
           </a:xfrm>
         </p:spPr>
         <p:txBody>
@@ -1460,13 +5731,13 @@
               <a:rPr lang="es-ES" smtClean="0"/>
               <a:t>Quinto nivel</a:t>
             </a:r>
-            <a:endParaRPr lang="es-CO"/>
-          </a:p>
-        </p:txBody>
-      </p:sp>
-      <p:sp>
-        <p:nvSpPr>
-          <p:cNvPr id="5" name="Marcador de texto 4"/>
+            <a:endParaRPr lang="en-US" dirty="0"/>
+          </a:p>
+        </p:txBody>
+      </p:sp>
+      <p:sp>
+        <p:nvSpPr>
+          <p:cNvPr id="5" name="Text Placeholder 4"/>
           <p:cNvSpPr>
             <a:spLocks noGrp="1"/>
           </p:cNvSpPr>
@@ -1476,8 +5747,8 @@
         </p:nvSpPr>
         <p:spPr>
           <a:xfrm>
-            <a:off x="6172200" y="1681163"/>
-            <a:ext cx="5183188" cy="823912"/>
+            <a:off x="5820154" y="2336873"/>
+            <a:ext cx="4474028" cy="692076"/>
           </a:xfrm>
         </p:spPr>
         <p:txBody>
@@ -1531,7 +5802,7 @@
       </p:sp>
       <p:sp>
         <p:nvSpPr>
-          <p:cNvPr id="6" name="Marcador de contenido 5"/>
+          <p:cNvPr id="6" name="Content Placeholder 5"/>
           <p:cNvSpPr>
             <a:spLocks noGrp="1"/>
           </p:cNvSpPr>
@@ -1541,8 +5812,8 @@
         </p:nvSpPr>
         <p:spPr>
           <a:xfrm>
-            <a:off x="6172200" y="2505075"/>
-            <a:ext cx="5183188" cy="3684588"/>
+            <a:off x="5594123" y="3030008"/>
+            <a:ext cx="4700059" cy="2906179"/>
           </a:xfrm>
         </p:spPr>
         <p:txBody>
@@ -1582,13 +5853,13 @@
               <a:rPr lang="es-ES" smtClean="0"/>
               <a:t>Quinto nivel</a:t>
             </a:r>
-            <a:endParaRPr lang="es-CO"/>
-          </a:p>
-        </p:txBody>
-      </p:sp>
-      <p:sp>
-        <p:nvSpPr>
-          <p:cNvPr id="7" name="Marcador de fecha 6"/>
+            <a:endParaRPr lang="en-US" dirty="0"/>
+          </a:p>
+        </p:txBody>
+      </p:sp>
+      <p:sp>
+        <p:nvSpPr>
+          <p:cNvPr id="7" name="Date Placeholder 6"/>
           <p:cNvSpPr>
             <a:spLocks noGrp="1"/>
           </p:cNvSpPr>
@@ -1611,7 +5882,7 @@
       </p:sp>
       <p:sp>
         <p:nvSpPr>
-          <p:cNvPr id="8" name="Marcador de pie de página 7"/>
+          <p:cNvPr id="8" name="Footer Placeholder 7"/>
           <p:cNvSpPr>
             <a:spLocks noGrp="1"/>
           </p:cNvSpPr>
@@ -1630,7 +5901,7 @@
       </p:sp>
       <p:sp>
         <p:nvSpPr>
-          <p:cNvPr id="9" name="Marcador de número de diapositiva 8"/>
+          <p:cNvPr id="9" name="Slide Number Placeholder 8"/>
           <p:cNvSpPr>
             <a:spLocks noGrp="1"/>
           </p:cNvSpPr>
@@ -1654,7 +5925,7 @@
     </p:spTree>
     <p:extLst>
       <p:ext uri="{BB962C8B-B14F-4D97-AF65-F5344CB8AC3E}">
-        <p14:creationId xmlns:p14="http://schemas.microsoft.com/office/powerpoint/2010/main" val="2328894457"/>
+        <p14:creationId xmlns:p14="http://schemas.microsoft.com/office/powerpoint/2010/main" val="3774849166"/>
       </p:ext>
     </p:extLst>
   </p:cSld>
@@ -1681,9 +5952,148 @@
           <a:chExt cx="0" cy="0"/>
         </a:xfrm>
       </p:grpSpPr>
-      <p:sp>
-        <p:nvSpPr>
-          <p:cNvPr id="2" name="Título 1"/>
+      <p:pic>
+        <p:nvPicPr>
+          <p:cNvPr id="6" name="Picture 5" descr="HD-ShadowLong.png"/>
+          <p:cNvPicPr>
+            <a:picLocks noChangeAspect="1"/>
+          </p:cNvPicPr>
+          <p:nvPr/>
+        </p:nvPicPr>
+        <p:blipFill>
+          <a:blip r:embed="rId2">
+            <a:extLst>
+              <a:ext uri="{28A0092B-C50C-407E-A947-70E740481C1C}">
+                <a14:useLocalDpi xmlns:a14="http://schemas.microsoft.com/office/drawing/2010/main" val="0"/>
+              </a:ext>
+            </a:extLst>
+          </a:blip>
+          <a:stretch>
+            <a:fillRect/>
+          </a:stretch>
+        </p:blipFill>
+        <p:spPr>
+          <a:xfrm>
+            <a:off x="1" y="1970240"/>
+            <a:ext cx="10437812" cy="321164"/>
+          </a:xfrm>
+          <a:prstGeom prst="rect">
+            <a:avLst/>
+          </a:prstGeom>
+        </p:spPr>
+      </p:pic>
+      <p:pic>
+        <p:nvPicPr>
+          <p:cNvPr id="7" name="Picture 6" descr="HD-ShadowShort.png"/>
+          <p:cNvPicPr>
+            <a:picLocks noChangeAspect="1"/>
+          </p:cNvPicPr>
+          <p:nvPr/>
+        </p:nvPicPr>
+        <p:blipFill>
+          <a:blip r:embed="rId3" cstate="print">
+            <a:extLst>
+              <a:ext uri="{28A0092B-C50C-407E-A947-70E740481C1C}">
+                <a14:useLocalDpi xmlns:a14="http://schemas.microsoft.com/office/drawing/2010/main" val="0"/>
+              </a:ext>
+            </a:extLst>
+          </a:blip>
+          <a:stretch>
+            <a:fillRect/>
+          </a:stretch>
+        </p:blipFill>
+        <p:spPr>
+          <a:xfrm>
+            <a:off x="10585826" y="1971234"/>
+            <a:ext cx="1602997" cy="144270"/>
+          </a:xfrm>
+          <a:prstGeom prst="rect">
+            <a:avLst/>
+          </a:prstGeom>
+        </p:spPr>
+      </p:pic>
+      <p:sp>
+        <p:nvSpPr>
+          <p:cNvPr id="8" name="Rectangle 7"/>
+          <p:cNvSpPr/>
+          <p:nvPr/>
+        </p:nvSpPr>
+        <p:spPr>
+          <a:xfrm>
+            <a:off x="0" y="609600"/>
+            <a:ext cx="10437812" cy="1368198"/>
+          </a:xfrm>
+          <a:prstGeom prst="rect">
+            <a:avLst/>
+          </a:prstGeom>
+          <a:solidFill>
+            <a:schemeClr val="bg1">
+              <a:lumMod val="85000"/>
+              <a:lumOff val="15000"/>
+            </a:schemeClr>
+          </a:solidFill>
+          <a:ln>
+            <a:noFill/>
+          </a:ln>
+        </p:spPr>
+        <p:style>
+          <a:lnRef idx="2">
+            <a:schemeClr val="accent1">
+              <a:shade val="50000"/>
+            </a:schemeClr>
+          </a:lnRef>
+          <a:fillRef idx="1">
+            <a:schemeClr val="accent1"/>
+          </a:fillRef>
+          <a:effectRef idx="0">
+            <a:schemeClr val="accent1"/>
+          </a:effectRef>
+          <a:fontRef idx="minor">
+            <a:schemeClr val="lt1"/>
+          </a:fontRef>
+        </p:style>
+      </p:sp>
+      <p:sp>
+        <p:nvSpPr>
+          <p:cNvPr id="9" name="Rectangle 8"/>
+          <p:cNvSpPr/>
+          <p:nvPr/>
+        </p:nvSpPr>
+        <p:spPr>
+          <a:xfrm>
+            <a:off x="10585827" y="609600"/>
+            <a:ext cx="1602997" cy="1368198"/>
+          </a:xfrm>
+          <a:prstGeom prst="rect">
+            <a:avLst/>
+          </a:prstGeom>
+          <a:solidFill>
+            <a:schemeClr val="accent1"/>
+          </a:solidFill>
+          <a:ln>
+            <a:noFill/>
+          </a:ln>
+        </p:spPr>
+        <p:style>
+          <a:lnRef idx="2">
+            <a:schemeClr val="accent1">
+              <a:shade val="50000"/>
+            </a:schemeClr>
+          </a:lnRef>
+          <a:fillRef idx="1">
+            <a:schemeClr val="accent1"/>
+          </a:fillRef>
+          <a:effectRef idx="0">
+            <a:schemeClr val="accent1"/>
+          </a:effectRef>
+          <a:fontRef idx="minor">
+            <a:schemeClr val="lt1"/>
+          </a:fontRef>
+        </p:style>
+      </p:sp>
+      <p:sp>
+        <p:nvSpPr>
+          <p:cNvPr id="2" name="Title 1"/>
           <p:cNvSpPr>
             <a:spLocks noGrp="1"/>
           </p:cNvSpPr>
@@ -1700,13 +6110,13 @@
               <a:rPr lang="es-ES" smtClean="0"/>
               <a:t>Haga clic para modificar el estilo de título del patrón</a:t>
             </a:r>
-            <a:endParaRPr lang="es-CO"/>
-          </a:p>
-        </p:txBody>
-      </p:sp>
-      <p:sp>
-        <p:nvSpPr>
-          <p:cNvPr id="3" name="Marcador de fecha 2"/>
+            <a:endParaRPr lang="en-US" dirty="0"/>
+          </a:p>
+        </p:txBody>
+      </p:sp>
+      <p:sp>
+        <p:nvSpPr>
+          <p:cNvPr id="3" name="Date Placeholder 2"/>
           <p:cNvSpPr>
             <a:spLocks noGrp="1"/>
           </p:cNvSpPr>
@@ -1729,7 +6139,7 @@
       </p:sp>
       <p:sp>
         <p:nvSpPr>
-          <p:cNvPr id="4" name="Marcador de pie de página 3"/>
+          <p:cNvPr id="4" name="Footer Placeholder 3"/>
           <p:cNvSpPr>
             <a:spLocks noGrp="1"/>
           </p:cNvSpPr>
@@ -1748,7 +6158,7 @@
       </p:sp>
       <p:sp>
         <p:nvSpPr>
-          <p:cNvPr id="5" name="Marcador de número de diapositiva 4"/>
+          <p:cNvPr id="5" name="Slide Number Placeholder 4"/>
           <p:cNvSpPr>
             <a:spLocks noGrp="1"/>
           </p:cNvSpPr>
@@ -1772,7 +6182,7 @@
     </p:spTree>
     <p:extLst>
       <p:ext uri="{BB962C8B-B14F-4D97-AF65-F5344CB8AC3E}">
-        <p14:creationId xmlns:p14="http://schemas.microsoft.com/office/powerpoint/2010/main" val="1064457470"/>
+        <p14:creationId xmlns:p14="http://schemas.microsoft.com/office/powerpoint/2010/main" val="1516854353"/>
       </p:ext>
     </p:extLst>
   </p:cSld>
@@ -1799,9 +6209,77 @@
           <a:chExt cx="0" cy="0"/>
         </a:xfrm>
       </p:grpSpPr>
-      <p:sp>
-        <p:nvSpPr>
-          <p:cNvPr id="2" name="Marcador de fecha 1"/>
+      <p:pic>
+        <p:nvPicPr>
+          <p:cNvPr id="5" name="Picture 4" descr="HD-ShadowShort.png"/>
+          <p:cNvPicPr>
+            <a:picLocks noChangeAspect="1"/>
+          </p:cNvPicPr>
+          <p:nvPr/>
+        </p:nvPicPr>
+        <p:blipFill>
+          <a:blip r:embed="rId2" cstate="print">
+            <a:extLst>
+              <a:ext uri="{28A0092B-C50C-407E-A947-70E740481C1C}">
+                <a14:useLocalDpi xmlns:a14="http://schemas.microsoft.com/office/drawing/2010/main" val="0"/>
+              </a:ext>
+            </a:extLst>
+          </a:blip>
+          <a:stretch>
+            <a:fillRect/>
+          </a:stretch>
+        </p:blipFill>
+        <p:spPr>
+          <a:xfrm>
+            <a:off x="10585826" y="1971234"/>
+            <a:ext cx="1602997" cy="144270"/>
+          </a:xfrm>
+          <a:prstGeom prst="rect">
+            <a:avLst/>
+          </a:prstGeom>
+        </p:spPr>
+      </p:pic>
+      <p:sp>
+        <p:nvSpPr>
+          <p:cNvPr id="6" name="Rectangle 5"/>
+          <p:cNvSpPr/>
+          <p:nvPr/>
+        </p:nvSpPr>
+        <p:spPr>
+          <a:xfrm>
+            <a:off x="10585827" y="609600"/>
+            <a:ext cx="1602997" cy="1368198"/>
+          </a:xfrm>
+          <a:prstGeom prst="rect">
+            <a:avLst/>
+          </a:prstGeom>
+          <a:solidFill>
+            <a:schemeClr val="accent1"/>
+          </a:solidFill>
+          <a:ln>
+            <a:noFill/>
+          </a:ln>
+        </p:spPr>
+        <p:style>
+          <a:lnRef idx="2">
+            <a:schemeClr val="accent1">
+              <a:shade val="50000"/>
+            </a:schemeClr>
+          </a:lnRef>
+          <a:fillRef idx="1">
+            <a:schemeClr val="accent1"/>
+          </a:fillRef>
+          <a:effectRef idx="0">
+            <a:schemeClr val="accent1"/>
+          </a:effectRef>
+          <a:fontRef idx="minor">
+            <a:schemeClr val="lt1"/>
+          </a:fontRef>
+        </p:style>
+      </p:sp>
+      <p:sp>
+        <p:nvSpPr>
+          <p:cNvPr id="2" name="Date Placeholder 1"/>
           <p:cNvSpPr>
             <a:spLocks noGrp="1"/>
           </p:cNvSpPr>
@@ -1824,7 +6302,7 @@
       </p:sp>
       <p:sp>
         <p:nvSpPr>
-          <p:cNvPr id="3" name="Marcador de pie de página 2"/>
+          <p:cNvPr id="3" name="Footer Placeholder 2"/>
           <p:cNvSpPr>
             <a:spLocks noGrp="1"/>
           </p:cNvSpPr>
@@ -1843,7 +6321,7 @@
       </p:sp>
       <p:sp>
         <p:nvSpPr>
-          <p:cNvPr id="4" name="Marcador de número de diapositiva 3"/>
+          <p:cNvPr id="4" name="Slide Number Placeholder 3"/>
           <p:cNvSpPr>
             <a:spLocks noGrp="1"/>
           </p:cNvSpPr>
@@ -1867,7 +6345,7 @@
     </p:spTree>
     <p:extLst>
       <p:ext uri="{BB962C8B-B14F-4D97-AF65-F5344CB8AC3E}">
-        <p14:creationId xmlns:p14="http://schemas.microsoft.com/office/powerpoint/2010/main" val="2641299168"/>
+        <p14:creationId xmlns:p14="http://schemas.microsoft.com/office/powerpoint/2010/main" val="3112928660"/>
       </p:ext>
     </p:extLst>
   </p:cSld>
@@ -1894,9 +6372,148 @@
           <a:chExt cx="0" cy="0"/>
         </a:xfrm>
       </p:grpSpPr>
-      <p:sp>
-        <p:nvSpPr>
-          <p:cNvPr id="2" name="Título 1"/>
+      <p:pic>
+        <p:nvPicPr>
+          <p:cNvPr id="8" name="Picture 7" descr="HD-ShadowLong.png"/>
+          <p:cNvPicPr>
+            <a:picLocks noChangeAspect="1"/>
+          </p:cNvPicPr>
+          <p:nvPr/>
+        </p:nvPicPr>
+        <p:blipFill>
+          <a:blip r:embed="rId2">
+            <a:extLst>
+              <a:ext uri="{28A0092B-C50C-407E-A947-70E740481C1C}">
+                <a14:useLocalDpi xmlns:a14="http://schemas.microsoft.com/office/drawing/2010/main" val="0"/>
+              </a:ext>
+            </a:extLst>
+          </a:blip>
+          <a:stretch>
+            <a:fillRect/>
+          </a:stretch>
+        </p:blipFill>
+        <p:spPr>
+          <a:xfrm>
+            <a:off x="1" y="1970240"/>
+            <a:ext cx="10437812" cy="321164"/>
+          </a:xfrm>
+          <a:prstGeom prst="rect">
+            <a:avLst/>
+          </a:prstGeom>
+        </p:spPr>
+      </p:pic>
+      <p:pic>
+        <p:nvPicPr>
+          <p:cNvPr id="9" name="Picture 8" descr="HD-ShadowShort.png"/>
+          <p:cNvPicPr>
+            <a:picLocks noChangeAspect="1"/>
+          </p:cNvPicPr>
+          <p:nvPr/>
+        </p:nvPicPr>
+        <p:blipFill>
+          <a:blip r:embed="rId3" cstate="print">
+            <a:extLst>
+              <a:ext uri="{28A0092B-C50C-407E-A947-70E740481C1C}">
+                <a14:useLocalDpi xmlns:a14="http://schemas.microsoft.com/office/drawing/2010/main" val="0"/>
+              </a:ext>
+            </a:extLst>
+          </a:blip>
+          <a:stretch>
+            <a:fillRect/>
+          </a:stretch>
+        </p:blipFill>
+        <p:spPr>
+          <a:xfrm>
+            <a:off x="10585826" y="1971234"/>
+            <a:ext cx="1602997" cy="144270"/>
+          </a:xfrm>
+          <a:prstGeom prst="rect">
+            <a:avLst/>
+          </a:prstGeom>
+        </p:spPr>
+      </p:pic>
+      <p:sp>
+        <p:nvSpPr>
+          <p:cNvPr id="10" name="Rectangle 9"/>
+          <p:cNvSpPr/>
+          <p:nvPr/>
+        </p:nvSpPr>
+        <p:spPr>
+          <a:xfrm>
+            <a:off x="0" y="609600"/>
+            <a:ext cx="10437812" cy="1368198"/>
+          </a:xfrm>
+          <a:prstGeom prst="rect">
+            <a:avLst/>
+          </a:prstGeom>
+          <a:solidFill>
+            <a:schemeClr val="bg1">
+              <a:lumMod val="85000"/>
+              <a:lumOff val="15000"/>
+            </a:schemeClr>
+          </a:solidFill>
+          <a:ln>
+            <a:noFill/>
+          </a:ln>
+        </p:spPr>
+        <p:style>
+          <a:lnRef idx="2">
+            <a:schemeClr val="accent1">
+              <a:shade val="50000"/>
+            </a:schemeClr>
+          </a:lnRef>
+          <a:fillRef idx="1">
+            <a:schemeClr val="accent1"/>
+          </a:fillRef>
+          <a:effectRef idx="0">
+            <a:schemeClr val="accent1"/>
+          </a:effectRef>
+          <a:fontRef idx="minor">
+            <a:schemeClr val="lt1"/>
+          </a:fontRef>
+        </p:style>
+      </p:sp>
+      <p:sp>
+        <p:nvSpPr>
+          <p:cNvPr id="11" name="Rectangle 10"/>
+          <p:cNvSpPr/>
+          <p:nvPr/>
+        </p:nvSpPr>
+        <p:spPr>
+          <a:xfrm>
+            <a:off x="10585827" y="609600"/>
+            <a:ext cx="1602997" cy="1368198"/>
+          </a:xfrm>
+          <a:prstGeom prst="rect">
+            <a:avLst/>
+          </a:prstGeom>
+          <a:solidFill>
+            <a:schemeClr val="accent1"/>
+          </a:solidFill>
+          <a:ln>
+            <a:noFill/>
+          </a:ln>
+        </p:spPr>
+        <p:style>
+          <a:lnRef idx="2">
+            <a:schemeClr val="accent1">
+              <a:shade val="50000"/>
+            </a:schemeClr>
+          </a:lnRef>
+          <a:fillRef idx="1">
+            <a:schemeClr val="accent1"/>
+          </a:fillRef>
+          <a:effectRef idx="0">
+            <a:schemeClr val="accent1"/>
+          </a:effectRef>
+          <a:fontRef idx="minor">
+            <a:schemeClr val="lt1"/>
+          </a:fontRef>
+        </p:style>
+      </p:sp>
+      <p:sp>
+        <p:nvSpPr>
+          <p:cNvPr id="2" name="Title 1"/>
           <p:cNvSpPr>
             <a:spLocks noGrp="1"/>
           </p:cNvSpPr>
@@ -1906,15 +6523,17 @@
         </p:nvSpPr>
         <p:spPr>
           <a:xfrm>
-            <a:off x="839788" y="457200"/>
-            <a:ext cx="3932237" cy="1600200"/>
-          </a:xfrm>
-        </p:spPr>
-        <p:txBody>
-          <a:bodyPr anchor="b"/>
+            <a:off x="680321" y="753227"/>
+            <a:ext cx="9613859" cy="1080940"/>
+          </a:xfrm>
+        </p:spPr>
+        <p:txBody>
+          <a:bodyPr anchor="ctr">
+            <a:normAutofit/>
+          </a:bodyPr>
           <a:lstStyle>
             <a:lvl1pPr>
-              <a:defRPr sz="3200"/>
+              <a:defRPr sz="3600"/>
             </a:lvl1pPr>
           </a:lstStyle>
           <a:p>
@@ -1922,13 +6541,13 @@
               <a:rPr lang="es-ES" smtClean="0"/>
               <a:t>Haga clic para modificar el estilo de título del patrón</a:t>
             </a:r>
-            <a:endParaRPr lang="es-CO"/>
-          </a:p>
-        </p:txBody>
-      </p:sp>
-      <p:sp>
-        <p:nvSpPr>
-          <p:cNvPr id="3" name="Marcador de contenido 2"/>
+            <a:endParaRPr lang="en-US" dirty="0"/>
+          </a:p>
+        </p:txBody>
+      </p:sp>
+      <p:sp>
+        <p:nvSpPr>
+          <p:cNvPr id="3" name="Content Placeholder 2"/>
           <p:cNvSpPr>
             <a:spLocks noGrp="1"/>
           </p:cNvSpPr>
@@ -1938,41 +6557,13 @@
         </p:nvSpPr>
         <p:spPr>
           <a:xfrm>
-            <a:off x="5183188" y="987425"/>
-            <a:ext cx="6172200" cy="4873625"/>
+            <a:off x="4685846" y="2336873"/>
+            <a:ext cx="5608336" cy="3599313"/>
           </a:xfrm>
         </p:spPr>
         <p:txBody>
           <a:bodyPr/>
-          <a:lstStyle>
-            <a:lvl1pPr>
-              <a:defRPr sz="3200"/>
-            </a:lvl1pPr>
-            <a:lvl2pPr>
-              <a:defRPr sz="2800"/>
-            </a:lvl2pPr>
-            <a:lvl3pPr>
-              <a:defRPr sz="2400"/>
-            </a:lvl3pPr>
-            <a:lvl4pPr>
-              <a:defRPr sz="2000"/>
-            </a:lvl4pPr>
-            <a:lvl5pPr>
-              <a:defRPr sz="2000"/>
-            </a:lvl5pPr>
-            <a:lvl6pPr>
-              <a:defRPr sz="2000"/>
-            </a:lvl6pPr>
-            <a:lvl7pPr>
-              <a:defRPr sz="2000"/>
-            </a:lvl7pPr>
-            <a:lvl8pPr>
-              <a:defRPr sz="2000"/>
-            </a:lvl8pPr>
-            <a:lvl9pPr>
-              <a:defRPr sz="2000"/>
-            </a:lvl9pPr>
-          </a:lstStyle>
+          <a:lstStyle/>
           <a:p>
             <a:pPr lvl="0"/>
             <a:r>
@@ -2007,13 +6598,13 @@
               <a:rPr lang="es-ES" smtClean="0"/>
               <a:t>Quinto nivel</a:t>
             </a:r>
-            <a:endParaRPr lang="es-CO"/>
-          </a:p>
-        </p:txBody>
-      </p:sp>
-      <p:sp>
-        <p:nvSpPr>
-          <p:cNvPr id="4" name="Marcador de texto 3"/>
+            <a:endParaRPr lang="en-US" dirty="0"/>
+          </a:p>
+        </p:txBody>
+      </p:sp>
+      <p:sp>
+        <p:nvSpPr>
+          <p:cNvPr id="4" name="Text Placeholder 3"/>
           <p:cNvSpPr>
             <a:spLocks noGrp="1"/>
           </p:cNvSpPr>
@@ -2023,12 +6614,12 @@
         </p:nvSpPr>
         <p:spPr>
           <a:xfrm>
-            <a:off x="839788" y="2057400"/>
-            <a:ext cx="3932237" cy="3811588"/>
-          </a:xfrm>
-        </p:spPr>
-        <p:txBody>
-          <a:bodyPr/>
+            <a:off x="680322" y="2336872"/>
+            <a:ext cx="3790078" cy="3599317"/>
+          </a:xfrm>
+        </p:spPr>
+        <p:txBody>
+          <a:bodyPr anchor="ctr"/>
           <a:lstStyle>
             <a:lvl1pPr marL="0" indent="0">
               <a:buNone/>
@@ -2078,7 +6669,7 @@
       </p:sp>
       <p:sp>
         <p:nvSpPr>
-          <p:cNvPr id="5" name="Marcador de fecha 4"/>
+          <p:cNvPr id="5" name="Date Placeholder 4"/>
           <p:cNvSpPr>
             <a:spLocks noGrp="1"/>
           </p:cNvSpPr>
@@ -2101,7 +6692,7 @@
       </p:sp>
       <p:sp>
         <p:nvSpPr>
-          <p:cNvPr id="6" name="Marcador de pie de página 5"/>
+          <p:cNvPr id="6" name="Footer Placeholder 5"/>
           <p:cNvSpPr>
             <a:spLocks noGrp="1"/>
           </p:cNvSpPr>
@@ -2120,7 +6711,7 @@
       </p:sp>
       <p:sp>
         <p:nvSpPr>
-          <p:cNvPr id="7" name="Marcador de número de diapositiva 6"/>
+          <p:cNvPr id="7" name="Slide Number Placeholder 6"/>
           <p:cNvSpPr>
             <a:spLocks noGrp="1"/>
           </p:cNvSpPr>
@@ -2144,7 +6735,7 @@
     </p:spTree>
     <p:extLst>
       <p:ext uri="{BB962C8B-B14F-4D97-AF65-F5344CB8AC3E}">
-        <p14:creationId xmlns:p14="http://schemas.microsoft.com/office/powerpoint/2010/main" val="1252784872"/>
+        <p14:creationId xmlns:p14="http://schemas.microsoft.com/office/powerpoint/2010/main" val="1830784115"/>
       </p:ext>
     </p:extLst>
   </p:cSld>
@@ -2171,9 +6762,148 @@
           <a:chExt cx="0" cy="0"/>
         </a:xfrm>
       </p:grpSpPr>
-      <p:sp>
-        <p:nvSpPr>
-          <p:cNvPr id="2" name="Título 1"/>
+      <p:pic>
+        <p:nvPicPr>
+          <p:cNvPr id="8" name="Picture 7" descr="HD-ShadowLong.png"/>
+          <p:cNvPicPr>
+            <a:picLocks noChangeAspect="1"/>
+          </p:cNvPicPr>
+          <p:nvPr/>
+        </p:nvPicPr>
+        <p:blipFill>
+          <a:blip r:embed="rId2">
+            <a:extLst>
+              <a:ext uri="{28A0092B-C50C-407E-A947-70E740481C1C}">
+                <a14:useLocalDpi xmlns:a14="http://schemas.microsoft.com/office/drawing/2010/main" val="0"/>
+              </a:ext>
+            </a:extLst>
+          </a:blip>
+          <a:stretch>
+            <a:fillRect/>
+          </a:stretch>
+        </p:blipFill>
+        <p:spPr>
+          <a:xfrm>
+            <a:off x="1" y="1970240"/>
+            <a:ext cx="10437812" cy="321164"/>
+          </a:xfrm>
+          <a:prstGeom prst="rect">
+            <a:avLst/>
+          </a:prstGeom>
+        </p:spPr>
+      </p:pic>
+      <p:pic>
+        <p:nvPicPr>
+          <p:cNvPr id="9" name="Picture 8" descr="HD-ShadowShort.png"/>
+          <p:cNvPicPr>
+            <a:picLocks noChangeAspect="1"/>
+          </p:cNvPicPr>
+          <p:nvPr/>
+        </p:nvPicPr>
+        <p:blipFill>
+          <a:blip r:embed="rId3" cstate="print">
+            <a:extLst>
+              <a:ext uri="{28A0092B-C50C-407E-A947-70E740481C1C}">
+                <a14:useLocalDpi xmlns:a14="http://schemas.microsoft.com/office/drawing/2010/main" val="0"/>
+              </a:ext>
+            </a:extLst>
+          </a:blip>
+          <a:stretch>
+            <a:fillRect/>
+          </a:stretch>
+        </p:blipFill>
+        <p:spPr>
+          <a:xfrm>
+            <a:off x="10585826" y="1971234"/>
+            <a:ext cx="1602997" cy="144270"/>
+          </a:xfrm>
+          <a:prstGeom prst="rect">
+            <a:avLst/>
+          </a:prstGeom>
+        </p:spPr>
+      </p:pic>
+      <p:sp>
+        <p:nvSpPr>
+          <p:cNvPr id="10" name="Rectangle 9"/>
+          <p:cNvSpPr/>
+          <p:nvPr/>
+        </p:nvSpPr>
+        <p:spPr>
+          <a:xfrm>
+            <a:off x="0" y="609600"/>
+            <a:ext cx="10437812" cy="1368198"/>
+          </a:xfrm>
+          <a:prstGeom prst="rect">
+            <a:avLst/>
+          </a:prstGeom>
+          <a:solidFill>
+            <a:schemeClr val="bg1">
+              <a:lumMod val="85000"/>
+              <a:lumOff val="15000"/>
+            </a:schemeClr>
+          </a:solidFill>
+          <a:ln>
+            <a:noFill/>
+          </a:ln>
+        </p:spPr>
+        <p:style>
+          <a:lnRef idx="2">
+            <a:schemeClr val="accent1">
+              <a:shade val="50000"/>
+            </a:schemeClr>
+          </a:lnRef>
+          <a:fillRef idx="1">
+            <a:schemeClr val="accent1"/>
+          </a:fillRef>
+          <a:effectRef idx="0">
+            <a:schemeClr val="accent1"/>
+          </a:effectRef>
+          <a:fontRef idx="minor">
+            <a:schemeClr val="lt1"/>
+          </a:fontRef>
+        </p:style>
+      </p:sp>
+      <p:sp>
+        <p:nvSpPr>
+          <p:cNvPr id="11" name="Rectangle 10"/>
+          <p:cNvSpPr/>
+          <p:nvPr/>
+        </p:nvSpPr>
+        <p:spPr>
+          <a:xfrm>
+            <a:off x="10585827" y="609600"/>
+            <a:ext cx="1602997" cy="1368198"/>
+          </a:xfrm>
+          <a:prstGeom prst="rect">
+            <a:avLst/>
+          </a:prstGeom>
+          <a:solidFill>
+            <a:schemeClr val="accent1"/>
+          </a:solidFill>
+          <a:ln>
+            <a:noFill/>
+          </a:ln>
+        </p:spPr>
+        <p:style>
+          <a:lnRef idx="2">
+            <a:schemeClr val="accent1">
+              <a:shade val="50000"/>
+            </a:schemeClr>
+          </a:lnRef>
+          <a:fillRef idx="1">
+            <a:schemeClr val="accent1"/>
+          </a:fillRef>
+          <a:effectRef idx="0">
+            <a:schemeClr val="accent1"/>
+          </a:effectRef>
+          <a:fontRef idx="minor">
+            <a:schemeClr val="lt1"/>
+          </a:fontRef>
+        </p:style>
+      </p:sp>
+      <p:sp>
+        <p:nvSpPr>
+          <p:cNvPr id="2" name="Title 1"/>
           <p:cNvSpPr>
             <a:spLocks noGrp="1"/>
           </p:cNvSpPr>
@@ -2183,15 +6913,17 @@
         </p:nvSpPr>
         <p:spPr>
           <a:xfrm>
-            <a:off x="839788" y="457200"/>
-            <a:ext cx="3932237" cy="1600200"/>
-          </a:xfrm>
-        </p:spPr>
-        <p:txBody>
-          <a:bodyPr anchor="b"/>
+            <a:off x="680323" y="753228"/>
+            <a:ext cx="9613857" cy="1080938"/>
+          </a:xfrm>
+        </p:spPr>
+        <p:txBody>
+          <a:bodyPr anchor="ctr">
+            <a:normAutofit/>
+          </a:bodyPr>
           <a:lstStyle>
             <a:lvl1pPr>
-              <a:defRPr sz="3200"/>
+              <a:defRPr sz="3600"/>
             </a:lvl1pPr>
           </a:lstStyle>
           <a:p>
@@ -2199,15 +6931,15 @@
               <a:rPr lang="es-ES" smtClean="0"/>
               <a:t>Haga clic para modificar el estilo de título del patrón</a:t>
             </a:r>
-            <a:endParaRPr lang="es-CO"/>
-          </a:p>
-        </p:txBody>
-      </p:sp>
-      <p:sp>
-        <p:nvSpPr>
-          <p:cNvPr id="3" name="Marcador de posición de imagen 2"/>
-          <p:cNvSpPr>
-            <a:spLocks noGrp="1"/>
+            <a:endParaRPr lang="en-US" dirty="0"/>
+          </a:p>
+        </p:txBody>
+      </p:sp>
+      <p:sp>
+        <p:nvSpPr>
+          <p:cNvPr id="3" name="Picture Placeholder 2"/>
+          <p:cNvSpPr>
+            <a:spLocks noGrp="1" noChangeAspect="1"/>
           </p:cNvSpPr>
           <p:nvPr>
             <p:ph type="pic" idx="1"/>
@@ -2215,12 +6947,23 @@
         </p:nvSpPr>
         <p:spPr>
           <a:xfrm>
-            <a:off x="5183188" y="987425"/>
-            <a:ext cx="6172200" cy="4873625"/>
-          </a:xfrm>
-        </p:spPr>
-        <p:txBody>
-          <a:bodyPr/>
+            <a:off x="4868333" y="2336874"/>
+            <a:ext cx="5425849" cy="3599312"/>
+          </a:xfrm>
+          <a:noFill/>
+          <a:ln>
+            <a:noFill/>
+          </a:ln>
+          <a:effectLst>
+            <a:outerShdw blurRad="76200" dist="63500" dir="5040000" algn="tl" rotWithShape="0">
+              <a:srgbClr val="000000">
+                <a:alpha val="41000"/>
+              </a:srgbClr>
+            </a:outerShdw>
+          </a:effectLst>
+        </p:spPr>
+        <p:txBody>
+          <a:bodyPr anchor="t"/>
           <a:lstStyle>
             <a:lvl1pPr marL="0" indent="0">
               <a:buNone/>
@@ -2260,13 +7003,17 @@
             </a:lvl9pPr>
           </a:lstStyle>
           <a:p>
-            <a:endParaRPr lang="es-CO"/>
-          </a:p>
-        </p:txBody>
-      </p:sp>
-      <p:sp>
-        <p:nvSpPr>
-          <p:cNvPr id="4" name="Marcador de texto 3"/>
+            <a:r>
+              <a:rPr lang="es-ES" smtClean="0"/>
+              <a:t>Haga clic en el icono para agregar una imagen</a:t>
+            </a:r>
+            <a:endParaRPr lang="en-US" dirty="0"/>
+          </a:p>
+        </p:txBody>
+      </p:sp>
+      <p:sp>
+        <p:nvSpPr>
+          <p:cNvPr id="4" name="Text Placeholder 3"/>
           <p:cNvSpPr>
             <a:spLocks noGrp="1"/>
           </p:cNvSpPr>
@@ -2276,12 +7023,12 @@
         </p:nvSpPr>
         <p:spPr>
           <a:xfrm>
-            <a:off x="839788" y="2057400"/>
-            <a:ext cx="3932237" cy="3811588"/>
-          </a:xfrm>
-        </p:spPr>
-        <p:txBody>
-          <a:bodyPr/>
+            <a:off x="680323" y="2336873"/>
+            <a:ext cx="3876256" cy="3599315"/>
+          </a:xfrm>
+        </p:spPr>
+        <p:txBody>
+          <a:bodyPr anchor="ctr"/>
           <a:lstStyle>
             <a:lvl1pPr marL="0" indent="0">
               <a:buNone/>
@@ -2331,7 +7078,7 @@
       </p:sp>
       <p:sp>
         <p:nvSpPr>
-          <p:cNvPr id="5" name="Marcador de fecha 4"/>
+          <p:cNvPr id="5" name="Date Placeholder 4"/>
           <p:cNvSpPr>
             <a:spLocks noGrp="1"/>
           </p:cNvSpPr>
@@ -2354,7 +7101,7 @@
       </p:sp>
       <p:sp>
         <p:nvSpPr>
-          <p:cNvPr id="6" name="Marcador de pie de página 5"/>
+          <p:cNvPr id="6" name="Footer Placeholder 5"/>
           <p:cNvSpPr>
             <a:spLocks noGrp="1"/>
           </p:cNvSpPr>
@@ -2373,7 +7120,7 @@
       </p:sp>
       <p:sp>
         <p:nvSpPr>
-          <p:cNvPr id="7" name="Marcador de número de diapositiva 6"/>
+          <p:cNvPr id="7" name="Slide Number Placeholder 6"/>
           <p:cNvSpPr>
             <a:spLocks noGrp="1"/>
           </p:cNvSpPr>
@@ -2397,7 +7144,7 @@
     </p:spTree>
     <p:extLst>
       <p:ext uri="{BB962C8B-B14F-4D97-AF65-F5344CB8AC3E}">
-        <p14:creationId xmlns:p14="http://schemas.microsoft.com/office/powerpoint/2010/main" val="740620839"/>
+        <p14:creationId xmlns:p14="http://schemas.microsoft.com/office/powerpoint/2010/main" val="1151667810"/>
       </p:ext>
     </p:extLst>
   </p:cSld>
@@ -2411,8 +7158,8 @@
 <p:sldMaster xmlns:a="http://schemas.openxmlformats.org/drawingml/2006/main" xmlns:r="http://schemas.openxmlformats.org/officeDocument/2006/relationships" xmlns:p="http://schemas.openxmlformats.org/presentationml/2006/main">
   <p:cSld>
     <p:bg>
-      <p:bgRef idx="1001">
-        <a:schemeClr val="bg1"/>
+      <p:bgRef idx="1003">
+        <a:schemeClr val="bg2"/>
       </p:bgRef>
     </p:bg>
     <p:spTree>
@@ -2429,9 +7176,40 @@
           <a:chExt cx="0" cy="0"/>
         </a:xfrm>
       </p:grpSpPr>
-      <p:sp>
-        <p:nvSpPr>
-          <p:cNvPr id="2" name="Marcador de título 1"/>
+      <p:pic>
+        <p:nvPicPr>
+          <p:cNvPr id="7" name="Picture 6" descr="hashOverlay-FullResolve.png"/>
+          <p:cNvPicPr>
+            <a:picLocks noChangeAspect="1"/>
+          </p:cNvPicPr>
+          <p:nvPr/>
+        </p:nvPicPr>
+        <p:blipFill>
+          <a:blip r:embed="rId19">
+            <a:alphaModFix amt="10000"/>
+            <a:extLst>
+              <a:ext uri="{28A0092B-C50C-407E-A947-70E740481C1C}">
+                <a14:useLocalDpi xmlns:a14="http://schemas.microsoft.com/office/drawing/2010/main" val="0"/>
+              </a:ext>
+            </a:extLst>
+          </a:blip>
+          <a:stretch>
+            <a:fillRect/>
+          </a:stretch>
+        </p:blipFill>
+        <p:spPr>
+          <a:xfrm>
+            <a:off x="0" y="0"/>
+            <a:ext cx="12192000" cy="6858000"/>
+          </a:xfrm>
+          <a:prstGeom prst="rect">
+            <a:avLst/>
+          </a:prstGeom>
+        </p:spPr>
+      </p:pic>
+      <p:sp>
+        <p:nvSpPr>
+          <p:cNvPr id="2" name="Title Placeholder 1"/>
           <p:cNvSpPr>
             <a:spLocks noGrp="1"/>
           </p:cNvSpPr>
@@ -2441,8 +7219,8 @@
         </p:nvSpPr>
         <p:spPr>
           <a:xfrm>
-            <a:off x="838200" y="365125"/>
-            <a:ext cx="10515600" cy="1325563"/>
+            <a:off x="680321" y="753228"/>
+            <a:ext cx="9613861" cy="1080938"/>
           </a:xfrm>
           <a:prstGeom prst="rect">
             <a:avLst/>
@@ -2458,13 +7236,13 @@
               <a:rPr lang="es-ES" smtClean="0"/>
               <a:t>Haga clic para modificar el estilo de título del patrón</a:t>
             </a:r>
-            <a:endParaRPr lang="es-CO"/>
-          </a:p>
-        </p:txBody>
-      </p:sp>
-      <p:sp>
-        <p:nvSpPr>
-          <p:cNvPr id="3" name="Marcador de texto 2"/>
+            <a:endParaRPr lang="en-US" dirty="0"/>
+          </a:p>
+        </p:txBody>
+      </p:sp>
+      <p:sp>
+        <p:nvSpPr>
+          <p:cNvPr id="3" name="Text Placeholder 2"/>
           <p:cNvSpPr>
             <a:spLocks noGrp="1"/>
           </p:cNvSpPr>
@@ -2474,8 +7252,8 @@
         </p:nvSpPr>
         <p:spPr>
           <a:xfrm>
-            <a:off x="838200" y="1825625"/>
-            <a:ext cx="10515600" cy="4351338"/>
+            <a:off x="680321" y="2336873"/>
+            <a:ext cx="9613861" cy="3599316"/>
           </a:xfrm>
           <a:prstGeom prst="rect">
             <a:avLst/>
@@ -2520,13 +7298,13 @@
               <a:rPr lang="es-ES" smtClean="0"/>
               <a:t>Quinto nivel</a:t>
             </a:r>
-            <a:endParaRPr lang="es-CO"/>
-          </a:p>
-        </p:txBody>
-      </p:sp>
-      <p:sp>
-        <p:nvSpPr>
-          <p:cNvPr id="4" name="Marcador de fecha 3"/>
+            <a:endParaRPr lang="en-US" dirty="0"/>
+          </a:p>
+        </p:txBody>
+      </p:sp>
+      <p:sp>
+        <p:nvSpPr>
+          <p:cNvPr id="4" name="Date Placeholder 3"/>
           <p:cNvSpPr>
             <a:spLocks noGrp="1"/>
           </p:cNvSpPr>
@@ -2536,7 +7314,7 @@
         </p:nvSpPr>
         <p:spPr>
           <a:xfrm>
-            <a:off x="838200" y="6356350"/>
+            <a:off x="7550981" y="5936187"/>
             <a:ext cx="2743200" cy="365125"/>
           </a:xfrm>
           <a:prstGeom prst="rect">
@@ -2546,8 +7324,8 @@
         <p:txBody>
           <a:bodyPr vert="horz" lIns="91440" tIns="45720" rIns="91440" bIns="45720" rtlCol="0" anchor="ctr"/>
           <a:lstStyle>
-            <a:lvl1pPr algn="l">
-              <a:defRPr sz="1200">
+            <a:lvl1pPr algn="r">
+              <a:defRPr sz="1050">
                 <a:solidFill>
                   <a:schemeClr val="tx1">
                     <a:tint val="75000"/>
@@ -2567,7 +7345,7 @@
       </p:sp>
       <p:sp>
         <p:nvSpPr>
-          <p:cNvPr id="5" name="Marcador de pie de página 4"/>
+          <p:cNvPr id="5" name="Footer Placeholder 4"/>
           <p:cNvSpPr>
             <a:spLocks noGrp="1"/>
           </p:cNvSpPr>
@@ -2577,8 +7355,8 @@
         </p:nvSpPr>
         <p:spPr>
           <a:xfrm>
-            <a:off x="4038600" y="6356350"/>
-            <a:ext cx="4114800" cy="365125"/>
+            <a:off x="680321" y="5936188"/>
+            <a:ext cx="6870660" cy="365125"/>
           </a:xfrm>
           <a:prstGeom prst="rect">
             <a:avLst/>
@@ -2587,8 +7365,8 @@
         <p:txBody>
           <a:bodyPr vert="horz" lIns="91440" tIns="45720" rIns="91440" bIns="45720" rtlCol="0" anchor="ctr"/>
           <a:lstStyle>
-            <a:lvl1pPr algn="ctr">
-              <a:defRPr sz="1200">
+            <a:lvl1pPr algn="l">
+              <a:defRPr sz="1050">
                 <a:solidFill>
                   <a:schemeClr val="tx1">
                     <a:tint val="75000"/>
@@ -2604,7 +7382,7 @@
       </p:sp>
       <p:sp>
         <p:nvSpPr>
-          <p:cNvPr id="6" name="Marcador de número de diapositiva 5"/>
+          <p:cNvPr id="6" name="Slide Number Placeholder 5"/>
           <p:cNvSpPr>
             <a:spLocks noGrp="1"/>
           </p:cNvSpPr>
@@ -2614,8 +7392,8 @@
         </p:nvSpPr>
         <p:spPr>
           <a:xfrm>
-            <a:off x="8610600" y="6356350"/>
-            <a:ext cx="2743200" cy="365125"/>
+            <a:off x="10729455" y="753227"/>
+            <a:ext cx="1154151" cy="1090789"/>
           </a:xfrm>
           <a:prstGeom prst="rect">
             <a:avLst/>
@@ -2624,8 +7402,8 @@
         <p:txBody>
           <a:bodyPr vert="horz" lIns="91440" tIns="45720" rIns="91440" bIns="45720" rtlCol="0" anchor="ctr"/>
           <a:lstStyle>
-            <a:lvl1pPr algn="r">
-              <a:defRPr sz="1200">
+            <a:lvl1pPr algn="l">
+              <a:defRPr sz="3600">
                 <a:solidFill>
                   <a:schemeClr val="tx1">
                     <a:tint val="75000"/>
@@ -2646,23 +7424,29 @@
     </p:spTree>
     <p:extLst>
       <p:ext uri="{BB962C8B-B14F-4D97-AF65-F5344CB8AC3E}">
-        <p14:creationId xmlns:p14="http://schemas.microsoft.com/office/powerpoint/2010/main" val="365937190"/>
+        <p14:creationId xmlns:p14="http://schemas.microsoft.com/office/powerpoint/2010/main" val="4043207968"/>
       </p:ext>
     </p:extLst>
   </p:cSld>
-  <p:clrMap bg1="lt1" tx1="dk1" bg2="lt2" tx2="dk2" accent1="accent1" accent2="accent2" accent3="accent3" accent4="accent4" accent5="accent5" accent6="accent6" hlink="hlink" folHlink="folHlink"/>
+  <p:clrMap bg1="dk1" tx1="lt1" bg2="dk2" tx2="lt2" accent1="accent1" accent2="accent2" accent3="accent3" accent4="accent4" accent5="accent5" accent6="accent6" hlink="hlink" folHlink="folHlink"/>
   <p:sldLayoutIdLst>
-    <p:sldLayoutId id="2147483649" r:id="rId1"/>
-    <p:sldLayoutId id="2147483650" r:id="rId2"/>
-    <p:sldLayoutId id="2147483651" r:id="rId3"/>
-    <p:sldLayoutId id="2147483652" r:id="rId4"/>
-    <p:sldLayoutId id="2147483653" r:id="rId5"/>
-    <p:sldLayoutId id="2147483654" r:id="rId6"/>
-    <p:sldLayoutId id="2147483655" r:id="rId7"/>
-    <p:sldLayoutId id="2147483656" r:id="rId8"/>
-    <p:sldLayoutId id="2147483657" r:id="rId9"/>
-    <p:sldLayoutId id="2147483658" r:id="rId10"/>
-    <p:sldLayoutId id="2147483659" r:id="rId11"/>
+    <p:sldLayoutId id="2147483756" r:id="rId1"/>
+    <p:sldLayoutId id="2147483757" r:id="rId2"/>
+    <p:sldLayoutId id="2147483758" r:id="rId3"/>
+    <p:sldLayoutId id="2147483759" r:id="rId4"/>
+    <p:sldLayoutId id="2147483760" r:id="rId5"/>
+    <p:sldLayoutId id="2147483761" r:id="rId6"/>
+    <p:sldLayoutId id="2147483762" r:id="rId7"/>
+    <p:sldLayoutId id="2147483763" r:id="rId8"/>
+    <p:sldLayoutId id="2147483764" r:id="rId9"/>
+    <p:sldLayoutId id="2147483765" r:id="rId10"/>
+    <p:sldLayoutId id="2147483766" r:id="rId11"/>
+    <p:sldLayoutId id="2147483767" r:id="rId12"/>
+    <p:sldLayoutId id="2147483768" r:id="rId13"/>
+    <p:sldLayoutId id="2147483769" r:id="rId14"/>
+    <p:sldLayoutId id="2147483770" r:id="rId15"/>
+    <p:sldLayoutId id="2147483771" r:id="rId16"/>
+    <p:sldLayoutId id="2147483772" r:id="rId17"/>
   </p:sldLayoutIdLst>
   <p:txStyles>
     <p:titleStyle>
@@ -2674,7 +7458,7 @@
           <a:spcPct val="0"/>
         </a:spcBef>
         <a:buNone/>
-        <a:defRPr sz="4400" kern="1200">
+        <a:defRPr sz="3600" kern="1200">
           <a:solidFill>
             <a:schemeClr val="tx1"/>
           </a:solidFill>
@@ -2694,7 +7478,7 @@
         </a:spcBef>
         <a:buFont typeface="Arial" panose="020B0604020202020204" pitchFamily="34" charset="0"/>
         <a:buChar char="•"/>
-        <a:defRPr sz="2800" kern="1200">
+        <a:defRPr sz="2400" kern="1200">
           <a:solidFill>
             <a:schemeClr val="tx1"/>
           </a:solidFill>
@@ -2712,7 +7496,7 @@
         </a:spcBef>
         <a:buFont typeface="Arial" panose="020B0604020202020204" pitchFamily="34" charset="0"/>
         <a:buChar char="•"/>
-        <a:defRPr sz="2400" kern="1200">
+        <a:defRPr sz="2000" kern="1200">
           <a:solidFill>
             <a:schemeClr val="tx1"/>
           </a:solidFill>
@@ -2730,7 +7514,7 @@
         </a:spcBef>
         <a:buFont typeface="Arial" panose="020B0604020202020204" pitchFamily="34" charset="0"/>
         <a:buChar char="•"/>
-        <a:defRPr sz="2000" kern="1200">
+        <a:defRPr sz="1800" kern="1200">
           <a:solidFill>
             <a:schemeClr val="tx1"/>
           </a:solidFill>
@@ -2748,7 +7532,7 @@
         </a:spcBef>
         <a:buFont typeface="Arial" panose="020B0604020202020204" pitchFamily="34" charset="0"/>
         <a:buChar char="•"/>
-        <a:defRPr sz="1800" kern="1200">
+        <a:defRPr sz="1600" kern="1200">
           <a:solidFill>
             <a:schemeClr val="tx1"/>
           </a:solidFill>
@@ -2766,7 +7550,7 @@
         </a:spcBef>
         <a:buFont typeface="Arial" panose="020B0604020202020204" pitchFamily="34" charset="0"/>
         <a:buChar char="•"/>
-        <a:defRPr sz="1800" kern="1200">
+        <a:defRPr sz="1600" kern="1200">
           <a:solidFill>
             <a:schemeClr val="tx1"/>
           </a:solidFill>
@@ -2784,7 +7568,7 @@
         </a:spcBef>
         <a:buFont typeface="Arial" panose="020B0604020202020204" pitchFamily="34" charset="0"/>
         <a:buChar char="•"/>
-        <a:defRPr sz="1800" kern="1200">
+        <a:defRPr sz="1400" kern="1200">
           <a:solidFill>
             <a:schemeClr val="tx1"/>
           </a:solidFill>
@@ -2802,7 +7586,7 @@
         </a:spcBef>
         <a:buFont typeface="Arial" panose="020B0604020202020204" pitchFamily="34" charset="0"/>
         <a:buChar char="•"/>
-        <a:defRPr sz="1800" kern="1200">
+        <a:defRPr sz="1400" kern="1200">
           <a:solidFill>
             <a:schemeClr val="tx1"/>
           </a:solidFill>
@@ -2820,7 +7604,7 @@
         </a:spcBef>
         <a:buFont typeface="Arial" panose="020B0604020202020204" pitchFamily="34" charset="0"/>
         <a:buChar char="•"/>
-        <a:defRPr sz="1800" kern="1200">
+        <a:defRPr sz="1400" kern="1200">
           <a:solidFill>
             <a:schemeClr val="tx1"/>
           </a:solidFill>
@@ -2838,7 +7622,7 @@
         </a:spcBef>
         <a:buFont typeface="Arial" panose="020B0604020202020204" pitchFamily="34" charset="0"/>
         <a:buChar char="•"/>
-        <a:defRPr sz="1800" kern="1200">
+        <a:defRPr sz="1400" kern="1200">
           <a:solidFill>
             <a:schemeClr val="tx1"/>
           </a:solidFill>
@@ -2850,7 +7634,7 @@
     </p:bodyStyle>
     <p:otherStyle>
       <a:defPPr>
-        <a:defRPr lang="es-CO"/>
+        <a:defRPr lang="en-US"/>
       </a:defPPr>
       <a:lvl1pPr marL="0" algn="l" defTabSz="914400" rtl="0" eaLnBrk="1" latinLnBrk="0" hangingPunct="1">
         <a:defRPr sz="1800" kern="1200">
@@ -2966,28 +7750,100 @@
       </p:grpSpPr>
       <p:pic>
         <p:nvPicPr>
-          <p:cNvPr id="267" name="Imagen 266"/>
+          <p:cNvPr id="3" name="Imagen 2"/>
           <p:cNvPicPr>
             <a:picLocks noChangeAspect="1"/>
           </p:cNvPicPr>
           <p:nvPr/>
         </p:nvPicPr>
-        <p:blipFill>
+        <p:blipFill rotWithShape="1">
           <a:blip r:embed="rId3"/>
-          <a:stretch>
-            <a:fillRect/>
-          </a:stretch>
+          <a:srcRect t="7647"/>
+          <a:stretch/>
         </p:blipFill>
         <p:spPr>
           <a:xfrm>
-            <a:off x="0" y="533727"/>
-            <a:ext cx="12192000" cy="5790546"/>
+            <a:off x="0" y="819150"/>
+            <a:ext cx="12192000" cy="5447903"/>
           </a:xfrm>
           <a:prstGeom prst="rect">
             <a:avLst/>
           </a:prstGeom>
         </p:spPr>
       </p:pic>
+      <p:sp>
+        <p:nvSpPr>
+          <p:cNvPr id="139" name="CuadroTexto 138"/>
+          <p:cNvSpPr txBox="1"/>
+          <p:nvPr/>
+        </p:nvSpPr>
+        <p:spPr>
+          <a:xfrm>
+            <a:off x="95250" y="126817"/>
+            <a:ext cx="12096750" cy="523220"/>
+          </a:xfrm>
+          <a:prstGeom prst="rect">
+            <a:avLst/>
+          </a:prstGeom>
+          <a:noFill/>
+        </p:spPr>
+        <p:txBody>
+          <a:bodyPr wrap="square" rtlCol="0">
+            <a:spAutoFit/>
+          </a:bodyPr>
+          <a:lstStyle/>
+          <a:p>
+            <a:r>
+              <a:rPr lang="es-CO" sz="2800" b="1" dirty="0" smtClean="0"/>
+              <a:t>PINOUT P1 		 				</a:t>
+            </a:r>
+            <a:r>
+              <a:rPr lang="es-CO" sz="2800" b="1" dirty="0"/>
+              <a:t> </a:t>
+            </a:r>
+            <a:r>
+              <a:rPr lang="es-CO" sz="2800" b="1" dirty="0" smtClean="0"/>
+              <a:t>             QUACHO BASIC AT</a:t>
+            </a:r>
+            <a:endParaRPr lang="es-CO" sz="2800" b="1" dirty="0"/>
+          </a:p>
+        </p:txBody>
+      </p:sp>
+      <p:sp>
+        <p:nvSpPr>
+          <p:cNvPr id="141" name="CuadroTexto 140"/>
+          <p:cNvSpPr txBox="1"/>
+          <p:nvPr/>
+        </p:nvSpPr>
+        <p:spPr>
+          <a:xfrm>
+            <a:off x="438150" y="6358612"/>
+            <a:ext cx="11594707" cy="369332"/>
+          </a:xfrm>
+          <a:prstGeom prst="rect">
+            <a:avLst/>
+          </a:prstGeom>
+          <a:noFill/>
+        </p:spPr>
+        <p:txBody>
+          <a:bodyPr wrap="square" rtlCol="0">
+            <a:spAutoFit/>
+          </a:bodyPr>
+          <a:lstStyle/>
+          <a:p>
+            <a:pPr algn="r"/>
+            <a:r>
+              <a:rPr lang="es-CO" dirty="0" smtClean="0"/>
+              <a:t>@</a:t>
+            </a:r>
+            <a:r>
+              <a:rPr lang="es-CO" dirty="0" err="1" smtClean="0"/>
+              <a:t>fabeltranm</a:t>
+            </a:r>
+            <a:endParaRPr lang="es-CO" dirty="0"/>
+          </a:p>
+        </p:txBody>
+      </p:sp>
     </p:spTree>
     <p:extLst>
       <p:ext uri="{BB962C8B-B14F-4D97-AF65-F5344CB8AC3E}">
@@ -3009,9 +7865,9 @@
 </file>
 
 <file path=ppt/theme/theme1.xml><?xml version="1.0" encoding="utf-8"?>
-<a:theme xmlns:a="http://schemas.openxmlformats.org/drawingml/2006/main" name="Tema de Office">
+<a:theme xmlns:a="http://schemas.openxmlformats.org/drawingml/2006/main" name="Berlín">
   <a:themeElements>
-    <a:clrScheme name="Office">
+    <a:clrScheme name="Berlín">
       <a:dk1>
         <a:sysClr val="windowText" lastClr="000000"/>
       </a:dk1>
@@ -3019,39 +7875,39 @@
         <a:sysClr val="window" lastClr="FFFFFF"/>
       </a:lt1>
       <a:dk2>
-        <a:srgbClr val="44546A"/>
+        <a:srgbClr val="9D360E"/>
       </a:dk2>
       <a:lt2>
         <a:srgbClr val="E7E6E6"/>
       </a:lt2>
       <a:accent1>
-        <a:srgbClr val="5B9BD5"/>
+        <a:srgbClr val="F09415"/>
       </a:accent1>
       <a:accent2>
-        <a:srgbClr val="ED7D31"/>
+        <a:srgbClr val="C1B56B"/>
       </a:accent2>
       <a:accent3>
-        <a:srgbClr val="A5A5A5"/>
+        <a:srgbClr val="4BAF73"/>
       </a:accent3>
       <a:accent4>
-        <a:srgbClr val="FFC000"/>
+        <a:srgbClr val="5AA6C0"/>
       </a:accent4>
       <a:accent5>
-        <a:srgbClr val="4472C4"/>
+        <a:srgbClr val="D17DF9"/>
       </a:accent5>
       <a:accent6>
-        <a:srgbClr val="70AD47"/>
+        <a:srgbClr val="FA7E5C"/>
       </a:accent6>
       <a:hlink>
-        <a:srgbClr val="0563C1"/>
+        <a:srgbClr val="FFAE3E"/>
       </a:hlink>
       <a:folHlink>
-        <a:srgbClr val="954F72"/>
+        <a:srgbClr val="FCC77E"/>
       </a:folHlink>
     </a:clrScheme>
-    <a:fontScheme name="Office">
+    <a:fontScheme name="Berlín">
       <a:majorFont>
-        <a:latin typeface="Calibri Light" panose="020F0302020204030204"/>
+        <a:latin typeface="Trebuchet MS" panose="020B0603020202020204"/>
         <a:ea typeface=""/>
         <a:cs typeface=""/>
         <a:font script="Jpan" typeface="ＭＳ Ｐゴシック"/>
@@ -3086,7 +7942,7 @@
         <a:font script="Geor" typeface="Sylfaen"/>
       </a:majorFont>
       <a:minorFont>
-        <a:latin typeface="Calibri" panose="020F0502020204030204"/>
+        <a:latin typeface="Trebuchet MS" panose="020B0603020202020204"/>
         <a:ea typeface=""/>
         <a:cs typeface=""/>
         <a:font script="Jpan" typeface="ＭＳ Ｐゴシック"/>
@@ -3121,7 +7977,7 @@
         <a:font script="Geor" typeface="Sylfaen"/>
       </a:minorFont>
     </a:fontScheme>
-    <a:fmtScheme name="Office">
+    <a:fmtScheme name="Berlín">
       <a:fillStyleLst>
         <a:solidFill>
           <a:schemeClr val="phClr"/>
@@ -3130,23 +7986,16 @@
           <a:gsLst>
             <a:gs pos="0">
               <a:schemeClr val="phClr">
+                <a:tint val="60000"/>
+                <a:satMod val="100000"/>
                 <a:lumMod val="110000"/>
-                <a:satMod val="105000"/>
-                <a:tint val="67000"/>
-              </a:schemeClr>
-            </a:gs>
-            <a:gs pos="50000">
-              <a:schemeClr val="phClr">
-                <a:lumMod val="105000"/>
-                <a:satMod val="103000"/>
-                <a:tint val="73000"/>
               </a:schemeClr>
             </a:gs>
             <a:gs pos="100000">
               <a:schemeClr val="phClr">
-                <a:lumMod val="105000"/>
-                <a:satMod val="109000"/>
-                <a:tint val="81000"/>
+                <a:tint val="70000"/>
+                <a:satMod val="100000"/>
+                <a:lumMod val="100000"/>
               </a:schemeClr>
             </a:gs>
           </a:gsLst>
@@ -3156,23 +8005,23 @@
           <a:gsLst>
             <a:gs pos="0">
               <a:schemeClr val="phClr">
+                <a:tint val="94000"/>
                 <a:satMod val="103000"/>
                 <a:lumMod val="102000"/>
-                <a:tint val="94000"/>
               </a:schemeClr>
             </a:gs>
             <a:gs pos="50000">
               <a:schemeClr val="phClr">
+                <a:shade val="100000"/>
                 <a:satMod val="110000"/>
                 <a:lumMod val="100000"/>
-                <a:shade val="100000"/>
               </a:schemeClr>
             </a:gs>
             <a:gs pos="100000">
               <a:schemeClr val="phClr">
+                <a:shade val="78000"/>
+                <a:satMod val="120000"/>
                 <a:lumMod val="99000"/>
-                <a:satMod val="120000"/>
-                <a:shade val="78000"/>
               </a:schemeClr>
             </a:gs>
           </a:gsLst>
@@ -3180,26 +8029,23 @@
         </a:gradFill>
       </a:fillStyleLst>
       <a:lnStyleLst>
-        <a:ln w="6350" cap="flat" cmpd="sng" algn="ctr">
+        <a:ln w="9525" cap="flat" cmpd="sng" algn="ctr">
           <a:solidFill>
             <a:schemeClr val="phClr"/>
           </a:solidFill>
           <a:prstDash val="solid"/>
-          <a:miter lim="800000"/>
         </a:ln>
         <a:ln w="12700" cap="flat" cmpd="sng" algn="ctr">
           <a:solidFill>
             <a:schemeClr val="phClr"/>
           </a:solidFill>
           <a:prstDash val="solid"/>
-          <a:miter lim="800000"/>
         </a:ln>
         <a:ln w="19050" cap="flat" cmpd="sng" algn="ctr">
           <a:solidFill>
             <a:schemeClr val="phClr"/>
           </a:solidFill>
           <a:prstDash val="solid"/>
-          <a:miter lim="800000"/>
         </a:ln>
       </a:lnStyleLst>
       <a:effectStyleLst>
@@ -3233,28 +8079,31 @@
           <a:gsLst>
             <a:gs pos="0">
               <a:schemeClr val="phClr">
-                <a:tint val="93000"/>
-                <a:satMod val="150000"/>
-                <a:shade val="98000"/>
-                <a:lumMod val="102000"/>
+                <a:tint val="96000"/>
+                <a:shade val="100000"/>
+                <a:hueMod val="270000"/>
+                <a:satMod val="200000"/>
+                <a:lumMod val="128000"/>
               </a:schemeClr>
             </a:gs>
             <a:gs pos="50000">
               <a:schemeClr val="phClr">
-                <a:tint val="98000"/>
-                <a:satMod val="130000"/>
-                <a:shade val="90000"/>
-                <a:lumMod val="103000"/>
+                <a:shade val="100000"/>
+                <a:hueMod val="100000"/>
+                <a:satMod val="110000"/>
+                <a:lumMod val="130000"/>
               </a:schemeClr>
             </a:gs>
             <a:gs pos="100000">
               <a:schemeClr val="phClr">
-                <a:shade val="63000"/>
-                <a:satMod val="120000"/>
+                <a:shade val="78000"/>
+                <a:hueMod val="44000"/>
+                <a:satMod val="200000"/>
+                <a:lumMod val="69000"/>
               </a:schemeClr>
             </a:gs>
           </a:gsLst>
-          <a:lin ang="5400000" scaled="0"/>
+          <a:lin ang="2520000" scaled="0"/>
         </a:gradFill>
       </a:bgFillStyleLst>
     </a:fmtScheme>
@@ -3263,7 +8112,7 @@
   <a:extraClrSchemeLst/>
   <a:extLst>
     <a:ext uri="{05A4C25C-085E-4340-85A3-A5531E510DB2}">
-      <thm15:themeFamily xmlns:thm15="http://schemas.microsoft.com/office/thememl/2012/main" name="Office Theme" id="{62F939B6-93AF-4DB8-9C6B-D6C7DFDC589F}" vid="{4A3C46E8-61CC-4603-A589-7422A47A8E4A}"/>
+      <thm15:themeFamily xmlns:thm15="http://schemas.microsoft.com/office/thememl/2012/main" name="Berlin" id="{7B5DBA9E-B069-418E-9360-A61BDD0615A4}" vid="{C0CBE056-4EF4-4D92-969E-947779DA7AAA}"/>
     </a:ext>
   </a:extLst>
 </a:theme>
